--- a/01-building_cookbooks_with_tests.pptx
+++ b/01-building_cookbooks_with_tests.pptx
@@ -6,10 +6,10 @@
     <p:sldMasterId id="2147483847" r:id="rId6"/>
   </p:sldMasterIdLst>
   <p:notesMasterIdLst>
-    <p:notesMasterId r:id="rId42"/>
+    <p:notesMasterId r:id="rId43"/>
   </p:notesMasterIdLst>
   <p:handoutMasterIdLst>
-    <p:handoutMasterId r:id="rId43"/>
+    <p:handoutMasterId r:id="rId44"/>
   </p:handoutMasterIdLst>
   <p:sldIdLst>
     <p:sldId id="256" r:id="rId7"/>
@@ -19,34 +19,35 @@
     <p:sldId id="268" r:id="rId11"/>
     <p:sldId id="269" r:id="rId12"/>
     <p:sldId id="270" r:id="rId13"/>
-    <p:sldId id="259" r:id="rId14"/>
-    <p:sldId id="283" r:id="rId15"/>
-    <p:sldId id="272" r:id="rId16"/>
-    <p:sldId id="260" r:id="rId17"/>
-    <p:sldId id="273" r:id="rId18"/>
-    <p:sldId id="284" r:id="rId19"/>
-    <p:sldId id="274" r:id="rId20"/>
-    <p:sldId id="275" r:id="rId21"/>
-    <p:sldId id="276" r:id="rId22"/>
-    <p:sldId id="277" r:id="rId23"/>
-    <p:sldId id="278" r:id="rId24"/>
-    <p:sldId id="279" r:id="rId25"/>
-    <p:sldId id="285" r:id="rId26"/>
-    <p:sldId id="286" r:id="rId27"/>
-    <p:sldId id="287" r:id="rId28"/>
-    <p:sldId id="261" r:id="rId29"/>
-    <p:sldId id="280" r:id="rId30"/>
-    <p:sldId id="262" r:id="rId31"/>
-    <p:sldId id="281" r:id="rId32"/>
-    <p:sldId id="288" r:id="rId33"/>
-    <p:sldId id="289" r:id="rId34"/>
-    <p:sldId id="290" r:id="rId35"/>
-    <p:sldId id="291" r:id="rId36"/>
-    <p:sldId id="292" r:id="rId37"/>
-    <p:sldId id="263" r:id="rId38"/>
-    <p:sldId id="264" r:id="rId39"/>
-    <p:sldId id="266" r:id="rId40"/>
-    <p:sldId id="265" r:id="rId41"/>
+    <p:sldId id="293" r:id="rId14"/>
+    <p:sldId id="259" r:id="rId15"/>
+    <p:sldId id="283" r:id="rId16"/>
+    <p:sldId id="272" r:id="rId17"/>
+    <p:sldId id="260" r:id="rId18"/>
+    <p:sldId id="273" r:id="rId19"/>
+    <p:sldId id="284" r:id="rId20"/>
+    <p:sldId id="274" r:id="rId21"/>
+    <p:sldId id="275" r:id="rId22"/>
+    <p:sldId id="276" r:id="rId23"/>
+    <p:sldId id="277" r:id="rId24"/>
+    <p:sldId id="278" r:id="rId25"/>
+    <p:sldId id="279" r:id="rId26"/>
+    <p:sldId id="285" r:id="rId27"/>
+    <p:sldId id="286" r:id="rId28"/>
+    <p:sldId id="287" r:id="rId29"/>
+    <p:sldId id="261" r:id="rId30"/>
+    <p:sldId id="280" r:id="rId31"/>
+    <p:sldId id="262" r:id="rId32"/>
+    <p:sldId id="281" r:id="rId33"/>
+    <p:sldId id="288" r:id="rId34"/>
+    <p:sldId id="289" r:id="rId35"/>
+    <p:sldId id="290" r:id="rId36"/>
+    <p:sldId id="291" r:id="rId37"/>
+    <p:sldId id="292" r:id="rId38"/>
+    <p:sldId id="263" r:id="rId39"/>
+    <p:sldId id="264" r:id="rId40"/>
+    <p:sldId id="266" r:id="rId41"/>
+    <p:sldId id="265" r:id="rId42"/>
   </p:sldIdLst>
   <p:sldSz cx="16256000" cy="9144000"/>
   <p:notesSz cx="6858000" cy="9144000"/>
@@ -289,7 +290,7 @@
               <a:pPr>
                 <a:defRPr/>
               </a:pPr>
-              <a:t>10/22/15</a:t>
+              <a:t>10/26/15</a:t>
             </a:fld>
             <a:endParaRPr lang="en-US" dirty="0"/>
           </a:p>
@@ -472,7 +473,7 @@
               <a:pPr>
                 <a:defRPr/>
               </a:pPr>
-              <a:t>10/22/15</a:t>
+              <a:t>10/26/15</a:t>
             </a:fld>
             <a:endParaRPr lang="en-US" dirty="0"/>
           </a:p>
@@ -871,6 +872,152 @@
     </a:lvl9pPr>
   </p:notesStyle>
 </p:notesMaster>
+</file>
+
+<file path=ppt/notesSlides/notesSlide1.xml><?xml version="1.0" encoding="utf-8"?>
+<p:notes xmlns:a="http://schemas.openxmlformats.org/drawingml/2006/main" xmlns:r="http://schemas.openxmlformats.org/officeDocument/2006/relationships" xmlns:p="http://schemas.openxmlformats.org/presentationml/2006/main">
+  <p:cSld>
+    <p:spTree>
+      <p:nvGrpSpPr>
+        <p:cNvPr id="1" name=""/>
+        <p:cNvGrpSpPr/>
+        <p:nvPr/>
+      </p:nvGrpSpPr>
+      <p:grpSpPr>
+        <a:xfrm>
+          <a:off x="0" y="0"/>
+          <a:ext cx="0" cy="0"/>
+          <a:chOff x="0" y="0"/>
+          <a:chExt cx="0" cy="0"/>
+        </a:xfrm>
+      </p:grpSpPr>
+      <p:sp>
+        <p:nvSpPr>
+          <p:cNvPr id="2" name="Slide Image Placeholder 1"/>
+          <p:cNvSpPr>
+            <a:spLocks noGrp="1" noRot="1" noChangeAspect="1"/>
+          </p:cNvSpPr>
+          <p:nvPr>
+            <p:ph type="sldImg"/>
+          </p:nvPr>
+        </p:nvSpPr>
+        <p:spPr/>
+      </p:sp>
+      <p:sp>
+        <p:nvSpPr>
+          <p:cNvPr id="3" name="Notes Placeholder 2"/>
+          <p:cNvSpPr>
+            <a:spLocks noGrp="1"/>
+          </p:cNvSpPr>
+          <p:nvPr>
+            <p:ph type="body" idx="1"/>
+          </p:nvPr>
+        </p:nvSpPr>
+        <p:spPr/>
+        <p:txBody>
+          <a:bodyPr/>
+          <a:lstStyle/>
+          <a:p>
+            <a:r>
+              <a:rPr lang="en-US" dirty="0" smtClean="0"/>
+              <a:t>Talk</a:t>
+            </a:r>
+            <a:r>
+              <a:rPr lang="en-US" baseline="0" dirty="0" smtClean="0"/>
+              <a:t> briefly about chef-apply and </a:t>
+            </a:r>
+            <a:r>
+              <a:rPr lang="en-US" baseline="0" smtClean="0"/>
+              <a:t>what it does.</a:t>
+            </a:r>
+            <a:endParaRPr lang="en-US" dirty="0"/>
+          </a:p>
+        </p:txBody>
+      </p:sp>
+      <p:sp>
+        <p:nvSpPr>
+          <p:cNvPr id="4" name="Slide Number Placeholder 3"/>
+          <p:cNvSpPr>
+            <a:spLocks noGrp="1"/>
+          </p:cNvSpPr>
+          <p:nvPr>
+            <p:ph type="sldNum" sz="quarter" idx="10"/>
+          </p:nvPr>
+        </p:nvSpPr>
+        <p:spPr/>
+        <p:txBody>
+          <a:bodyPr/>
+          <a:lstStyle/>
+          <a:p>
+            <a:pPr>
+              <a:defRPr/>
+            </a:pPr>
+            <a:fld id="{DC3734AA-3150-D947-AC52-2F5DF48BFCD5}" type="slidenum">
+              <a:rPr lang="en-US" smtClean="0"/>
+              <a:pPr>
+                <a:defRPr/>
+              </a:pPr>
+              <a:t>7</a:t>
+            </a:fld>
+            <a:endParaRPr lang="en-US" dirty="0"/>
+          </a:p>
+        </p:txBody>
+      </p:sp>
+      <p:sp>
+        <p:nvSpPr>
+          <p:cNvPr id="5" name="Header Placeholder 4"/>
+          <p:cNvSpPr>
+            <a:spLocks noGrp="1"/>
+          </p:cNvSpPr>
+          <p:nvPr>
+            <p:ph type="hdr" sz="quarter" idx="11"/>
+          </p:nvPr>
+        </p:nvSpPr>
+        <p:spPr/>
+        <p:txBody>
+          <a:bodyPr/>
+          <a:lstStyle/>
+          <a:p>
+            <a:pPr>
+              <a:defRPr/>
+            </a:pPr>
+            <a:endParaRPr lang="en-US"/>
+          </a:p>
+        </p:txBody>
+      </p:sp>
+      <p:sp>
+        <p:nvSpPr>
+          <p:cNvPr id="6" name="Footer Placeholder 5"/>
+          <p:cNvSpPr>
+            <a:spLocks noGrp="1"/>
+          </p:cNvSpPr>
+          <p:nvPr>
+            <p:ph type="ftr" sz="quarter" idx="12"/>
+          </p:nvPr>
+        </p:nvSpPr>
+        <p:spPr/>
+        <p:txBody>
+          <a:bodyPr/>
+          <a:lstStyle/>
+          <a:p>
+            <a:pPr>
+              <a:defRPr/>
+            </a:pPr>
+            <a:endParaRPr lang="en-US"/>
+          </a:p>
+        </p:txBody>
+      </p:sp>
+    </p:spTree>
+    <p:extLst>
+      <p:ext uri="{BB962C8B-B14F-4D97-AF65-F5344CB8AC3E}">
+        <p14:creationId xmlns:p14="http://schemas.microsoft.com/office/powerpoint/2010/main" val="294289794"/>
+      </p:ext>
+    </p:extLst>
+  </p:cSld>
+  <p:clrMapOvr>
+    <a:masterClrMapping/>
+  </p:clrMapOvr>
+</p:notes>
 </file>
 
 <file path=ppt/slideLayouts/slideLayout1.xml><?xml version="1.0" encoding="utf-8"?>
@@ -9352,50 +9499,69 @@
           <a:p>
             <a:r>
               <a:rPr lang="en-US" dirty="0"/>
-              <a:t>  describe command(</a:t>
-            </a:r>
-            <a:r>
-              <a:rPr lang="en-US" dirty="0" smtClean="0"/>
-              <a:t>'curl http</a:t>
-            </a:r>
-            <a:r>
-              <a:rPr lang="en-US" dirty="0"/>
-              <a:t>://</a:t>
+              <a:t> </a:t>
+            </a:r>
+            <a:r>
+              <a:rPr lang="en-US" dirty="0" smtClean="0"/>
+              <a:t> # </a:t>
             </a:r>
             <a:r>
               <a:rPr lang="en-US" dirty="0" err="1"/>
-              <a:t>localhost</a:t>
-            </a:r>
-            <a:r>
-              <a:rPr lang="en-US" dirty="0"/>
-              <a:t>') do</a:t>
-            </a:r>
-          </a:p>
-          <a:p>
-            <a:r>
-              <a:rPr lang="en-US" dirty="0"/>
-              <a:t>    its(:</a:t>
+              <a:t>Serverspec</a:t>
+            </a:r>
+            <a:r>
+              <a:rPr lang="en-US" dirty="0"/>
+              <a:t> examples can be found at</a:t>
+            </a:r>
+          </a:p>
+          <a:p>
+            <a:r>
+              <a:rPr lang="en-US" dirty="0"/>
+              <a:t>  # http://</a:t>
             </a:r>
             <a:r>
               <a:rPr lang="en-US" dirty="0" err="1"/>
-              <a:t>stdout</a:t>
-            </a:r>
-            <a:r>
-              <a:rPr lang="en-US" dirty="0"/>
-              <a:t>) { should match(/WRONG/) }</a:t>
-            </a:r>
-          </a:p>
-          <a:p>
-            <a:r>
-              <a:rPr lang="en-US" dirty="0"/>
-              <a:t>  end</a:t>
-            </a:r>
-          </a:p>
-          <a:p>
-            <a:r>
-              <a:rPr lang="en-US" dirty="0"/>
+              <a:t>serverspec.org</a:t>
+            </a:r>
+            <a:r>
+              <a:rPr lang="en-US" dirty="0"/>
+              <a:t>/</a:t>
+            </a:r>
+            <a:r>
+              <a:rPr lang="en-US" dirty="0" err="1"/>
+              <a:t>resource_types.html</a:t>
+            </a:r>
+            <a:endParaRPr lang="en-US" dirty="0"/>
+          </a:p>
+          <a:p>
+            <a:r>
+              <a:rPr lang="en-US" dirty="0"/>
+              <a:t>  it 'does something' do</a:t>
+            </a:r>
+          </a:p>
+          <a:p>
+            <a:r>
+              <a:rPr lang="en-US" dirty="0"/>
+              <a:t>    skip 'Replace this with meaningful tests'</a:t>
+            </a:r>
+          </a:p>
+          <a:p>
+            <a:r>
+              <a:rPr lang="en-US" dirty="0"/>
+              <a:t>  </a:t>
+            </a:r>
+            <a:r>
+              <a:rPr lang="en-US" dirty="0" smtClean="0"/>
               <a:t>end</a:t>
             </a:r>
+            <a:endParaRPr lang="en-US" dirty="0"/>
+          </a:p>
+          <a:p>
+            <a:r>
+              <a:rPr lang="en-US" dirty="0" smtClean="0"/>
+              <a:t>end</a:t>
+            </a:r>
+            <a:endParaRPr lang="en-US" dirty="0"/>
           </a:p>
           <a:p>
             <a:endParaRPr lang="en-US" dirty="0"/>
@@ -9450,18 +9616,18 @@
       </p:sp>
       <p:sp>
         <p:nvSpPr>
-          <p:cNvPr id="6" name="Text Placeholder 5"/>
-          <p:cNvSpPr>
-            <a:spLocks noGrp="1"/>
-          </p:cNvSpPr>
-          <p:nvPr>
-            <p:ph type="body" sz="quarter" idx="13"/>
+          <p:cNvPr id="5" name="Text Placeholder 4"/>
+          <p:cNvSpPr>
+            <a:spLocks noGrp="1"/>
+          </p:cNvSpPr>
+          <p:nvPr>
+            <p:ph type="body" sz="quarter" idx="12"/>
           </p:nvPr>
         </p:nvSpPr>
         <p:spPr>
           <a:xfrm>
-            <a:off x="1135042" y="3676540"/>
-            <a:ext cx="14404273" cy="1738000"/>
+            <a:off x="1124446" y="3679407"/>
+            <a:ext cx="14404273" cy="2760107"/>
           </a:xfrm>
         </p:spPr>
         <p:txBody>
@@ -9470,7 +9636,7 @@
           <a:p>
             <a:r>
               <a:rPr lang="en-US" dirty="0" smtClean="0"/>
-              <a:t>+</a:t>
+              <a:t>-</a:t>
             </a:r>
             <a:endParaRPr lang="en-US" dirty="0"/>
           </a:p>
@@ -9479,7 +9645,7 @@
     </p:spTree>
     <p:extLst>
       <p:ext uri="{BB962C8B-B14F-4D97-AF65-F5344CB8AC3E}">
-        <p14:creationId xmlns:p14="http://schemas.microsoft.com/office/powerpoint/2010/main" val="3342686900"/>
+        <p14:creationId xmlns:p14="http://schemas.microsoft.com/office/powerpoint/2010/main" val="3946657038"/>
       </p:ext>
     </p:extLst>
   </p:cSld>
@@ -9523,32 +9689,7 @@
             <a:spLocks noGrp="1"/>
           </p:cNvSpPr>
           <p:nvPr>
-            <p:ph type="ctrTitle"/>
-          </p:nvPr>
-        </p:nvSpPr>
-        <p:spPr/>
-        <p:txBody>
-          <a:bodyPr>
-            <a:normAutofit fontScale="90000"/>
-          </a:bodyPr>
-          <a:lstStyle/>
-          <a:p>
-            <a:r>
-              <a:rPr lang="en-US" dirty="0" smtClean="0"/>
-              <a:t>Build a Reliable Cookbook</a:t>
-            </a:r>
-            <a:endParaRPr lang="en-US" dirty="0"/>
-          </a:p>
-        </p:txBody>
-      </p:sp>
-      <p:sp>
-        <p:nvSpPr>
-          <p:cNvPr id="3" name="Content Placeholder 2"/>
-          <p:cNvSpPr>
-            <a:spLocks noGrp="1"/>
-          </p:cNvSpPr>
-          <p:nvPr>
-            <p:ph sz="quarter" idx="11"/>
+            <p:ph type="title"/>
           </p:nvPr>
         </p:nvSpPr>
         <p:spPr/>
@@ -9556,22 +9697,18 @@
           <a:bodyPr/>
           <a:lstStyle/>
           <a:p>
-            <a:r>
-              <a:rPr lang="en-US" dirty="0" smtClean="0"/>
-              <a:t>This time it will be different.</a:t>
-            </a:r>
-            <a:endParaRPr lang="en-US" dirty="0"/>
-          </a:p>
-        </p:txBody>
-      </p:sp>
-      <p:sp>
-        <p:nvSpPr>
-          <p:cNvPr id="4" name="Text Placeholder 3"/>
-          <p:cNvSpPr>
-            <a:spLocks noGrp="1"/>
-          </p:cNvSpPr>
-          <p:nvPr>
-            <p:ph type="body" sz="quarter" idx="10"/>
+            <a:endParaRPr lang="en-US"/>
+          </a:p>
+        </p:txBody>
+      </p:sp>
+      <p:sp>
+        <p:nvSpPr>
+          <p:cNvPr id="3" name="Content Placeholder 2"/>
+          <p:cNvSpPr>
+            <a:spLocks noGrp="1"/>
+          </p:cNvSpPr>
+          <p:nvPr>
+            <p:ph sz="quarter" idx="10"/>
           </p:nvPr>
         </p:nvSpPr>
         <p:spPr/>
@@ -9579,61 +9716,167 @@
           <a:bodyPr/>
           <a:lstStyle/>
           <a:p>
-            <a:pPr marL="342900" indent="-342900">
-              <a:buFont typeface="Wingdings" charset="2"/>
-              <a:buChar char="ü"/>
-            </a:pPr>
-            <a:r>
-              <a:rPr lang="en-US" dirty="0"/>
-              <a:t>Create a cookbook</a:t>
-            </a:r>
-          </a:p>
-          <a:p>
-            <a:pPr marL="342900" indent="-342900">
-              <a:buFont typeface="Wingdings" charset="2"/>
-              <a:buChar char="ü"/>
-            </a:pPr>
-            <a:r>
-              <a:rPr lang="en-US" dirty="0"/>
-              <a:t>Write tests that verifies the cookbook does what we want it to do</a:t>
-            </a:r>
-          </a:p>
-          <a:p>
-            <a:pPr marL="342900" indent="-342900">
-              <a:buFont typeface="Wingdings" charset="2"/>
-              <a:buChar char="q"/>
-            </a:pPr>
-            <a:r>
-              <a:rPr lang="en-US" dirty="0"/>
-              <a:t>Execute the tests and see failure</a:t>
-            </a:r>
-          </a:p>
-          <a:p>
-            <a:pPr marL="342900" indent="-342900">
-              <a:buFont typeface="Wingdings" charset="2"/>
-              <a:buChar char="q"/>
-            </a:pPr>
-            <a:r>
-              <a:rPr lang="en-US" dirty="0"/>
-              <a:t>Write the recipe to make the test pass</a:t>
-            </a:r>
-          </a:p>
-          <a:p>
-            <a:pPr marL="342900" indent="-342900">
-              <a:buFont typeface="Wingdings" charset="2"/>
-              <a:buChar char="q"/>
-            </a:pPr>
-            <a:r>
-              <a:rPr lang="en-US" dirty="0"/>
-              <a:t>Execute the tests and see success</a:t>
-            </a:r>
+            <a:r>
+              <a:rPr lang="en-US" dirty="0"/>
+              <a:t>require '</a:t>
+            </a:r>
+            <a:r>
+              <a:rPr lang="en-US" dirty="0" err="1"/>
+              <a:t>spec_helper</a:t>
+            </a:r>
+            <a:r>
+              <a:rPr lang="en-US" dirty="0"/>
+              <a:t>'</a:t>
+            </a:r>
+          </a:p>
+          <a:p>
+            <a:endParaRPr lang="en-US" dirty="0"/>
+          </a:p>
+          <a:p>
+            <a:r>
+              <a:rPr lang="en-US" dirty="0"/>
+              <a:t>describe '</a:t>
+            </a:r>
+            <a:r>
+              <a:rPr lang="en-US" dirty="0" err="1"/>
+              <a:t>httpd</a:t>
+            </a:r>
+            <a:r>
+              <a:rPr lang="en-US" dirty="0"/>
+              <a:t>::default' do</a:t>
+            </a:r>
+          </a:p>
+          <a:p>
+            <a:r>
+              <a:rPr lang="en-US" dirty="0"/>
+              <a:t>  describe command(</a:t>
+            </a:r>
+            <a:r>
+              <a:rPr lang="en-US" dirty="0" smtClean="0"/>
+              <a:t>'curl http</a:t>
+            </a:r>
+            <a:r>
+              <a:rPr lang="en-US" dirty="0"/>
+              <a:t>://</a:t>
+            </a:r>
+            <a:r>
+              <a:rPr lang="en-US" dirty="0" err="1"/>
+              <a:t>localhost</a:t>
+            </a:r>
+            <a:r>
+              <a:rPr lang="en-US" dirty="0"/>
+              <a:t>') do</a:t>
+            </a:r>
+          </a:p>
+          <a:p>
+            <a:r>
+              <a:rPr lang="en-US" dirty="0"/>
+              <a:t>    its(:</a:t>
+            </a:r>
+            <a:r>
+              <a:rPr lang="en-US" dirty="0" err="1"/>
+              <a:t>stdout</a:t>
+            </a:r>
+            <a:r>
+              <a:rPr lang="en-US" dirty="0"/>
+              <a:t>) { should match(/WRONG/) }</a:t>
+            </a:r>
+          </a:p>
+          <a:p>
+            <a:r>
+              <a:rPr lang="en-US" dirty="0"/>
+              <a:t>  end</a:t>
+            </a:r>
+          </a:p>
+          <a:p>
+            <a:r>
+              <a:rPr lang="en-US" dirty="0"/>
+              <a:t>end</a:t>
+            </a:r>
+          </a:p>
+          <a:p>
+            <a:endParaRPr lang="en-US" dirty="0"/>
+          </a:p>
+          <a:p>
+            <a:endParaRPr lang="en-US" dirty="0"/>
+          </a:p>
+        </p:txBody>
+      </p:sp>
+      <p:sp>
+        <p:nvSpPr>
+          <p:cNvPr id="4" name="Text Placeholder 3"/>
+          <p:cNvSpPr>
+            <a:spLocks noGrp="1"/>
+          </p:cNvSpPr>
+          <p:nvPr>
+            <p:ph type="body" sz="quarter" idx="11"/>
+          </p:nvPr>
+        </p:nvSpPr>
+        <p:spPr/>
+        <p:txBody>
+          <a:bodyPr/>
+          <a:lstStyle/>
+          <a:p>
+            <a:r>
+              <a:rPr lang="en-US" dirty="0"/>
+              <a:t>~/</a:t>
+            </a:r>
+            <a:r>
+              <a:rPr lang="en-US" dirty="0" err="1"/>
+              <a:t>httpd</a:t>
+            </a:r>
+            <a:r>
+              <a:rPr lang="en-US" dirty="0"/>
+              <a:t>/test/integration/default/</a:t>
+            </a:r>
+            <a:r>
+              <a:rPr lang="en-US" dirty="0" err="1"/>
+              <a:t>serverspec</a:t>
+            </a:r>
+            <a:r>
+              <a:rPr lang="en-US" dirty="0"/>
+              <a:t>/</a:t>
+            </a:r>
+            <a:r>
+              <a:rPr lang="en-US" dirty="0" err="1" smtClean="0"/>
+              <a:t>default_spec.rb</a:t>
+            </a:r>
+            <a:endParaRPr lang="en-US" dirty="0"/>
+          </a:p>
+        </p:txBody>
+      </p:sp>
+      <p:sp>
+        <p:nvSpPr>
+          <p:cNvPr id="6" name="Text Placeholder 5"/>
+          <p:cNvSpPr>
+            <a:spLocks noGrp="1"/>
+          </p:cNvSpPr>
+          <p:nvPr>
+            <p:ph type="body" sz="quarter" idx="13"/>
+          </p:nvPr>
+        </p:nvSpPr>
+        <p:spPr>
+          <a:xfrm>
+            <a:off x="1135042" y="3676540"/>
+            <a:ext cx="14404273" cy="1738000"/>
+          </a:xfrm>
+        </p:spPr>
+        <p:txBody>
+          <a:bodyPr/>
+          <a:lstStyle/>
+          <a:p>
+            <a:r>
+              <a:rPr lang="en-US" dirty="0" smtClean="0"/>
+              <a:t>+</a:t>
+            </a:r>
+            <a:endParaRPr lang="en-US" dirty="0"/>
           </a:p>
         </p:txBody>
       </p:sp>
     </p:spTree>
     <p:extLst>
       <p:ext uri="{BB962C8B-B14F-4D97-AF65-F5344CB8AC3E}">
-        <p14:creationId xmlns:p14="http://schemas.microsoft.com/office/powerpoint/2010/main" val="4225070500"/>
+        <p14:creationId xmlns:p14="http://schemas.microsoft.com/office/powerpoint/2010/main" val="3342686900"/>
       </p:ext>
     </p:extLst>
   </p:cSld>
@@ -9672,6 +9915,160 @@
       </p:grpSpPr>
       <p:sp>
         <p:nvSpPr>
+          <p:cNvPr id="2" name="Title 1"/>
+          <p:cNvSpPr>
+            <a:spLocks noGrp="1"/>
+          </p:cNvSpPr>
+          <p:nvPr>
+            <p:ph type="ctrTitle"/>
+          </p:nvPr>
+        </p:nvSpPr>
+        <p:spPr/>
+        <p:txBody>
+          <a:bodyPr>
+            <a:normAutofit fontScale="90000"/>
+          </a:bodyPr>
+          <a:lstStyle/>
+          <a:p>
+            <a:r>
+              <a:rPr lang="en-US" dirty="0" smtClean="0"/>
+              <a:t>Build a Reliable Cookbook</a:t>
+            </a:r>
+            <a:endParaRPr lang="en-US" dirty="0"/>
+          </a:p>
+        </p:txBody>
+      </p:sp>
+      <p:sp>
+        <p:nvSpPr>
+          <p:cNvPr id="3" name="Content Placeholder 2"/>
+          <p:cNvSpPr>
+            <a:spLocks noGrp="1"/>
+          </p:cNvSpPr>
+          <p:nvPr>
+            <p:ph sz="quarter" idx="11"/>
+          </p:nvPr>
+        </p:nvSpPr>
+        <p:spPr/>
+        <p:txBody>
+          <a:bodyPr/>
+          <a:lstStyle/>
+          <a:p>
+            <a:r>
+              <a:rPr lang="en-US" dirty="0" smtClean="0"/>
+              <a:t>This time it will be different.</a:t>
+            </a:r>
+            <a:endParaRPr lang="en-US" dirty="0"/>
+          </a:p>
+        </p:txBody>
+      </p:sp>
+      <p:sp>
+        <p:nvSpPr>
+          <p:cNvPr id="4" name="Text Placeholder 3"/>
+          <p:cNvSpPr>
+            <a:spLocks noGrp="1"/>
+          </p:cNvSpPr>
+          <p:nvPr>
+            <p:ph type="body" sz="quarter" idx="10"/>
+          </p:nvPr>
+        </p:nvSpPr>
+        <p:spPr/>
+        <p:txBody>
+          <a:bodyPr/>
+          <a:lstStyle/>
+          <a:p>
+            <a:pPr marL="342900" indent="-342900">
+              <a:buFont typeface="Wingdings" charset="2"/>
+              <a:buChar char="ü"/>
+            </a:pPr>
+            <a:r>
+              <a:rPr lang="en-US" dirty="0"/>
+              <a:t>Create a cookbook</a:t>
+            </a:r>
+          </a:p>
+          <a:p>
+            <a:pPr marL="342900" indent="-342900">
+              <a:buFont typeface="Wingdings" charset="2"/>
+              <a:buChar char="ü"/>
+            </a:pPr>
+            <a:r>
+              <a:rPr lang="en-US" dirty="0"/>
+              <a:t>Write tests that verifies the cookbook does what we want it to do</a:t>
+            </a:r>
+          </a:p>
+          <a:p>
+            <a:pPr marL="342900" indent="-342900">
+              <a:buFont typeface="Wingdings" charset="2"/>
+              <a:buChar char="q"/>
+            </a:pPr>
+            <a:r>
+              <a:rPr lang="en-US" dirty="0"/>
+              <a:t>Execute the tests and see failure</a:t>
+            </a:r>
+          </a:p>
+          <a:p>
+            <a:pPr marL="342900" indent="-342900">
+              <a:buFont typeface="Wingdings" charset="2"/>
+              <a:buChar char="q"/>
+            </a:pPr>
+            <a:r>
+              <a:rPr lang="en-US" dirty="0"/>
+              <a:t>Write the recipe to make the test pass</a:t>
+            </a:r>
+          </a:p>
+          <a:p>
+            <a:pPr marL="342900" indent="-342900">
+              <a:buFont typeface="Wingdings" charset="2"/>
+              <a:buChar char="q"/>
+            </a:pPr>
+            <a:r>
+              <a:rPr lang="en-US" dirty="0"/>
+              <a:t>Execute the tests and see success</a:t>
+            </a:r>
+          </a:p>
+        </p:txBody>
+      </p:sp>
+    </p:spTree>
+    <p:extLst>
+      <p:ext uri="{BB962C8B-B14F-4D97-AF65-F5344CB8AC3E}">
+        <p14:creationId xmlns:p14="http://schemas.microsoft.com/office/powerpoint/2010/main" val="4225070500"/>
+      </p:ext>
+    </p:extLst>
+  </p:cSld>
+  <p:clrMapOvr>
+    <a:masterClrMapping/>
+  </p:clrMapOvr>
+  <p:transition xmlns:p14="http://schemas.microsoft.com/office/powerpoint/2010/main" spd="med">
+    <p:fade/>
+  </p:transition>
+  <p:timing>
+    <p:tnLst>
+      <p:par>
+        <p:cTn xmlns:p14="http://schemas.microsoft.com/office/powerpoint/2010/main" id="1" dur="indefinite" restart="never" nodeType="tmRoot"/>
+      </p:par>
+    </p:tnLst>
+  </p:timing>
+</p:sld>
+</file>
+
+<file path=ppt/slides/slide13.xml><?xml version="1.0" encoding="utf-8"?>
+<p:sld xmlns:a="http://schemas.openxmlformats.org/drawingml/2006/main" xmlns:r="http://schemas.openxmlformats.org/officeDocument/2006/relationships" xmlns:p="http://schemas.openxmlformats.org/presentationml/2006/main">
+  <p:cSld>
+    <p:spTree>
+      <p:nvGrpSpPr>
+        <p:cNvPr id="1" name=""/>
+        <p:cNvGrpSpPr/>
+        <p:nvPr/>
+      </p:nvGrpSpPr>
+      <p:grpSpPr>
+        <a:xfrm>
+          <a:off x="0" y="0"/>
+          <a:ext cx="0" cy="0"/>
+          <a:chOff x="0" y="0"/>
+          <a:chExt cx="0" cy="0"/>
+        </a:xfrm>
+      </p:grpSpPr>
+      <p:sp>
+        <p:nvSpPr>
           <p:cNvPr id="2" name="Content Placeholder 1"/>
           <p:cNvSpPr>
             <a:spLocks noGrp="1"/>
@@ -9751,7 +10148,7 @@
 </p:sld>
 </file>
 
-<file path=ppt/slides/slide13.xml><?xml version="1.0" encoding="utf-8"?>
+<file path=ppt/slides/slide14.xml><?xml version="1.0" encoding="utf-8"?>
 <p:sld xmlns:a="http://schemas.openxmlformats.org/drawingml/2006/main" xmlns:r="http://schemas.openxmlformats.org/officeDocument/2006/relationships" xmlns:p="http://schemas.openxmlformats.org/presentationml/2006/main">
   <p:cSld>
     <p:spTree>
@@ -10029,7 +10426,7 @@
 </p:sld>
 </file>
 
-<file path=ppt/slides/slide14.xml><?xml version="1.0" encoding="utf-8"?>
+<file path=ppt/slides/slide15.xml><?xml version="1.0" encoding="utf-8"?>
 <p:sld xmlns:a="http://schemas.openxmlformats.org/drawingml/2006/main" xmlns:r="http://schemas.openxmlformats.org/officeDocument/2006/relationships" xmlns:p="http://schemas.openxmlformats.org/presentationml/2006/main">
   <p:cSld>
     <p:spTree>
@@ -10310,7 +10707,7 @@
 </p:sld>
 </file>
 
-<file path=ppt/slides/slide15.xml><?xml version="1.0" encoding="utf-8"?>
+<file path=ppt/slides/slide16.xml><?xml version="1.0" encoding="utf-8"?>
 <p:sld xmlns:a="http://schemas.openxmlformats.org/drawingml/2006/main" xmlns:r="http://schemas.openxmlformats.org/officeDocument/2006/relationships" xmlns:p="http://schemas.openxmlformats.org/presentationml/2006/main">
   <p:cSld>
     <p:spTree>
@@ -10469,7 +10866,7 @@
 </p:sld>
 </file>
 
-<file path=ppt/slides/slide16.xml><?xml version="1.0" encoding="utf-8"?>
+<file path=ppt/slides/slide17.xml><?xml version="1.0" encoding="utf-8"?>
 <p:sld xmlns:a="http://schemas.openxmlformats.org/drawingml/2006/main" xmlns:r="http://schemas.openxmlformats.org/officeDocument/2006/relationships" xmlns:p="http://schemas.openxmlformats.org/presentationml/2006/main">
   <p:cSld>
     <p:spTree>
@@ -10754,7 +11151,7 @@
 </p:sld>
 </file>
 
-<file path=ppt/slides/slide17.xml><?xml version="1.0" encoding="utf-8"?>
+<file path=ppt/slides/slide18.xml><?xml version="1.0" encoding="utf-8"?>
 <p:sld xmlns:a="http://schemas.openxmlformats.org/drawingml/2006/main" xmlns:r="http://schemas.openxmlformats.org/officeDocument/2006/relationships" xmlns:p="http://schemas.openxmlformats.org/presentationml/2006/main">
   <p:cSld>
     <p:spTree>
@@ -11128,278 +11525,6 @@
 </p:sld>
 </file>
 
-<file path=ppt/slides/slide18.xml><?xml version="1.0" encoding="utf-8"?>
-<p:sld xmlns:a="http://schemas.openxmlformats.org/drawingml/2006/main" xmlns:r="http://schemas.openxmlformats.org/officeDocument/2006/relationships" xmlns:p="http://schemas.openxmlformats.org/presentationml/2006/main">
-  <p:cSld>
-    <p:spTree>
-      <p:nvGrpSpPr>
-        <p:cNvPr id="1" name=""/>
-        <p:cNvGrpSpPr/>
-        <p:nvPr/>
-      </p:nvGrpSpPr>
-      <p:grpSpPr>
-        <a:xfrm>
-          <a:off x="0" y="0"/>
-          <a:ext cx="0" cy="0"/>
-          <a:chOff x="0" y="0"/>
-          <a:chExt cx="0" cy="0"/>
-        </a:xfrm>
-      </p:grpSpPr>
-      <p:sp>
-        <p:nvSpPr>
-          <p:cNvPr id="2" name="Content Placeholder 1"/>
-          <p:cNvSpPr>
-            <a:spLocks noGrp="1"/>
-          </p:cNvSpPr>
-          <p:nvPr>
-            <p:ph sz="quarter" idx="10"/>
-          </p:nvPr>
-        </p:nvSpPr>
-        <p:spPr/>
-        <p:txBody>
-          <a:bodyPr/>
-          <a:lstStyle/>
-          <a:p>
-            <a:r>
-              <a:rPr lang="en-US" dirty="0"/>
-              <a:t>-----&gt; Starting Kitchen (v1.4.2)</a:t>
-            </a:r>
-          </a:p>
-          <a:p>
-            <a:r>
-              <a:rPr lang="en-US" dirty="0"/>
-              <a:t>-----&gt; Setting up &lt;default-centos-67&gt;...</a:t>
-            </a:r>
-          </a:p>
-          <a:p>
-            <a:r>
-              <a:rPr lang="en-US" dirty="0" smtClean="0"/>
-              <a:t>-</a:t>
-            </a:r>
-            <a:r>
-              <a:rPr lang="en-US" dirty="0"/>
-              <a:t>----&gt; Installing Busser (busser)</a:t>
-            </a:r>
-          </a:p>
-          <a:p>
-            <a:r>
-              <a:rPr lang="en-US" dirty="0" smtClean="0"/>
-              <a:t>-</a:t>
-            </a:r>
-            <a:r>
-              <a:rPr lang="en-US" dirty="0"/>
-              <a:t>----&gt; Verifying &lt;default-centos-67&gt;...</a:t>
-            </a:r>
-          </a:p>
-          <a:p>
-            <a:r>
-              <a:rPr lang="en-US" dirty="0" smtClean="0"/>
-              <a:t>-</a:t>
-            </a:r>
-            <a:r>
-              <a:rPr lang="en-US" dirty="0"/>
-              <a:t>----&gt; Running </a:t>
-            </a:r>
-            <a:r>
-              <a:rPr lang="en-US" dirty="0" err="1"/>
-              <a:t>serverspec</a:t>
-            </a:r>
-            <a:r>
-              <a:rPr lang="en-US" dirty="0"/>
-              <a:t> test suite</a:t>
-            </a:r>
-          </a:p>
-          <a:p>
-            <a:r>
-              <a:rPr lang="en-US" dirty="0"/>
-              <a:t>-----&gt; Installing </a:t>
-            </a:r>
-            <a:r>
-              <a:rPr lang="en-US" dirty="0" err="1"/>
-              <a:t>Serverspec</a:t>
-            </a:r>
-            <a:r>
-              <a:rPr lang="en-US" dirty="0"/>
-              <a:t>..</a:t>
-            </a:r>
-          </a:p>
-          <a:p>
-            <a:r>
-              <a:rPr lang="en-US" dirty="0" smtClean="0"/>
-              <a:t>-</a:t>
-            </a:r>
-            <a:r>
-              <a:rPr lang="en-US" dirty="0"/>
-              <a:t>----&gt; </a:t>
-            </a:r>
-            <a:r>
-              <a:rPr lang="en-US" dirty="0" err="1"/>
-              <a:t>serverspec</a:t>
-            </a:r>
-            <a:r>
-              <a:rPr lang="en-US" dirty="0"/>
-              <a:t> installed (version 2.24.1)</a:t>
-            </a:r>
-          </a:p>
-          <a:p>
-            <a:r>
-              <a:rPr lang="en-US" dirty="0"/>
-              <a:t>       /opt/chef/embedded/bin/ruby -I/</a:t>
-            </a:r>
-            <a:r>
-              <a:rPr lang="en-US" dirty="0" err="1"/>
-              <a:t>tmp</a:t>
-            </a:r>
-            <a:r>
-              <a:rPr lang="en-US" dirty="0"/>
-              <a:t>/verifier/suites/</a:t>
-            </a:r>
-            <a:r>
-              <a:rPr lang="en-US" dirty="0" err="1"/>
-              <a:t>serverspec</a:t>
-            </a:r>
-            <a:r>
-              <a:rPr lang="en-US" dirty="0"/>
-              <a:t> -I/</a:t>
-            </a:r>
-            <a:r>
-              <a:rPr lang="en-US" dirty="0" err="1"/>
-              <a:t>tmp</a:t>
-            </a:r>
-            <a:r>
-              <a:rPr lang="en-US" dirty="0"/>
-              <a:t>/verifier/gems/gems/rspec-support-3.3.0/lib:/</a:t>
-            </a:r>
-            <a:r>
-              <a:rPr lang="en-US" dirty="0" err="1"/>
-              <a:t>tmp</a:t>
-            </a:r>
-            <a:r>
-              <a:rPr lang="en-US" dirty="0"/>
-              <a:t>/verifier/gems/gems/rspec-core-3.3.2/lib /opt/chef/embedded/bin/</a:t>
-            </a:r>
-            <a:r>
-              <a:rPr lang="en-US" dirty="0" err="1"/>
-              <a:t>rspec</a:t>
-            </a:r>
-            <a:r>
-              <a:rPr lang="en-US" dirty="0"/>
-              <a:t> --pattern /</a:t>
-            </a:r>
-            <a:r>
-              <a:rPr lang="en-US" dirty="0" err="1"/>
-              <a:t>tmp</a:t>
-            </a:r>
-            <a:r>
-              <a:rPr lang="en-US" dirty="0"/>
-              <a:t>/verifier/suites/</a:t>
-            </a:r>
-            <a:r>
-              <a:rPr lang="en-US" dirty="0" err="1"/>
-              <a:t>serverspec</a:t>
-            </a:r>
-            <a:r>
-              <a:rPr lang="en-US" dirty="0"/>
-              <a:t>/\*\*/\*_</a:t>
-            </a:r>
-            <a:r>
-              <a:rPr lang="en-US" dirty="0" err="1"/>
-              <a:t>spec.rb</a:t>
-            </a:r>
-            <a:r>
-              <a:rPr lang="en-US" dirty="0"/>
-              <a:t> -</a:t>
-            </a:r>
-            <a:r>
-              <a:rPr lang="en-US" dirty="0" smtClean="0"/>
-              <a:t>-</a:t>
-            </a:r>
-            <a:endParaRPr lang="en-US" dirty="0"/>
-          </a:p>
-        </p:txBody>
-      </p:sp>
-      <p:sp>
-        <p:nvSpPr>
-          <p:cNvPr id="3" name="Text Placeholder 2"/>
-          <p:cNvSpPr>
-            <a:spLocks noGrp="1"/>
-          </p:cNvSpPr>
-          <p:nvPr>
-            <p:ph type="body" sz="quarter" idx="11"/>
-          </p:nvPr>
-        </p:nvSpPr>
-        <p:spPr/>
-        <p:txBody>
-          <a:bodyPr/>
-          <a:lstStyle/>
-          <a:p>
-            <a:r>
-              <a:rPr lang="en-US" dirty="0" smtClean="0"/>
-              <a:t>&gt; kitchen verify</a:t>
-            </a:r>
-            <a:endParaRPr lang="en-US" dirty="0"/>
-          </a:p>
-        </p:txBody>
-      </p:sp>
-      <p:sp>
-        <p:nvSpPr>
-          <p:cNvPr id="4" name="Content Placeholder 3"/>
-          <p:cNvSpPr>
-            <a:spLocks noGrp="1"/>
-          </p:cNvSpPr>
-          <p:nvPr>
-            <p:ph sz="quarter" idx="12"/>
-          </p:nvPr>
-        </p:nvSpPr>
-        <p:spPr>
-          <a:xfrm>
-            <a:off x="1127883" y="3919257"/>
-            <a:ext cx="14420850" cy="557213"/>
-          </a:xfrm>
-        </p:spPr>
-        <p:txBody>
-          <a:bodyPr/>
-          <a:lstStyle/>
-          <a:p>
-            <a:endParaRPr lang="en-US" dirty="0"/>
-          </a:p>
-        </p:txBody>
-      </p:sp>
-      <p:sp>
-        <p:nvSpPr>
-          <p:cNvPr id="5" name="Title 4"/>
-          <p:cNvSpPr>
-            <a:spLocks noGrp="1"/>
-          </p:cNvSpPr>
-          <p:nvPr>
-            <p:ph type="title"/>
-          </p:nvPr>
-        </p:nvSpPr>
-        <p:spPr/>
-        <p:txBody>
-          <a:bodyPr/>
-          <a:lstStyle/>
-          <a:p>
-            <a:endParaRPr lang="en-US"/>
-          </a:p>
-        </p:txBody>
-      </p:sp>
-    </p:spTree>
-    <p:extLst>
-      <p:ext uri="{BB962C8B-B14F-4D97-AF65-F5344CB8AC3E}">
-        <p14:creationId xmlns:p14="http://schemas.microsoft.com/office/powerpoint/2010/main" val="602460490"/>
-      </p:ext>
-    </p:extLst>
-  </p:cSld>
-  <p:clrMapOvr>
-    <a:masterClrMapping/>
-  </p:clrMapOvr>
-  <p:transition xmlns:p14="http://schemas.microsoft.com/office/powerpoint/2010/main" spd="med">
-    <p:fade/>
-  </p:transition>
-</p:sld>
-</file>
-
 <file path=ppt/slides/slide19.xml><?xml version="1.0" encoding="utf-8"?>
 <p:sld xmlns:a="http://schemas.openxmlformats.org/drawingml/2006/main" xmlns:r="http://schemas.openxmlformats.org/officeDocument/2006/relationships" xmlns:p="http://schemas.openxmlformats.org/presentationml/2006/main">
   <p:cSld>
@@ -11419,12 +11544,12 @@
       </p:grpSpPr>
       <p:sp>
         <p:nvSpPr>
-          <p:cNvPr id="2" name="Title 1"/>
-          <p:cNvSpPr>
-            <a:spLocks noGrp="1"/>
-          </p:cNvSpPr>
-          <p:nvPr>
-            <p:ph type="title"/>
+          <p:cNvPr id="2" name="Content Placeholder 1"/>
+          <p:cNvSpPr>
+            <a:spLocks noGrp="1"/>
+          </p:cNvSpPr>
+          <p:nvPr>
+            <p:ph sz="quarter" idx="10"/>
           </p:nvPr>
         </p:nvSpPr>
         <p:spPr/>
@@ -11433,8 +11558,158 @@
           <a:lstStyle/>
           <a:p>
             <a:r>
-              <a:rPr lang="en-US" dirty="0" smtClean="0"/>
-              <a:t>Examine the Test Kitchen Results</a:t>
+              <a:rPr lang="en-US" dirty="0"/>
+              <a:t>-----&gt; Starting Kitchen (v1.4.2)</a:t>
+            </a:r>
+          </a:p>
+          <a:p>
+            <a:r>
+              <a:rPr lang="en-US" dirty="0"/>
+              <a:t>-----&gt; Setting up &lt;default-centos-67&gt;...</a:t>
+            </a:r>
+          </a:p>
+          <a:p>
+            <a:r>
+              <a:rPr lang="en-US" dirty="0" smtClean="0"/>
+              <a:t>-</a:t>
+            </a:r>
+            <a:r>
+              <a:rPr lang="en-US" dirty="0"/>
+              <a:t>----&gt; Installing Busser (busser)</a:t>
+            </a:r>
+          </a:p>
+          <a:p>
+            <a:r>
+              <a:rPr lang="en-US" dirty="0" smtClean="0"/>
+              <a:t>-</a:t>
+            </a:r>
+            <a:r>
+              <a:rPr lang="en-US" dirty="0"/>
+              <a:t>----&gt; Verifying &lt;default-centos-67&gt;...</a:t>
+            </a:r>
+          </a:p>
+          <a:p>
+            <a:r>
+              <a:rPr lang="en-US" dirty="0" smtClean="0"/>
+              <a:t>-</a:t>
+            </a:r>
+            <a:r>
+              <a:rPr lang="en-US" dirty="0"/>
+              <a:t>----&gt; Running </a:t>
+            </a:r>
+            <a:r>
+              <a:rPr lang="en-US" dirty="0" err="1"/>
+              <a:t>serverspec</a:t>
+            </a:r>
+            <a:r>
+              <a:rPr lang="en-US" dirty="0"/>
+              <a:t> test suite</a:t>
+            </a:r>
+          </a:p>
+          <a:p>
+            <a:r>
+              <a:rPr lang="en-US" dirty="0"/>
+              <a:t>-----&gt; Installing </a:t>
+            </a:r>
+            <a:r>
+              <a:rPr lang="en-US" dirty="0" err="1"/>
+              <a:t>Serverspec</a:t>
+            </a:r>
+            <a:r>
+              <a:rPr lang="en-US" dirty="0"/>
+              <a:t>..</a:t>
+            </a:r>
+          </a:p>
+          <a:p>
+            <a:r>
+              <a:rPr lang="en-US" dirty="0" smtClean="0"/>
+              <a:t>-</a:t>
+            </a:r>
+            <a:r>
+              <a:rPr lang="en-US" dirty="0"/>
+              <a:t>----&gt; </a:t>
+            </a:r>
+            <a:r>
+              <a:rPr lang="en-US" dirty="0" err="1"/>
+              <a:t>serverspec</a:t>
+            </a:r>
+            <a:r>
+              <a:rPr lang="en-US" dirty="0"/>
+              <a:t> installed (version 2.24.1)</a:t>
+            </a:r>
+          </a:p>
+          <a:p>
+            <a:r>
+              <a:rPr lang="en-US" dirty="0"/>
+              <a:t>       /opt/chef/embedded/bin/ruby -I/</a:t>
+            </a:r>
+            <a:r>
+              <a:rPr lang="en-US" dirty="0" err="1"/>
+              <a:t>tmp</a:t>
+            </a:r>
+            <a:r>
+              <a:rPr lang="en-US" dirty="0"/>
+              <a:t>/verifier/suites/</a:t>
+            </a:r>
+            <a:r>
+              <a:rPr lang="en-US" dirty="0" err="1"/>
+              <a:t>serverspec</a:t>
+            </a:r>
+            <a:r>
+              <a:rPr lang="en-US" dirty="0"/>
+              <a:t> -I/</a:t>
+            </a:r>
+            <a:r>
+              <a:rPr lang="en-US" dirty="0" err="1"/>
+              <a:t>tmp</a:t>
+            </a:r>
+            <a:r>
+              <a:rPr lang="en-US" dirty="0"/>
+              <a:t>/verifier/gems/gems/rspec-support-3.3.0/lib:/</a:t>
+            </a:r>
+            <a:r>
+              <a:rPr lang="en-US" dirty="0" err="1"/>
+              <a:t>tmp</a:t>
+            </a:r>
+            <a:r>
+              <a:rPr lang="en-US" dirty="0"/>
+              <a:t>/verifier/gems/gems/rspec-core-3.3.2/lib /opt/chef/embedded/bin/</a:t>
+            </a:r>
+            <a:r>
+              <a:rPr lang="en-US" dirty="0" err="1"/>
+              <a:t>rspec</a:t>
+            </a:r>
+            <a:r>
+              <a:rPr lang="en-US" dirty="0"/>
+              <a:t> --pattern /</a:t>
+            </a:r>
+            <a:r>
+              <a:rPr lang="en-US" dirty="0" err="1"/>
+              <a:t>tmp</a:t>
+            </a:r>
+            <a:r>
+              <a:rPr lang="en-US" dirty="0"/>
+              <a:t>/verifier/suites/</a:t>
+            </a:r>
+            <a:r>
+              <a:rPr lang="en-US" dirty="0" err="1"/>
+              <a:t>serverspec</a:t>
+            </a:r>
+            <a:r>
+              <a:rPr lang="en-US" dirty="0"/>
+              <a:t>/\*\*/\*_</a:t>
+            </a:r>
+            <a:r>
+              <a:rPr lang="en-US" dirty="0" err="1"/>
+              <a:t>spec.rb</a:t>
+            </a:r>
+            <a:r>
+              <a:rPr lang="en-US" dirty="0"/>
+              <a:t> -</a:t>
+            </a:r>
+            <a:r>
+              <a:rPr lang="en-US" dirty="0" smtClean="0"/>
+              <a:t>-</a:t>
             </a:r>
             <a:endParaRPr lang="en-US" dirty="0"/>
           </a:p>
@@ -11442,12 +11717,12 @@
       </p:sp>
       <p:sp>
         <p:nvSpPr>
-          <p:cNvPr id="3" name="Content Placeholder 2"/>
-          <p:cNvSpPr>
-            <a:spLocks noGrp="1"/>
-          </p:cNvSpPr>
-          <p:nvPr>
-            <p:ph sz="quarter" idx="10"/>
+          <p:cNvPr id="3" name="Text Placeholder 2"/>
+          <p:cNvSpPr>
+            <a:spLocks noGrp="1"/>
+          </p:cNvSpPr>
+          <p:nvPr>
+            <p:ph type="body" sz="quarter" idx="11"/>
           </p:nvPr>
         </p:nvSpPr>
         <p:spPr/>
@@ -11456,98 +11731,8 @@
           <a:lstStyle/>
           <a:p>
             <a:r>
-              <a:rPr lang="en-US" dirty="0"/>
-              <a:t>-----&gt; </a:t>
-            </a:r>
-            <a:r>
-              <a:rPr lang="en-US" dirty="0" err="1"/>
-              <a:t>serverspec</a:t>
-            </a:r>
-            <a:r>
-              <a:rPr lang="en-US" dirty="0"/>
-              <a:t> installed (version 2.24.1)</a:t>
-            </a:r>
-          </a:p>
-          <a:p>
-            <a:r>
-              <a:rPr lang="en-US" dirty="0"/>
-              <a:t>       /opt/chef/embedded/bin/ruby -I/</a:t>
-            </a:r>
-            <a:r>
-              <a:rPr lang="en-US" dirty="0" err="1"/>
-              <a:t>tmp</a:t>
-            </a:r>
-            <a:r>
-              <a:rPr lang="en-US" dirty="0"/>
-              <a:t>/verifier/suites/</a:t>
-            </a:r>
-            <a:r>
-              <a:rPr lang="en-US" dirty="0" err="1"/>
-              <a:t>serverspec</a:t>
-            </a:r>
-            <a:r>
-              <a:rPr lang="en-US" dirty="0"/>
-              <a:t> -I/</a:t>
-            </a:r>
-            <a:r>
-              <a:rPr lang="en-US" dirty="0" err="1"/>
-              <a:t>tmp</a:t>
-            </a:r>
-            <a:r>
-              <a:rPr lang="en-US" dirty="0"/>
-              <a:t>/verifier/gems/gems/rspec-support-3.3.0/lib:/</a:t>
-            </a:r>
-            <a:r>
-              <a:rPr lang="en-US" dirty="0" err="1"/>
-              <a:t>tmp</a:t>
-            </a:r>
-            <a:r>
-              <a:rPr lang="en-US" dirty="0"/>
-              <a:t>/verifier/gems/gems/rspec-core-3.3.2/lib /opt/chef/embedded/bin/</a:t>
-            </a:r>
-            <a:r>
-              <a:rPr lang="en-US" dirty="0" err="1"/>
-              <a:t>rspec</a:t>
-            </a:r>
-            <a:r>
-              <a:rPr lang="en-US" dirty="0"/>
-              <a:t> --pattern /</a:t>
-            </a:r>
-            <a:r>
-              <a:rPr lang="en-US" dirty="0" err="1"/>
-              <a:t>tmp</a:t>
-            </a:r>
-            <a:r>
-              <a:rPr lang="en-US" dirty="0"/>
-              <a:t>/verifier/suites/</a:t>
-            </a:r>
-            <a:r>
-              <a:rPr lang="en-US" dirty="0" err="1"/>
-              <a:t>serverspec</a:t>
-            </a:r>
-            <a:r>
-              <a:rPr lang="en-US" dirty="0"/>
-              <a:t>/\*\*/\*_</a:t>
-            </a:r>
-            <a:r>
-              <a:rPr lang="en-US" dirty="0" err="1"/>
-              <a:t>spec.rb</a:t>
-            </a:r>
-            <a:r>
-              <a:rPr lang="en-US" dirty="0"/>
-              <a:t> --color --format documentation --default-path /</a:t>
-            </a:r>
-            <a:r>
-              <a:rPr lang="en-US" dirty="0" err="1"/>
-              <a:t>tmp</a:t>
-            </a:r>
-            <a:r>
-              <a:rPr lang="en-US" dirty="0"/>
-              <a:t>/verifier/suites/</a:t>
-            </a:r>
-            <a:r>
-              <a:rPr lang="en-US" dirty="0" err="1"/>
-              <a:t>serverspec</a:t>
+              <a:rPr lang="en-US" dirty="0" smtClean="0"/>
+              <a:t>&gt; kitchen verify</a:t>
             </a:r>
             <a:endParaRPr lang="en-US" dirty="0"/>
           </a:p>
@@ -11561,6 +11746,30 @@
           </p:cNvSpPr>
           <p:nvPr>
             <p:ph sz="quarter" idx="12"/>
+          </p:nvPr>
+        </p:nvSpPr>
+        <p:spPr>
+          <a:xfrm>
+            <a:off x="1127883" y="3919257"/>
+            <a:ext cx="14420850" cy="557213"/>
+          </a:xfrm>
+        </p:spPr>
+        <p:txBody>
+          <a:bodyPr/>
+          <a:lstStyle/>
+          <a:p>
+            <a:endParaRPr lang="en-US" dirty="0"/>
+          </a:p>
+        </p:txBody>
+      </p:sp>
+      <p:sp>
+        <p:nvSpPr>
+          <p:cNvPr id="5" name="Title 4"/>
+          <p:cNvSpPr>
+            <a:spLocks noGrp="1"/>
+          </p:cNvSpPr>
+          <p:nvPr>
+            <p:ph type="title"/>
           </p:nvPr>
         </p:nvSpPr>
         <p:spPr/>
@@ -11575,7 +11784,7 @@
     </p:spTree>
     <p:extLst>
       <p:ext uri="{BB962C8B-B14F-4D97-AF65-F5344CB8AC3E}">
-        <p14:creationId xmlns:p14="http://schemas.microsoft.com/office/powerpoint/2010/main" val="3840733681"/>
+        <p14:creationId xmlns:p14="http://schemas.microsoft.com/office/powerpoint/2010/main" val="602460490"/>
       </p:ext>
     </p:extLst>
   </p:cSld>
@@ -11763,53 +11972,102 @@
         </p:nvSpPr>
         <p:spPr/>
         <p:txBody>
-          <a:bodyPr>
-            <a:normAutofit/>
-          </a:bodyPr>
+          <a:bodyPr/>
           <a:lstStyle/>
           <a:p>
             <a:r>
+              <a:rPr lang="en-US" dirty="0"/>
+              <a:t>-----&gt; </a:t>
+            </a:r>
+            <a:r>
               <a:rPr lang="en-US" dirty="0" err="1"/>
-              <a:t>httpd</a:t>
-            </a:r>
-            <a:r>
-              <a:rPr lang="en-US" dirty="0"/>
-              <a:t>::default</a:t>
-            </a:r>
-          </a:p>
-          <a:p>
-            <a:r>
-              <a:rPr lang="en-US" dirty="0"/>
-              <a:t>  Command "curl http://</a:t>
+              <a:t>serverspec</a:t>
+            </a:r>
+            <a:r>
+              <a:rPr lang="en-US" dirty="0"/>
+              <a:t> installed (version 2.24.1)</a:t>
+            </a:r>
+          </a:p>
+          <a:p>
+            <a:r>
+              <a:rPr lang="en-US" dirty="0"/>
+              <a:t>       /opt/chef/embedded/bin/ruby -I/</a:t>
             </a:r>
             <a:r>
               <a:rPr lang="en-US" dirty="0" err="1"/>
-              <a:t>localhost</a:t>
-            </a:r>
-            <a:r>
-              <a:rPr lang="en-US" dirty="0" smtClean="0"/>
-              <a:t>"</a:t>
-            </a:r>
-          </a:p>
-          <a:p>
-            <a:r>
-              <a:rPr lang="en-US" dirty="0" smtClean="0"/>
-              <a:t>    </a:t>
-            </a:r>
-            <a:r>
-              <a:rPr lang="en-US" dirty="0" err="1" smtClean="0"/>
-              <a:t>stdout</a:t>
-            </a:r>
-            <a:endParaRPr lang="en-US" dirty="0" smtClean="0"/>
-          </a:p>
-          <a:p>
-            <a:r>
-              <a:rPr lang="en-US" dirty="0"/>
-              <a:t> </a:t>
-            </a:r>
-            <a:r>
-              <a:rPr lang="en-US" dirty="0" smtClean="0"/>
-              <a:t>     should match /WRONG/ (FAILED -1)</a:t>
+              <a:t>tmp</a:t>
+            </a:r>
+            <a:r>
+              <a:rPr lang="en-US" dirty="0"/>
+              <a:t>/verifier/suites/</a:t>
+            </a:r>
+            <a:r>
+              <a:rPr lang="en-US" dirty="0" err="1"/>
+              <a:t>serverspec</a:t>
+            </a:r>
+            <a:r>
+              <a:rPr lang="en-US" dirty="0"/>
+              <a:t> -I/</a:t>
+            </a:r>
+            <a:r>
+              <a:rPr lang="en-US" dirty="0" err="1"/>
+              <a:t>tmp</a:t>
+            </a:r>
+            <a:r>
+              <a:rPr lang="en-US" dirty="0"/>
+              <a:t>/verifier/gems/gems/rspec-support-3.3.0/lib:/</a:t>
+            </a:r>
+            <a:r>
+              <a:rPr lang="en-US" dirty="0" err="1"/>
+              <a:t>tmp</a:t>
+            </a:r>
+            <a:r>
+              <a:rPr lang="en-US" dirty="0"/>
+              <a:t>/verifier/gems/gems/rspec-core-3.3.2/lib /opt/chef/embedded/bin/</a:t>
+            </a:r>
+            <a:r>
+              <a:rPr lang="en-US" dirty="0" err="1"/>
+              <a:t>rspec</a:t>
+            </a:r>
+            <a:r>
+              <a:rPr lang="en-US" dirty="0"/>
+              <a:t> --pattern /</a:t>
+            </a:r>
+            <a:r>
+              <a:rPr lang="en-US" dirty="0" err="1"/>
+              <a:t>tmp</a:t>
+            </a:r>
+            <a:r>
+              <a:rPr lang="en-US" dirty="0"/>
+              <a:t>/verifier/suites/</a:t>
+            </a:r>
+            <a:r>
+              <a:rPr lang="en-US" dirty="0" err="1"/>
+              <a:t>serverspec</a:t>
+            </a:r>
+            <a:r>
+              <a:rPr lang="en-US" dirty="0"/>
+              <a:t>/\*\*/\*_</a:t>
+            </a:r>
+            <a:r>
+              <a:rPr lang="en-US" dirty="0" err="1"/>
+              <a:t>spec.rb</a:t>
+            </a:r>
+            <a:r>
+              <a:rPr lang="en-US" dirty="0"/>
+              <a:t> --color --format documentation --default-path /</a:t>
+            </a:r>
+            <a:r>
+              <a:rPr lang="en-US" dirty="0" err="1"/>
+              <a:t>tmp</a:t>
+            </a:r>
+            <a:r>
+              <a:rPr lang="en-US" dirty="0"/>
+              <a:t>/verifier/suites/</a:t>
+            </a:r>
+            <a:r>
+              <a:rPr lang="en-US" dirty="0" err="1"/>
+              <a:t>serverspec</a:t>
             </a:r>
             <a:endParaRPr lang="en-US" dirty="0"/>
           </a:p>
@@ -11837,7 +12095,7 @@
     </p:spTree>
     <p:extLst>
       <p:ext uri="{BB962C8B-B14F-4D97-AF65-F5344CB8AC3E}">
-        <p14:creationId xmlns:p14="http://schemas.microsoft.com/office/powerpoint/2010/main" val="3173148587"/>
+        <p14:creationId xmlns:p14="http://schemas.microsoft.com/office/powerpoint/2010/main" val="3840733681"/>
       </p:ext>
     </p:extLst>
   </p:cSld>
@@ -11847,13 +12105,6 @@
   <p:transition xmlns:p14="http://schemas.microsoft.com/office/powerpoint/2010/main" spd="med">
     <p:fade/>
   </p:transition>
-  <p:timing>
-    <p:tnLst>
-      <p:par>
-        <p:cTn xmlns:p14="http://schemas.microsoft.com/office/powerpoint/2010/main" id="1" dur="indefinite" restart="never" nodeType="tmRoot"/>
-      </p:par>
-    </p:tnLst>
-  </p:timing>
 </p:sld>
 </file>
 
@@ -11910,80 +12161,43 @@
         <p:spPr/>
         <p:txBody>
           <a:bodyPr>
-            <a:normAutofit fontScale="85000" lnSpcReduction="20000"/>
+            <a:normAutofit/>
           </a:bodyPr>
           <a:lstStyle/>
           <a:p>
             <a:r>
-              <a:rPr lang="en-US" dirty="0" smtClean="0"/>
-              <a:t>1</a:t>
-            </a:r>
-            <a:r>
-              <a:rPr lang="en-US" dirty="0"/>
-              <a:t>) </a:t>
-            </a:r>
-            <a:r>
               <a:rPr lang="en-US" dirty="0" err="1"/>
               <a:t>httpd</a:t>
             </a:r>
             <a:r>
               <a:rPr lang="en-US" dirty="0"/>
-              <a:t>::default Command "curl http://</a:t>
+              <a:t>::default</a:t>
+            </a:r>
+          </a:p>
+          <a:p>
+            <a:r>
+              <a:rPr lang="en-US" dirty="0"/>
+              <a:t>  Command "curl http://</a:t>
             </a:r>
             <a:r>
               <a:rPr lang="en-US" dirty="0" err="1"/>
               <a:t>localhost</a:t>
             </a:r>
             <a:r>
-              <a:rPr lang="en-US" dirty="0"/>
-              <a:t>" </a:t>
-            </a:r>
-            <a:r>
-              <a:rPr lang="en-US" dirty="0" err="1"/>
+              <a:rPr lang="en-US" dirty="0" smtClean="0"/>
+              <a:t>"</a:t>
+            </a:r>
+          </a:p>
+          <a:p>
+            <a:r>
+              <a:rPr lang="en-US" dirty="0" smtClean="0"/>
+              <a:t>    </a:t>
+            </a:r>
+            <a:r>
+              <a:rPr lang="en-US" dirty="0" err="1" smtClean="0"/>
               <a:t>stdout</a:t>
             </a:r>
-            <a:r>
-              <a:rPr lang="en-US" dirty="0"/>
-              <a:t> should match /WRONG/</a:t>
-            </a:r>
-          </a:p>
-          <a:p>
-            <a:r>
-              <a:rPr lang="en-US" dirty="0" smtClean="0"/>
-              <a:t>     Failure</a:t>
-            </a:r>
-            <a:r>
-              <a:rPr lang="en-US" dirty="0"/>
-              <a:t>/Error: its(:</a:t>
-            </a:r>
-            <a:r>
-              <a:rPr lang="en-US" dirty="0" err="1"/>
-              <a:t>stdout</a:t>
-            </a:r>
-            <a:r>
-              <a:rPr lang="en-US" dirty="0"/>
-              <a:t>) { should match(/WRONG/) }</a:t>
-            </a:r>
-          </a:p>
-          <a:p>
-            <a:r>
-              <a:rPr lang="en-US" dirty="0" smtClean="0"/>
-              <a:t>       expected </a:t>
-            </a:r>
-            <a:r>
-              <a:rPr lang="en-US" dirty="0"/>
-              <a:t>"" to match /WRONG/</a:t>
-            </a:r>
-          </a:p>
-          <a:p>
-            <a:r>
-              <a:rPr lang="en-US" dirty="0" smtClean="0"/>
-              <a:t>       Diff</a:t>
-            </a:r>
-            <a:r>
-              <a:rPr lang="en-US" dirty="0"/>
-              <a:t>:</a:t>
-            </a:r>
+            <a:endParaRPr lang="en-US" dirty="0" smtClean="0"/>
           </a:p>
           <a:p>
             <a:r>
@@ -11992,57 +12206,7 @@
             </a:r>
             <a:r>
               <a:rPr lang="en-US" dirty="0" smtClean="0"/>
-              <a:t>      @</a:t>
-            </a:r>
-            <a:r>
-              <a:rPr lang="en-US" dirty="0"/>
-              <a:t>@ -1,2 +1,2 @@</a:t>
-            </a:r>
-          </a:p>
-          <a:p>
-            <a:r>
-              <a:rPr lang="en-US" dirty="0" smtClean="0"/>
-              <a:t>       -</a:t>
-            </a:r>
-            <a:r>
-              <a:rPr lang="en-US" dirty="0"/>
-              <a:t>/WRONG/</a:t>
-            </a:r>
-          </a:p>
-          <a:p>
-            <a:r>
-              <a:rPr lang="en-US" dirty="0" smtClean="0"/>
-              <a:t>       +</a:t>
-            </a:r>
-            <a:r>
-              <a:rPr lang="en-US" dirty="0"/>
-              <a:t>""</a:t>
-            </a:r>
-          </a:p>
-          <a:p>
-            <a:r>
-              <a:rPr lang="en-US" dirty="0"/>
-              <a:t> </a:t>
-            </a:r>
-            <a:r>
-              <a:rPr lang="en-US" dirty="0" smtClean="0"/>
-              <a:t>      /</a:t>
-            </a:r>
-            <a:r>
-              <a:rPr lang="en-US" dirty="0"/>
-              <a:t>bin/</a:t>
-            </a:r>
-            <a:r>
-              <a:rPr lang="en-US" dirty="0" err="1"/>
-              <a:t>sh</a:t>
-            </a:r>
-            <a:r>
-              <a:rPr lang="en-US" dirty="0"/>
-              <a:t> -c curl\ http://</a:t>
-            </a:r>
-            <a:r>
-              <a:rPr lang="en-US" dirty="0" err="1" smtClean="0"/>
-              <a:t>localhost</a:t>
+              <a:t>     should match /WRONG/ (FAILED -1)</a:t>
             </a:r>
             <a:endParaRPr lang="en-US" dirty="0"/>
           </a:p>
@@ -12070,7 +12234,7 @@
     </p:spTree>
     <p:extLst>
       <p:ext uri="{BB962C8B-B14F-4D97-AF65-F5344CB8AC3E}">
-        <p14:creationId xmlns:p14="http://schemas.microsoft.com/office/powerpoint/2010/main" val="303995004"/>
+        <p14:creationId xmlns:p14="http://schemas.microsoft.com/office/powerpoint/2010/main" val="3173148587"/>
       </p:ext>
     </p:extLst>
   </p:cSld>
@@ -12143,24 +12307,141 @@
         <p:spPr/>
         <p:txBody>
           <a:bodyPr>
-            <a:normAutofit/>
+            <a:normAutofit fontScale="85000" lnSpcReduction="20000"/>
           </a:bodyPr>
           <a:lstStyle/>
           <a:p>
             <a:r>
-              <a:rPr lang="en-US" dirty="0"/>
-              <a:t>Finished in 0.20256 seconds (files took 0.60564 seconds to load)</a:t>
-            </a:r>
-          </a:p>
-          <a:p>
-            <a:r>
-              <a:rPr lang="en-US" dirty="0" smtClean="0"/>
-              <a:t>1 </a:t>
-            </a:r>
-            <a:r>
-              <a:rPr lang="en-US" dirty="0"/>
-              <a:t>example, 1 failure</a:t>
-            </a:r>
+              <a:rPr lang="en-US" dirty="0" smtClean="0"/>
+              <a:t>1</a:t>
+            </a:r>
+            <a:r>
+              <a:rPr lang="en-US" dirty="0"/>
+              <a:t>) </a:t>
+            </a:r>
+            <a:r>
+              <a:rPr lang="en-US" dirty="0" err="1"/>
+              <a:t>httpd</a:t>
+            </a:r>
+            <a:r>
+              <a:rPr lang="en-US" dirty="0"/>
+              <a:t>::default Command "curl http://</a:t>
+            </a:r>
+            <a:r>
+              <a:rPr lang="en-US" dirty="0" err="1"/>
+              <a:t>localhost</a:t>
+            </a:r>
+            <a:r>
+              <a:rPr lang="en-US" dirty="0"/>
+              <a:t>" </a:t>
+            </a:r>
+            <a:r>
+              <a:rPr lang="en-US" dirty="0" err="1"/>
+              <a:t>stdout</a:t>
+            </a:r>
+            <a:r>
+              <a:rPr lang="en-US" dirty="0"/>
+              <a:t> should match /WRONG/</a:t>
+            </a:r>
+          </a:p>
+          <a:p>
+            <a:r>
+              <a:rPr lang="en-US" dirty="0" smtClean="0"/>
+              <a:t>     Failure</a:t>
+            </a:r>
+            <a:r>
+              <a:rPr lang="en-US" dirty="0"/>
+              <a:t>/Error: its(:</a:t>
+            </a:r>
+            <a:r>
+              <a:rPr lang="en-US" dirty="0" err="1"/>
+              <a:t>stdout</a:t>
+            </a:r>
+            <a:r>
+              <a:rPr lang="en-US" dirty="0"/>
+              <a:t>) { should match(/WRONG/) }</a:t>
+            </a:r>
+          </a:p>
+          <a:p>
+            <a:r>
+              <a:rPr lang="en-US" dirty="0" smtClean="0"/>
+              <a:t>       expected </a:t>
+            </a:r>
+            <a:r>
+              <a:rPr lang="en-US" dirty="0"/>
+              <a:t>"" to match /WRONG/</a:t>
+            </a:r>
+          </a:p>
+          <a:p>
+            <a:r>
+              <a:rPr lang="en-US" dirty="0" smtClean="0"/>
+              <a:t>       Diff</a:t>
+            </a:r>
+            <a:r>
+              <a:rPr lang="en-US" dirty="0"/>
+              <a:t>:</a:t>
+            </a:r>
+          </a:p>
+          <a:p>
+            <a:r>
+              <a:rPr lang="en-US" dirty="0"/>
+              <a:t> </a:t>
+            </a:r>
+            <a:r>
+              <a:rPr lang="en-US" dirty="0" smtClean="0"/>
+              <a:t>      @</a:t>
+            </a:r>
+            <a:r>
+              <a:rPr lang="en-US" dirty="0"/>
+              <a:t>@ -1,2 +1,2 @@</a:t>
+            </a:r>
+          </a:p>
+          <a:p>
+            <a:r>
+              <a:rPr lang="en-US" dirty="0" smtClean="0"/>
+              <a:t>       -</a:t>
+            </a:r>
+            <a:r>
+              <a:rPr lang="en-US" dirty="0"/>
+              <a:t>/WRONG/</a:t>
+            </a:r>
+          </a:p>
+          <a:p>
+            <a:r>
+              <a:rPr lang="en-US" dirty="0" smtClean="0"/>
+              <a:t>       +</a:t>
+            </a:r>
+            <a:r>
+              <a:rPr lang="en-US" dirty="0"/>
+              <a:t>""</a:t>
+            </a:r>
+          </a:p>
+          <a:p>
+            <a:r>
+              <a:rPr lang="en-US" dirty="0"/>
+              <a:t> </a:t>
+            </a:r>
+            <a:r>
+              <a:rPr lang="en-US" dirty="0" smtClean="0"/>
+              <a:t>      /</a:t>
+            </a:r>
+            <a:r>
+              <a:rPr lang="en-US" dirty="0"/>
+              <a:t>bin/</a:t>
+            </a:r>
+            <a:r>
+              <a:rPr lang="en-US" dirty="0" err="1"/>
+              <a:t>sh</a:t>
+            </a:r>
+            <a:r>
+              <a:rPr lang="en-US" dirty="0"/>
+              <a:t> -c curl\ http://</a:t>
+            </a:r>
+            <a:r>
+              <a:rPr lang="en-US" dirty="0" err="1" smtClean="0"/>
+              <a:t>localhost</a:t>
+            </a:r>
+            <a:endParaRPr lang="en-US" dirty="0"/>
           </a:p>
         </p:txBody>
       </p:sp>
@@ -12186,7 +12467,7 @@
     </p:spTree>
     <p:extLst>
       <p:ext uri="{BB962C8B-B14F-4D97-AF65-F5344CB8AC3E}">
-        <p14:creationId xmlns:p14="http://schemas.microsoft.com/office/powerpoint/2010/main" val="2421917063"/>
+        <p14:creationId xmlns:p14="http://schemas.microsoft.com/office/powerpoint/2010/main" val="303995004"/>
       </p:ext>
     </p:extLst>
   </p:cSld>
@@ -12230,32 +12511,64 @@
             <a:spLocks noGrp="1"/>
           </p:cNvSpPr>
           <p:nvPr>
-            <p:ph type="ctrTitle"/>
+            <p:ph type="title"/>
           </p:nvPr>
         </p:nvSpPr>
         <p:spPr/>
         <p:txBody>
+          <a:bodyPr/>
+          <a:lstStyle/>
+          <a:p>
+            <a:r>
+              <a:rPr lang="en-US" dirty="0" smtClean="0"/>
+              <a:t>Examine the Test Kitchen Results</a:t>
+            </a:r>
+            <a:endParaRPr lang="en-US" dirty="0"/>
+          </a:p>
+        </p:txBody>
+      </p:sp>
+      <p:sp>
+        <p:nvSpPr>
+          <p:cNvPr id="3" name="Content Placeholder 2"/>
+          <p:cNvSpPr>
+            <a:spLocks noGrp="1"/>
+          </p:cNvSpPr>
+          <p:nvPr>
+            <p:ph sz="quarter" idx="10"/>
+          </p:nvPr>
+        </p:nvSpPr>
+        <p:spPr/>
+        <p:txBody>
           <a:bodyPr>
-            <a:normAutofit fontScale="90000"/>
+            <a:normAutofit/>
           </a:bodyPr>
           <a:lstStyle/>
           <a:p>
             <a:r>
-              <a:rPr lang="en-US" dirty="0" smtClean="0"/>
-              <a:t>Build a Reliable Cookbook</a:t>
-            </a:r>
-            <a:endParaRPr lang="en-US" dirty="0"/>
-          </a:p>
-        </p:txBody>
-      </p:sp>
-      <p:sp>
-        <p:nvSpPr>
-          <p:cNvPr id="3" name="Content Placeholder 2"/>
-          <p:cNvSpPr>
-            <a:spLocks noGrp="1"/>
-          </p:cNvSpPr>
-          <p:nvPr>
-            <p:ph sz="quarter" idx="11"/>
+              <a:rPr lang="en-US" dirty="0"/>
+              <a:t>Finished in 0.20256 seconds (files took 0.60564 seconds to load)</a:t>
+            </a:r>
+          </a:p>
+          <a:p>
+            <a:r>
+              <a:rPr lang="en-US" dirty="0" smtClean="0"/>
+              <a:t>1 </a:t>
+            </a:r>
+            <a:r>
+              <a:rPr lang="en-US" dirty="0"/>
+              <a:t>example, 1 failure</a:t>
+            </a:r>
+          </a:p>
+        </p:txBody>
+      </p:sp>
+      <p:sp>
+        <p:nvSpPr>
+          <p:cNvPr id="4" name="Content Placeholder 3"/>
+          <p:cNvSpPr>
+            <a:spLocks noGrp="1"/>
+          </p:cNvSpPr>
+          <p:nvPr>
+            <p:ph sz="quarter" idx="12"/>
           </p:nvPr>
         </p:nvSpPr>
         <p:spPr/>
@@ -12263,84 +12576,14 @@
           <a:bodyPr/>
           <a:lstStyle/>
           <a:p>
-            <a:r>
-              <a:rPr lang="en-US" dirty="0" smtClean="0"/>
-              <a:t>This time it will be different.</a:t>
-            </a:r>
-            <a:endParaRPr lang="en-US" dirty="0"/>
-          </a:p>
-        </p:txBody>
-      </p:sp>
-      <p:sp>
-        <p:nvSpPr>
-          <p:cNvPr id="4" name="Text Placeholder 3"/>
-          <p:cNvSpPr>
-            <a:spLocks noGrp="1"/>
-          </p:cNvSpPr>
-          <p:nvPr>
-            <p:ph type="body" sz="quarter" idx="10"/>
-          </p:nvPr>
-        </p:nvSpPr>
-        <p:spPr/>
-        <p:txBody>
-          <a:bodyPr/>
-          <a:lstStyle/>
-          <a:p>
-            <a:pPr marL="342900" indent="-342900">
-              <a:buFont typeface="Wingdings" charset="2"/>
-              <a:buChar char="ü"/>
-            </a:pPr>
-            <a:r>
-              <a:rPr lang="en-US" dirty="0"/>
-              <a:t>Create a cookbook</a:t>
-            </a:r>
-          </a:p>
-          <a:p>
-            <a:pPr marL="342900" indent="-342900">
-              <a:buFont typeface="Wingdings" charset="2"/>
-              <a:buChar char="ü"/>
-            </a:pPr>
-            <a:r>
-              <a:rPr lang="en-US" dirty="0"/>
-              <a:t>Write tests that verifies the cookbook does what we want it to do</a:t>
-            </a:r>
-          </a:p>
-          <a:p>
-            <a:pPr marL="342900" indent="-342900">
-              <a:buFont typeface="Wingdings" charset="2"/>
-              <a:buChar char="ü"/>
-            </a:pPr>
-            <a:r>
-              <a:rPr lang="en-US" dirty="0"/>
-              <a:t>Execute the tests and see failure</a:t>
-            </a:r>
-          </a:p>
-          <a:p>
-            <a:pPr marL="342900" indent="-342900">
-              <a:buFont typeface="Wingdings" charset="2"/>
-              <a:buChar char="q"/>
-            </a:pPr>
-            <a:r>
-              <a:rPr lang="en-US" dirty="0"/>
-              <a:t>Write the recipe to make the test pass</a:t>
-            </a:r>
-          </a:p>
-          <a:p>
-            <a:pPr marL="342900" indent="-342900">
-              <a:buFont typeface="Wingdings" charset="2"/>
-              <a:buChar char="q"/>
-            </a:pPr>
-            <a:r>
-              <a:rPr lang="en-US" dirty="0"/>
-              <a:t>Execute the tests and see success</a:t>
-            </a:r>
+            <a:endParaRPr lang="en-US"/>
           </a:p>
         </p:txBody>
       </p:sp>
     </p:spTree>
     <p:extLst>
       <p:ext uri="{BB962C8B-B14F-4D97-AF65-F5344CB8AC3E}">
-        <p14:creationId xmlns:p14="http://schemas.microsoft.com/office/powerpoint/2010/main" val="2556402984"/>
+        <p14:creationId xmlns:p14="http://schemas.microsoft.com/office/powerpoint/2010/main" val="2421917063"/>
       </p:ext>
     </p:extLst>
   </p:cSld>
@@ -12384,7 +12627,32 @@
             <a:spLocks noGrp="1"/>
           </p:cNvSpPr>
           <p:nvPr>
-            <p:ph type="title"/>
+            <p:ph type="ctrTitle"/>
+          </p:nvPr>
+        </p:nvSpPr>
+        <p:spPr/>
+        <p:txBody>
+          <a:bodyPr>
+            <a:normAutofit fontScale="90000"/>
+          </a:bodyPr>
+          <a:lstStyle/>
+          <a:p>
+            <a:r>
+              <a:rPr lang="en-US" dirty="0" smtClean="0"/>
+              <a:t>Build a Reliable Cookbook</a:t>
+            </a:r>
+            <a:endParaRPr lang="en-US" dirty="0"/>
+          </a:p>
+        </p:txBody>
+      </p:sp>
+      <p:sp>
+        <p:nvSpPr>
+          <p:cNvPr id="3" name="Content Placeholder 2"/>
+          <p:cNvSpPr>
+            <a:spLocks noGrp="1"/>
+          </p:cNvSpPr>
+          <p:nvPr>
+            <p:ph sz="quarter" idx="11"/>
           </p:nvPr>
         </p:nvSpPr>
         <p:spPr/>
@@ -12392,18 +12660,22 @@
           <a:bodyPr/>
           <a:lstStyle/>
           <a:p>
-            <a:endParaRPr lang="en-US"/>
-          </a:p>
-        </p:txBody>
-      </p:sp>
-      <p:sp>
-        <p:nvSpPr>
-          <p:cNvPr id="3" name="Content Placeholder 2"/>
-          <p:cNvSpPr>
-            <a:spLocks noGrp="1"/>
-          </p:cNvSpPr>
-          <p:nvPr>
-            <p:ph sz="quarter" idx="10"/>
+            <a:r>
+              <a:rPr lang="en-US" dirty="0" smtClean="0"/>
+              <a:t>This time it will be different.</a:t>
+            </a:r>
+            <a:endParaRPr lang="en-US" dirty="0"/>
+          </a:p>
+        </p:txBody>
+      </p:sp>
+      <p:sp>
+        <p:nvSpPr>
+          <p:cNvPr id="4" name="Text Placeholder 3"/>
+          <p:cNvSpPr>
+            <a:spLocks noGrp="1"/>
+          </p:cNvSpPr>
+          <p:nvPr>
+            <p:ph type="body" sz="quarter" idx="10"/>
           </p:nvPr>
         </p:nvSpPr>
         <p:spPr/>
@@ -12411,152 +12683,61 @@
           <a:bodyPr/>
           <a:lstStyle/>
           <a:p>
-            <a:r>
-              <a:rPr lang="en-US" dirty="0"/>
-              <a:t>#</a:t>
-            </a:r>
-          </a:p>
-          <a:p>
-            <a:r>
-              <a:rPr lang="en-US" dirty="0"/>
-              <a:t># Cookbook Name:: </a:t>
-            </a:r>
-            <a:r>
-              <a:rPr lang="en-US" dirty="0" err="1"/>
-              <a:t>httpd</a:t>
-            </a:r>
-            <a:endParaRPr lang="en-US" dirty="0"/>
-          </a:p>
-          <a:p>
-            <a:r>
-              <a:rPr lang="en-US" dirty="0"/>
-              <a:t># Recipe:: default</a:t>
-            </a:r>
-          </a:p>
-          <a:p>
-            <a:r>
-              <a:rPr lang="en-US" dirty="0"/>
-              <a:t>#</a:t>
-            </a:r>
-          </a:p>
-          <a:p>
-            <a:r>
-              <a:rPr lang="en-US" dirty="0"/>
-              <a:t># Copyright (c) 2015 The Authors, All Rights Reserved.</a:t>
-            </a:r>
-          </a:p>
-          <a:p>
-            <a:r>
-              <a:rPr lang="en-US" dirty="0" smtClean="0"/>
-              <a:t>package '</a:t>
-            </a:r>
-            <a:r>
-              <a:rPr lang="en-US" dirty="0" err="1" smtClean="0"/>
-              <a:t>httpd</a:t>
-            </a:r>
-            <a:r>
-              <a:rPr lang="en-US" dirty="0" smtClean="0"/>
-              <a:t>'</a:t>
-            </a:r>
-          </a:p>
-          <a:p>
-            <a:endParaRPr lang="en-US" dirty="0"/>
-          </a:p>
-          <a:p>
-            <a:r>
-              <a:rPr lang="en-US" dirty="0" smtClean="0"/>
-              <a:t>service '</a:t>
-            </a:r>
-            <a:r>
-              <a:rPr lang="en-US" dirty="0" err="1" smtClean="0"/>
-              <a:t>httpd</a:t>
-            </a:r>
-            <a:r>
-              <a:rPr lang="en-US" dirty="0" smtClean="0"/>
-              <a:t>' do</a:t>
-            </a:r>
-          </a:p>
-          <a:p>
-            <a:r>
-              <a:rPr lang="en-US" dirty="0"/>
-              <a:t> </a:t>
-            </a:r>
-            <a:r>
-              <a:rPr lang="en-US" dirty="0" smtClean="0"/>
-              <a:t> action [:enable, :start]</a:t>
-            </a:r>
-          </a:p>
-          <a:p>
-            <a:r>
-              <a:rPr lang="en-US" dirty="0" smtClean="0"/>
-              <a:t>end</a:t>
-            </a:r>
-          </a:p>
-        </p:txBody>
-      </p:sp>
-      <p:sp>
-        <p:nvSpPr>
-          <p:cNvPr id="4" name="Text Placeholder 3"/>
-          <p:cNvSpPr>
-            <a:spLocks noGrp="1"/>
-          </p:cNvSpPr>
-          <p:nvPr>
-            <p:ph type="body" sz="quarter" idx="11"/>
-          </p:nvPr>
-        </p:nvSpPr>
-        <p:spPr/>
-        <p:txBody>
-          <a:bodyPr/>
-          <a:lstStyle/>
-          <a:p>
-            <a:r>
-              <a:rPr lang="en-US" dirty="0" smtClean="0"/>
-              <a:t>~/</a:t>
-            </a:r>
-            <a:r>
-              <a:rPr lang="en-US" dirty="0" err="1" smtClean="0"/>
-              <a:t>httpd</a:t>
-            </a:r>
-            <a:r>
-              <a:rPr lang="en-US" dirty="0" smtClean="0"/>
-              <a:t>/recipes/</a:t>
-            </a:r>
-            <a:r>
-              <a:rPr lang="en-US" dirty="0" err="1" smtClean="0"/>
-              <a:t>default.rb</a:t>
-            </a:r>
-            <a:endParaRPr lang="en-US" dirty="0"/>
-          </a:p>
-        </p:txBody>
-      </p:sp>
-      <p:sp>
-        <p:nvSpPr>
-          <p:cNvPr id="6" name="Text Placeholder 5"/>
-          <p:cNvSpPr>
-            <a:spLocks noGrp="1"/>
-          </p:cNvSpPr>
-          <p:nvPr>
-            <p:ph type="body" sz="quarter" idx="13"/>
-          </p:nvPr>
-        </p:nvSpPr>
-        <p:spPr>
-          <a:xfrm>
-            <a:off x="1135042" y="4790333"/>
-            <a:ext cx="14404273" cy="2717030"/>
-          </a:xfrm>
-        </p:spPr>
-        <p:txBody>
-          <a:bodyPr/>
-          <a:lstStyle/>
-          <a:p>
-            <a:endParaRPr lang="en-US" dirty="0"/>
+            <a:pPr marL="342900" indent="-342900">
+              <a:buFont typeface="Wingdings" charset="2"/>
+              <a:buChar char="ü"/>
+            </a:pPr>
+            <a:r>
+              <a:rPr lang="en-US" dirty="0"/>
+              <a:t>Create a cookbook</a:t>
+            </a:r>
+          </a:p>
+          <a:p>
+            <a:pPr marL="342900" indent="-342900">
+              <a:buFont typeface="Wingdings" charset="2"/>
+              <a:buChar char="ü"/>
+            </a:pPr>
+            <a:r>
+              <a:rPr lang="en-US" dirty="0"/>
+              <a:t>Write tests that verifies the cookbook does what we want it to do</a:t>
+            </a:r>
+          </a:p>
+          <a:p>
+            <a:pPr marL="342900" indent="-342900">
+              <a:buFont typeface="Wingdings" charset="2"/>
+              <a:buChar char="ü"/>
+            </a:pPr>
+            <a:r>
+              <a:rPr lang="en-US" dirty="0"/>
+              <a:t>Execute the tests and see failure</a:t>
+            </a:r>
+          </a:p>
+          <a:p>
+            <a:pPr marL="342900" indent="-342900">
+              <a:buFont typeface="Wingdings" charset="2"/>
+              <a:buChar char="q"/>
+            </a:pPr>
+            <a:r>
+              <a:rPr lang="en-US" dirty="0"/>
+              <a:t>Write the recipe to make the test pass</a:t>
+            </a:r>
+          </a:p>
+          <a:p>
+            <a:pPr marL="342900" indent="-342900">
+              <a:buFont typeface="Wingdings" charset="2"/>
+              <a:buChar char="q"/>
+            </a:pPr>
+            <a:r>
+              <a:rPr lang="en-US" dirty="0"/>
+              <a:t>Execute the tests and see success</a:t>
+            </a:r>
           </a:p>
         </p:txBody>
       </p:sp>
     </p:spTree>
     <p:extLst>
       <p:ext uri="{BB962C8B-B14F-4D97-AF65-F5344CB8AC3E}">
-        <p14:creationId xmlns:p14="http://schemas.microsoft.com/office/powerpoint/2010/main" val="3986247023"/>
+        <p14:creationId xmlns:p14="http://schemas.microsoft.com/office/powerpoint/2010/main" val="2556402984"/>
       </p:ext>
     </p:extLst>
   </p:cSld>
@@ -12566,6 +12747,13 @@
   <p:transition xmlns:p14="http://schemas.microsoft.com/office/powerpoint/2010/main" spd="med">
     <p:fade/>
   </p:transition>
+  <p:timing>
+    <p:tnLst>
+      <p:par>
+        <p:cTn xmlns:p14="http://schemas.microsoft.com/office/powerpoint/2010/main" id="1" dur="indefinite" restart="never" nodeType="tmRoot"/>
+      </p:par>
+    </p:tnLst>
+  </p:timing>
 </p:sld>
 </file>
 
@@ -12593,32 +12781,7 @@
             <a:spLocks noGrp="1"/>
           </p:cNvSpPr>
           <p:nvPr>
-            <p:ph type="ctrTitle"/>
-          </p:nvPr>
-        </p:nvSpPr>
-        <p:spPr/>
-        <p:txBody>
-          <a:bodyPr>
-            <a:normAutofit fontScale="90000"/>
-          </a:bodyPr>
-          <a:lstStyle/>
-          <a:p>
-            <a:r>
-              <a:rPr lang="en-US" dirty="0" smtClean="0"/>
-              <a:t>Build a Reliable Cookbook</a:t>
-            </a:r>
-            <a:endParaRPr lang="en-US" dirty="0"/>
-          </a:p>
-        </p:txBody>
-      </p:sp>
-      <p:sp>
-        <p:nvSpPr>
-          <p:cNvPr id="3" name="Content Placeholder 2"/>
-          <p:cNvSpPr>
-            <a:spLocks noGrp="1"/>
-          </p:cNvSpPr>
-          <p:nvPr>
-            <p:ph sz="quarter" idx="11"/>
+            <p:ph type="title"/>
           </p:nvPr>
         </p:nvSpPr>
         <p:spPr/>
@@ -12626,22 +12789,18 @@
           <a:bodyPr/>
           <a:lstStyle/>
           <a:p>
-            <a:r>
-              <a:rPr lang="en-US" dirty="0" smtClean="0"/>
-              <a:t>This time it will be different.</a:t>
-            </a:r>
-            <a:endParaRPr lang="en-US" dirty="0"/>
-          </a:p>
-        </p:txBody>
-      </p:sp>
-      <p:sp>
-        <p:nvSpPr>
-          <p:cNvPr id="4" name="Text Placeholder 3"/>
-          <p:cNvSpPr>
-            <a:spLocks noGrp="1"/>
-          </p:cNvSpPr>
-          <p:nvPr>
-            <p:ph type="body" sz="quarter" idx="10"/>
+            <a:endParaRPr lang="en-US"/>
+          </a:p>
+        </p:txBody>
+      </p:sp>
+      <p:sp>
+        <p:nvSpPr>
+          <p:cNvPr id="3" name="Content Placeholder 2"/>
+          <p:cNvSpPr>
+            <a:spLocks noGrp="1"/>
+          </p:cNvSpPr>
+          <p:nvPr>
+            <p:ph sz="quarter" idx="10"/>
           </p:nvPr>
         </p:nvSpPr>
         <p:spPr/>
@@ -12649,61 +12808,152 @@
           <a:bodyPr/>
           <a:lstStyle/>
           <a:p>
-            <a:pPr marL="342900" indent="-342900">
-              <a:buFont typeface="Wingdings" charset="2"/>
-              <a:buChar char="ü"/>
-            </a:pPr>
-            <a:r>
-              <a:rPr lang="en-US" dirty="0"/>
-              <a:t>Create a cookbook</a:t>
-            </a:r>
-          </a:p>
-          <a:p>
-            <a:pPr marL="342900" indent="-342900">
-              <a:buFont typeface="Wingdings" charset="2"/>
-              <a:buChar char="ü"/>
-            </a:pPr>
-            <a:r>
-              <a:rPr lang="en-US" dirty="0"/>
-              <a:t>Write tests that verifies the cookbook does what we want it to do</a:t>
-            </a:r>
-          </a:p>
-          <a:p>
-            <a:pPr marL="342900" indent="-342900">
-              <a:buFont typeface="Wingdings" charset="2"/>
-              <a:buChar char="ü"/>
-            </a:pPr>
-            <a:r>
-              <a:rPr lang="en-US" dirty="0"/>
-              <a:t>Execute the tests and see failure</a:t>
-            </a:r>
-          </a:p>
-          <a:p>
-            <a:pPr marL="342900" indent="-342900">
-              <a:buFont typeface="Wingdings" charset="2"/>
-              <a:buChar char="ü"/>
-            </a:pPr>
-            <a:r>
-              <a:rPr lang="en-US" dirty="0"/>
-              <a:t>Write the recipe to make the test pass</a:t>
-            </a:r>
-          </a:p>
-          <a:p>
-            <a:pPr marL="342900" indent="-342900">
-              <a:buFont typeface="Wingdings" charset="2"/>
-              <a:buChar char="q"/>
-            </a:pPr>
-            <a:r>
-              <a:rPr lang="en-US" dirty="0"/>
-              <a:t>Execute the tests and see success</a:t>
-            </a:r>
+            <a:r>
+              <a:rPr lang="en-US" dirty="0"/>
+              <a:t>#</a:t>
+            </a:r>
+          </a:p>
+          <a:p>
+            <a:r>
+              <a:rPr lang="en-US" dirty="0"/>
+              <a:t># Cookbook Name:: </a:t>
+            </a:r>
+            <a:r>
+              <a:rPr lang="en-US" dirty="0" err="1"/>
+              <a:t>httpd</a:t>
+            </a:r>
+            <a:endParaRPr lang="en-US" dirty="0"/>
+          </a:p>
+          <a:p>
+            <a:r>
+              <a:rPr lang="en-US" dirty="0"/>
+              <a:t># Recipe:: default</a:t>
+            </a:r>
+          </a:p>
+          <a:p>
+            <a:r>
+              <a:rPr lang="en-US" dirty="0"/>
+              <a:t>#</a:t>
+            </a:r>
+          </a:p>
+          <a:p>
+            <a:r>
+              <a:rPr lang="en-US" dirty="0"/>
+              <a:t># Copyright (c) 2015 The Authors, All Rights Reserved.</a:t>
+            </a:r>
+          </a:p>
+          <a:p>
+            <a:r>
+              <a:rPr lang="en-US" dirty="0" smtClean="0"/>
+              <a:t>package '</a:t>
+            </a:r>
+            <a:r>
+              <a:rPr lang="en-US" dirty="0" err="1" smtClean="0"/>
+              <a:t>httpd</a:t>
+            </a:r>
+            <a:r>
+              <a:rPr lang="en-US" dirty="0" smtClean="0"/>
+              <a:t>'</a:t>
+            </a:r>
+          </a:p>
+          <a:p>
+            <a:endParaRPr lang="en-US" dirty="0"/>
+          </a:p>
+          <a:p>
+            <a:r>
+              <a:rPr lang="en-US" dirty="0" smtClean="0"/>
+              <a:t>service '</a:t>
+            </a:r>
+            <a:r>
+              <a:rPr lang="en-US" dirty="0" err="1" smtClean="0"/>
+              <a:t>httpd</a:t>
+            </a:r>
+            <a:r>
+              <a:rPr lang="en-US" dirty="0" smtClean="0"/>
+              <a:t>' do</a:t>
+            </a:r>
+          </a:p>
+          <a:p>
+            <a:r>
+              <a:rPr lang="en-US" dirty="0"/>
+              <a:t> </a:t>
+            </a:r>
+            <a:r>
+              <a:rPr lang="en-US" dirty="0" smtClean="0"/>
+              <a:t> action [:enable, :start]</a:t>
+            </a:r>
+          </a:p>
+          <a:p>
+            <a:r>
+              <a:rPr lang="en-US" dirty="0" smtClean="0"/>
+              <a:t>end</a:t>
+            </a:r>
+          </a:p>
+        </p:txBody>
+      </p:sp>
+      <p:sp>
+        <p:nvSpPr>
+          <p:cNvPr id="4" name="Text Placeholder 3"/>
+          <p:cNvSpPr>
+            <a:spLocks noGrp="1"/>
+          </p:cNvSpPr>
+          <p:nvPr>
+            <p:ph type="body" sz="quarter" idx="11"/>
+          </p:nvPr>
+        </p:nvSpPr>
+        <p:spPr/>
+        <p:txBody>
+          <a:bodyPr/>
+          <a:lstStyle/>
+          <a:p>
+            <a:r>
+              <a:rPr lang="en-US" dirty="0" smtClean="0"/>
+              <a:t>~/</a:t>
+            </a:r>
+            <a:r>
+              <a:rPr lang="en-US" dirty="0" err="1" smtClean="0"/>
+              <a:t>httpd</a:t>
+            </a:r>
+            <a:r>
+              <a:rPr lang="en-US" dirty="0" smtClean="0"/>
+              <a:t>/recipes/</a:t>
+            </a:r>
+            <a:r>
+              <a:rPr lang="en-US" dirty="0" err="1" smtClean="0"/>
+              <a:t>default.rb</a:t>
+            </a:r>
+            <a:endParaRPr lang="en-US" dirty="0"/>
+          </a:p>
+        </p:txBody>
+      </p:sp>
+      <p:sp>
+        <p:nvSpPr>
+          <p:cNvPr id="6" name="Text Placeholder 5"/>
+          <p:cNvSpPr>
+            <a:spLocks noGrp="1"/>
+          </p:cNvSpPr>
+          <p:nvPr>
+            <p:ph type="body" sz="quarter" idx="13"/>
+          </p:nvPr>
+        </p:nvSpPr>
+        <p:spPr>
+          <a:xfrm>
+            <a:off x="1135042" y="4790333"/>
+            <a:ext cx="14404273" cy="2717030"/>
+          </a:xfrm>
+        </p:spPr>
+        <p:txBody>
+          <a:bodyPr/>
+          <a:lstStyle/>
+          <a:p>
+            <a:endParaRPr lang="en-US" dirty="0"/>
           </a:p>
         </p:txBody>
       </p:sp>
     </p:spTree>
     <p:extLst>
       <p:ext uri="{BB962C8B-B14F-4D97-AF65-F5344CB8AC3E}">
-        <p14:creationId xmlns:p14="http://schemas.microsoft.com/office/powerpoint/2010/main" val="2663590745"/>
+        <p14:creationId xmlns:p14="http://schemas.microsoft.com/office/powerpoint/2010/main" val="3986247023"/>
       </p:ext>
     </p:extLst>
   </p:cSld>
@@ -12713,13 +12963,6 @@
   <p:transition xmlns:p14="http://schemas.microsoft.com/office/powerpoint/2010/main" spd="med">
     <p:fade/>
   </p:transition>
-  <p:timing>
-    <p:tnLst>
-      <p:par>
-        <p:cTn xmlns:p14="http://schemas.microsoft.com/office/powerpoint/2010/main" id="1" dur="indefinite" restart="never" nodeType="tmRoot"/>
-      </p:par>
-    </p:tnLst>
-  </p:timing>
 </p:sld>
 </file>
 
@@ -12742,12 +12985,37 @@
       </p:grpSpPr>
       <p:sp>
         <p:nvSpPr>
-          <p:cNvPr id="2" name="Content Placeholder 1"/>
-          <p:cNvSpPr>
-            <a:spLocks noGrp="1"/>
-          </p:cNvSpPr>
-          <p:nvPr>
-            <p:ph sz="quarter" idx="10"/>
+          <p:cNvPr id="2" name="Title 1"/>
+          <p:cNvSpPr>
+            <a:spLocks noGrp="1"/>
+          </p:cNvSpPr>
+          <p:nvPr>
+            <p:ph type="ctrTitle"/>
+          </p:nvPr>
+        </p:nvSpPr>
+        <p:spPr/>
+        <p:txBody>
+          <a:bodyPr>
+            <a:normAutofit fontScale="90000"/>
+          </a:bodyPr>
+          <a:lstStyle/>
+          <a:p>
+            <a:r>
+              <a:rPr lang="en-US" dirty="0" smtClean="0"/>
+              <a:t>Build a Reliable Cookbook</a:t>
+            </a:r>
+            <a:endParaRPr lang="en-US" dirty="0"/>
+          </a:p>
+        </p:txBody>
+      </p:sp>
+      <p:sp>
+        <p:nvSpPr>
+          <p:cNvPr id="3" name="Content Placeholder 2"/>
+          <p:cNvSpPr>
+            <a:spLocks noGrp="1"/>
+          </p:cNvSpPr>
+          <p:nvPr>
+            <p:ph sz="quarter" idx="11"/>
           </p:nvPr>
         </p:nvSpPr>
         <p:spPr/>
@@ -12756,138 +13024,21 @@
           <a:lstStyle/>
           <a:p>
             <a:r>
-              <a:rPr lang="en-US" dirty="0"/>
-              <a:t>-----&gt; Starting Kitchen (v1.4.2</a:t>
-            </a:r>
-            <a:r>
-              <a:rPr lang="en-US" dirty="0" smtClean="0"/>
-              <a:t>)</a:t>
-            </a:r>
-          </a:p>
-          <a:p>
-            <a:r>
-              <a:rPr lang="en-US" dirty="0" smtClean="0"/>
-              <a:t>       Converging </a:t>
-            </a:r>
-            <a:r>
-              <a:rPr lang="en-US" dirty="0"/>
-              <a:t>2 resources</a:t>
-            </a:r>
-          </a:p>
-          <a:p>
-            <a:r>
-              <a:rPr lang="en-US" dirty="0"/>
-              <a:t>       Recipe: </a:t>
-            </a:r>
-            <a:r>
-              <a:rPr lang="en-US" dirty="0" err="1"/>
-              <a:t>httpd</a:t>
-            </a:r>
-            <a:r>
-              <a:rPr lang="en-US" dirty="0"/>
-              <a:t>::</a:t>
-            </a:r>
-            <a:r>
-              <a:rPr lang="en-US" dirty="0" smtClean="0"/>
-              <a:t>default</a:t>
-            </a:r>
-          </a:p>
-          <a:p>
-            <a:r>
-              <a:rPr lang="en-US" dirty="0"/>
-              <a:t> </a:t>
-            </a:r>
-            <a:r>
-              <a:rPr lang="en-US" dirty="0" smtClean="0"/>
-              <a:t>        * package[</a:t>
-            </a:r>
-            <a:r>
-              <a:rPr lang="en-US" dirty="0" err="1" smtClean="0"/>
-              <a:t>httpd</a:t>
-            </a:r>
-            <a:r>
-              <a:rPr lang="en-US" dirty="0" smtClean="0"/>
-              <a:t>] action install</a:t>
+              <a:rPr lang="en-US" dirty="0" smtClean="0"/>
+              <a:t>This time it will be different.</a:t>
             </a:r>
             <a:endParaRPr lang="en-US" dirty="0"/>
           </a:p>
-          <a:p>
-            <a:r>
-              <a:rPr lang="en-US" dirty="0"/>
-              <a:t>           - install version 2.2.15-47.el6.centos of package </a:t>
-            </a:r>
-            <a:r>
-              <a:rPr lang="en-US" dirty="0" err="1"/>
-              <a:t>httpd</a:t>
-            </a:r>
-            <a:endParaRPr lang="en-US" dirty="0"/>
-          </a:p>
-          <a:p>
-            <a:r>
-              <a:rPr lang="en-US" dirty="0"/>
-              <a:t>         * service[</a:t>
-            </a:r>
-            <a:r>
-              <a:rPr lang="en-US" dirty="0" err="1"/>
-              <a:t>httpd</a:t>
-            </a:r>
-            <a:r>
-              <a:rPr lang="en-US" dirty="0"/>
-              <a:t>] action enable</a:t>
-            </a:r>
-          </a:p>
-          <a:p>
-            <a:r>
-              <a:rPr lang="en-US" dirty="0"/>
-              <a:t>           - enable service service[</a:t>
-            </a:r>
-            <a:r>
-              <a:rPr lang="en-US" dirty="0" err="1"/>
-              <a:t>httpd</a:t>
-            </a:r>
-            <a:r>
-              <a:rPr lang="en-US" dirty="0"/>
-              <a:t>]</a:t>
-            </a:r>
-          </a:p>
-          <a:p>
-            <a:r>
-              <a:rPr lang="en-US" dirty="0"/>
-              <a:t>         * service[</a:t>
-            </a:r>
-            <a:r>
-              <a:rPr lang="en-US" dirty="0" err="1"/>
-              <a:t>httpd</a:t>
-            </a:r>
-            <a:r>
-              <a:rPr lang="en-US" dirty="0"/>
-              <a:t>] action start</a:t>
-            </a:r>
-          </a:p>
-          <a:p>
-            <a:r>
-              <a:rPr lang="en-US" dirty="0"/>
-              <a:t>           - start service service[</a:t>
-            </a:r>
-            <a:r>
-              <a:rPr lang="en-US" dirty="0" err="1"/>
-              <a:t>httpd</a:t>
-            </a:r>
-            <a:r>
-              <a:rPr lang="en-US" dirty="0"/>
-              <a:t>]</a:t>
-            </a:r>
-          </a:p>
-        </p:txBody>
-      </p:sp>
-      <p:sp>
-        <p:nvSpPr>
-          <p:cNvPr id="3" name="Text Placeholder 2"/>
-          <p:cNvSpPr>
-            <a:spLocks noGrp="1"/>
-          </p:cNvSpPr>
-          <p:nvPr>
-            <p:ph type="body" sz="quarter" idx="11"/>
+        </p:txBody>
+      </p:sp>
+      <p:sp>
+        <p:nvSpPr>
+          <p:cNvPr id="4" name="Text Placeholder 3"/>
+          <p:cNvSpPr>
+            <a:spLocks noGrp="1"/>
+          </p:cNvSpPr>
+          <p:nvPr>
+            <p:ph type="body" sz="quarter" idx="10"/>
           </p:nvPr>
         </p:nvSpPr>
         <p:spPr/>
@@ -12895,61 +13046,61 @@
           <a:bodyPr/>
           <a:lstStyle/>
           <a:p>
-            <a:r>
-              <a:rPr lang="en-US" dirty="0" smtClean="0"/>
-              <a:t>&gt; kitchen converge</a:t>
-            </a:r>
-            <a:endParaRPr lang="en-US" dirty="0"/>
-          </a:p>
-        </p:txBody>
-      </p:sp>
-      <p:sp>
-        <p:nvSpPr>
-          <p:cNvPr id="4" name="Content Placeholder 3"/>
-          <p:cNvSpPr>
-            <a:spLocks noGrp="1"/>
-          </p:cNvSpPr>
-          <p:nvPr>
-            <p:ph sz="quarter" idx="12"/>
-          </p:nvPr>
-        </p:nvSpPr>
-        <p:spPr>
-          <a:xfrm>
-            <a:off x="1127883" y="3941542"/>
-            <a:ext cx="14420850" cy="3144153"/>
-          </a:xfrm>
-        </p:spPr>
-        <p:txBody>
-          <a:bodyPr/>
-          <a:lstStyle/>
-          <a:p>
-            <a:endParaRPr lang="en-US" dirty="0"/>
-          </a:p>
-        </p:txBody>
-      </p:sp>
-      <p:sp>
-        <p:nvSpPr>
-          <p:cNvPr id="5" name="Title 4"/>
-          <p:cNvSpPr>
-            <a:spLocks noGrp="1"/>
-          </p:cNvSpPr>
-          <p:nvPr>
-            <p:ph type="title"/>
-          </p:nvPr>
-        </p:nvSpPr>
-        <p:spPr/>
-        <p:txBody>
-          <a:bodyPr/>
-          <a:lstStyle/>
-          <a:p>
-            <a:endParaRPr lang="en-US" dirty="0"/>
+            <a:pPr marL="342900" indent="-342900">
+              <a:buFont typeface="Wingdings" charset="2"/>
+              <a:buChar char="ü"/>
+            </a:pPr>
+            <a:r>
+              <a:rPr lang="en-US" dirty="0"/>
+              <a:t>Create a cookbook</a:t>
+            </a:r>
+          </a:p>
+          <a:p>
+            <a:pPr marL="342900" indent="-342900">
+              <a:buFont typeface="Wingdings" charset="2"/>
+              <a:buChar char="ü"/>
+            </a:pPr>
+            <a:r>
+              <a:rPr lang="en-US" dirty="0"/>
+              <a:t>Write tests that verifies the cookbook does what we want it to do</a:t>
+            </a:r>
+          </a:p>
+          <a:p>
+            <a:pPr marL="342900" indent="-342900">
+              <a:buFont typeface="Wingdings" charset="2"/>
+              <a:buChar char="ü"/>
+            </a:pPr>
+            <a:r>
+              <a:rPr lang="en-US" dirty="0"/>
+              <a:t>Execute the tests and see failure</a:t>
+            </a:r>
+          </a:p>
+          <a:p>
+            <a:pPr marL="342900" indent="-342900">
+              <a:buFont typeface="Wingdings" charset="2"/>
+              <a:buChar char="ü"/>
+            </a:pPr>
+            <a:r>
+              <a:rPr lang="en-US" dirty="0"/>
+              <a:t>Write the recipe to make the test pass</a:t>
+            </a:r>
+          </a:p>
+          <a:p>
+            <a:pPr marL="342900" indent="-342900">
+              <a:buFont typeface="Wingdings" charset="2"/>
+              <a:buChar char="q"/>
+            </a:pPr>
+            <a:r>
+              <a:rPr lang="en-US" dirty="0"/>
+              <a:t>Execute the tests and see success</a:t>
+            </a:r>
           </a:p>
         </p:txBody>
       </p:sp>
     </p:spTree>
     <p:extLst>
       <p:ext uri="{BB962C8B-B14F-4D97-AF65-F5344CB8AC3E}">
-        <p14:creationId xmlns:p14="http://schemas.microsoft.com/office/powerpoint/2010/main" val="2139065047"/>
+        <p14:creationId xmlns:p14="http://schemas.microsoft.com/office/powerpoint/2010/main" val="2663590745"/>
       </p:ext>
     </p:extLst>
   </p:cSld>
@@ -13003,50 +13154,125 @@
           <a:p>
             <a:r>
               <a:rPr lang="en-US" dirty="0"/>
+              <a:t>-----&gt; Starting Kitchen (v1.4.2</a:t>
+            </a:r>
+            <a:r>
+              <a:rPr lang="en-US" dirty="0" smtClean="0"/>
+              <a:t>)</a:t>
+            </a:r>
+          </a:p>
+          <a:p>
+            <a:r>
+              <a:rPr lang="en-US" dirty="0" smtClean="0"/>
+              <a:t>       Converging </a:t>
+            </a:r>
+            <a:r>
+              <a:rPr lang="en-US" dirty="0"/>
+              <a:t>2 resources</a:t>
+            </a:r>
+          </a:p>
+          <a:p>
+            <a:r>
+              <a:rPr lang="en-US" dirty="0"/>
+              <a:t>       Recipe: </a:t>
+            </a:r>
+            <a:r>
+              <a:rPr lang="en-US" dirty="0" err="1"/>
+              <a:t>httpd</a:t>
+            </a:r>
+            <a:r>
+              <a:rPr lang="en-US" dirty="0"/>
+              <a:t>::</a:t>
+            </a:r>
+            <a:r>
+              <a:rPr lang="en-US" dirty="0" smtClean="0"/>
+              <a:t>default</a:t>
+            </a:r>
+          </a:p>
+          <a:p>
+            <a:r>
+              <a:rPr lang="en-US" dirty="0"/>
               <a:t> </a:t>
             </a:r>
             <a:r>
               <a:rPr lang="en-US" dirty="0" smtClean="0"/>
-              <a:t>      </a:t>
+              <a:t>        * package[</a:t>
             </a:r>
             <a:r>
               <a:rPr lang="en-US" dirty="0" err="1" smtClean="0"/>
               <a:t>httpd</a:t>
             </a:r>
             <a:r>
-              <a:rPr lang="en-US" dirty="0"/>
-              <a:t>::default</a:t>
-            </a:r>
-          </a:p>
-          <a:p>
-            <a:r>
-              <a:rPr lang="en-US" dirty="0"/>
-              <a:t>         Command "curl http://</a:t>
+              <a:rPr lang="en-US" dirty="0" smtClean="0"/>
+              <a:t>] action install</a:t>
+            </a:r>
+            <a:endParaRPr lang="en-US" dirty="0"/>
+          </a:p>
+          <a:p>
+            <a:r>
+              <a:rPr lang="en-US" dirty="0"/>
+              <a:t>           - install version 2.2.15-47.el6.centos of package </a:t>
             </a:r>
             <a:r>
               <a:rPr lang="en-US" dirty="0" err="1"/>
-              <a:t>localhost</a:t>
-            </a:r>
-            <a:r>
-              <a:rPr lang="en-US" dirty="0"/>
-              <a:t>"</a:t>
-            </a:r>
-          </a:p>
-          <a:p>
-            <a:r>
-              <a:rPr lang="en-US" dirty="0"/>
-              <a:t>           </a:t>
+              <a:t>httpd</a:t>
+            </a:r>
+            <a:endParaRPr lang="en-US" dirty="0"/>
+          </a:p>
+          <a:p>
+            <a:r>
+              <a:rPr lang="en-US" dirty="0"/>
+              <a:t>         * service[</a:t>
             </a:r>
             <a:r>
               <a:rPr lang="en-US" dirty="0" err="1"/>
-              <a:t>stdout</a:t>
-            </a:r>
-            <a:endParaRPr lang="en-US" dirty="0"/>
-          </a:p>
-          <a:p>
-            <a:r>
-              <a:rPr lang="en-US" dirty="0"/>
-              <a:t>             should match /WRONG/ (FAILED - 1)</a:t>
+              <a:t>httpd</a:t>
+            </a:r>
+            <a:r>
+              <a:rPr lang="en-US" dirty="0"/>
+              <a:t>] action enable</a:t>
+            </a:r>
+          </a:p>
+          <a:p>
+            <a:r>
+              <a:rPr lang="en-US" dirty="0"/>
+              <a:t>           - enable service service[</a:t>
+            </a:r>
+            <a:r>
+              <a:rPr lang="en-US" dirty="0" err="1"/>
+              <a:t>httpd</a:t>
+            </a:r>
+            <a:r>
+              <a:rPr lang="en-US" dirty="0"/>
+              <a:t>]</a:t>
+            </a:r>
+          </a:p>
+          <a:p>
+            <a:r>
+              <a:rPr lang="en-US" dirty="0"/>
+              <a:t>         * service[</a:t>
+            </a:r>
+            <a:r>
+              <a:rPr lang="en-US" dirty="0" err="1"/>
+              <a:t>httpd</a:t>
+            </a:r>
+            <a:r>
+              <a:rPr lang="en-US" dirty="0"/>
+              <a:t>] action start</a:t>
+            </a:r>
+          </a:p>
+          <a:p>
+            <a:r>
+              <a:rPr lang="en-US" dirty="0"/>
+              <a:t>           - start service service[</a:t>
+            </a:r>
+            <a:r>
+              <a:rPr lang="en-US" dirty="0" err="1"/>
+              <a:t>httpd</a:t>
+            </a:r>
+            <a:r>
+              <a:rPr lang="en-US" dirty="0"/>
+              <a:t>]</a:t>
             </a:r>
           </a:p>
         </p:txBody>
@@ -13068,7 +13294,7 @@
           <a:p>
             <a:r>
               <a:rPr lang="en-US" dirty="0" smtClean="0"/>
-              <a:t>&gt; kitchen verify</a:t>
+              <a:t>&gt; kitchen converge</a:t>
             </a:r>
             <a:endParaRPr lang="en-US" dirty="0"/>
           </a:p>
@@ -13086,8 +13312,8 @@
         </p:nvSpPr>
         <p:spPr>
           <a:xfrm>
-            <a:off x="1127883" y="3941543"/>
-            <a:ext cx="14420850" cy="492588"/>
+            <a:off x="1127883" y="3941542"/>
+            <a:ext cx="14420850" cy="3144153"/>
           </a:xfrm>
         </p:spPr>
         <p:txBody>
@@ -13120,7 +13346,7 @@
     </p:spTree>
     <p:extLst>
       <p:ext uri="{BB962C8B-B14F-4D97-AF65-F5344CB8AC3E}">
-        <p14:creationId xmlns:p14="http://schemas.microsoft.com/office/powerpoint/2010/main" val="3025877332"/>
+        <p14:creationId xmlns:p14="http://schemas.microsoft.com/office/powerpoint/2010/main" val="2139065047"/>
       </p:ext>
     </p:extLst>
   </p:cSld>
@@ -13159,37 +13385,12 @@
       </p:grpSpPr>
       <p:sp>
         <p:nvSpPr>
-          <p:cNvPr id="2" name="Title 1"/>
-          <p:cNvSpPr>
-            <a:spLocks noGrp="1"/>
-          </p:cNvSpPr>
-          <p:nvPr>
-            <p:ph type="ctrTitle"/>
-          </p:nvPr>
-        </p:nvSpPr>
-        <p:spPr/>
-        <p:txBody>
-          <a:bodyPr>
-            <a:normAutofit fontScale="90000"/>
-          </a:bodyPr>
-          <a:lstStyle/>
-          <a:p>
-            <a:r>
-              <a:rPr lang="en-US" dirty="0" smtClean="0"/>
-              <a:t>We Did Not Know Any Better</a:t>
-            </a:r>
-            <a:endParaRPr lang="en-US" dirty="0"/>
-          </a:p>
-        </p:txBody>
-      </p:sp>
-      <p:sp>
-        <p:nvSpPr>
-          <p:cNvPr id="3" name="Subtitle 2"/>
-          <p:cNvSpPr>
-            <a:spLocks noGrp="1"/>
-          </p:cNvSpPr>
-          <p:nvPr>
-            <p:ph type="subTitle" idx="1"/>
+          <p:cNvPr id="2" name="Content Placeholder 1"/>
+          <p:cNvSpPr>
+            <a:spLocks noGrp="1"/>
+          </p:cNvSpPr>
+          <p:nvPr>
+            <p:ph sz="quarter" idx="10"/>
           </p:nvPr>
         </p:nvSpPr>
         <p:spPr/>
@@ -13198,16 +13399,125 @@
           <a:lstStyle/>
           <a:p>
             <a:r>
-              <a:rPr lang="en-US" dirty="0" smtClean="0"/>
-              <a:t>We chose in our test to match the value WRONG within the results. That was a great value to start testing. Now that we know the site returns a test page we can ensure that value is captured in the test.</a:t>
-            </a:r>
+              <a:rPr lang="en-US" dirty="0"/>
+              <a:t> </a:t>
+            </a:r>
+            <a:r>
+              <a:rPr lang="en-US" dirty="0" smtClean="0"/>
+              <a:t>      </a:t>
+            </a:r>
+            <a:r>
+              <a:rPr lang="en-US" dirty="0" err="1" smtClean="0"/>
+              <a:t>httpd</a:t>
+            </a:r>
+            <a:r>
+              <a:rPr lang="en-US" dirty="0"/>
+              <a:t>::default</a:t>
+            </a:r>
+          </a:p>
+          <a:p>
+            <a:r>
+              <a:rPr lang="en-US" dirty="0"/>
+              <a:t>         Command "curl http://</a:t>
+            </a:r>
+            <a:r>
+              <a:rPr lang="en-US" dirty="0" err="1"/>
+              <a:t>localhost</a:t>
+            </a:r>
+            <a:r>
+              <a:rPr lang="en-US" dirty="0"/>
+              <a:t>"</a:t>
+            </a:r>
+          </a:p>
+          <a:p>
+            <a:r>
+              <a:rPr lang="en-US" dirty="0"/>
+              <a:t>           </a:t>
+            </a:r>
+            <a:r>
+              <a:rPr lang="en-US" dirty="0" err="1"/>
+              <a:t>stdout</a:t>
+            </a:r>
+            <a:endParaRPr lang="en-US" dirty="0"/>
+          </a:p>
+          <a:p>
+            <a:r>
+              <a:rPr lang="en-US" dirty="0"/>
+              <a:t>             should match /WRONG/ (FAILED - 1)</a:t>
+            </a:r>
+          </a:p>
+        </p:txBody>
+      </p:sp>
+      <p:sp>
+        <p:nvSpPr>
+          <p:cNvPr id="3" name="Text Placeholder 2"/>
+          <p:cNvSpPr>
+            <a:spLocks noGrp="1"/>
+          </p:cNvSpPr>
+          <p:nvPr>
+            <p:ph type="body" sz="quarter" idx="11"/>
+          </p:nvPr>
+        </p:nvSpPr>
+        <p:spPr/>
+        <p:txBody>
+          <a:bodyPr/>
+          <a:lstStyle/>
+          <a:p>
+            <a:r>
+              <a:rPr lang="en-US" dirty="0" smtClean="0"/>
+              <a:t>&gt; kitchen verify</a:t>
+            </a:r>
+            <a:endParaRPr lang="en-US" dirty="0"/>
+          </a:p>
+        </p:txBody>
+      </p:sp>
+      <p:sp>
+        <p:nvSpPr>
+          <p:cNvPr id="4" name="Content Placeholder 3"/>
+          <p:cNvSpPr>
+            <a:spLocks noGrp="1"/>
+          </p:cNvSpPr>
+          <p:nvPr>
+            <p:ph sz="quarter" idx="12"/>
+          </p:nvPr>
+        </p:nvSpPr>
+        <p:spPr>
+          <a:xfrm>
+            <a:off x="1127883" y="3941543"/>
+            <a:ext cx="14420850" cy="492588"/>
+          </a:xfrm>
+        </p:spPr>
+        <p:txBody>
+          <a:bodyPr/>
+          <a:lstStyle/>
+          <a:p>
+            <a:endParaRPr lang="en-US" dirty="0"/>
+          </a:p>
+        </p:txBody>
+      </p:sp>
+      <p:sp>
+        <p:nvSpPr>
+          <p:cNvPr id="5" name="Title 4"/>
+          <p:cNvSpPr>
+            <a:spLocks noGrp="1"/>
+          </p:cNvSpPr>
+          <p:nvPr>
+            <p:ph type="title"/>
+          </p:nvPr>
+        </p:nvSpPr>
+        <p:spPr/>
+        <p:txBody>
+          <a:bodyPr/>
+          <a:lstStyle/>
+          <a:p>
+            <a:endParaRPr lang="en-US" dirty="0"/>
           </a:p>
         </p:txBody>
       </p:sp>
     </p:spTree>
     <p:extLst>
       <p:ext uri="{BB962C8B-B14F-4D97-AF65-F5344CB8AC3E}">
-        <p14:creationId xmlns:p14="http://schemas.microsoft.com/office/powerpoint/2010/main" val="1522220803"/>
+        <p14:creationId xmlns:p14="http://schemas.microsoft.com/office/powerpoint/2010/main" val="3025877332"/>
       </p:ext>
     </p:extLst>
   </p:cSld>
@@ -13217,6 +13527,13 @@
   <p:transition xmlns:p14="http://schemas.microsoft.com/office/powerpoint/2010/main" spd="med">
     <p:fade/>
   </p:transition>
+  <p:timing>
+    <p:tnLst>
+      <p:par>
+        <p:cTn xmlns:p14="http://schemas.microsoft.com/office/powerpoint/2010/main" id="1" dur="indefinite" restart="never" nodeType="tmRoot"/>
+      </p:par>
+    </p:tnLst>
+  </p:timing>
 </p:sld>
 </file>
 
@@ -13256,7 +13573,7 @@
           <a:p>
             <a:r>
               <a:rPr lang="en-US" dirty="0" smtClean="0"/>
-              <a:t>Choosing a Better Value</a:t>
+              <a:t>We Did Not Know Any Better</a:t>
             </a:r>
             <a:endParaRPr lang="en-US" dirty="0"/>
           </a:p>
@@ -13279,16 +13596,15 @@
           <a:p>
             <a:r>
               <a:rPr lang="en-US" dirty="0" smtClean="0"/>
-              <a:t>What value within the test page would be better to match against?</a:t>
-            </a:r>
-            <a:endParaRPr lang="en-US" dirty="0"/>
+              <a:t>We chose in our test to match the value WRONG within the results. That was a great value to start testing. Now that we know the site returns a test page we can ensure that value is captured in the test.</a:t>
+            </a:r>
           </a:p>
         </p:txBody>
       </p:sp>
     </p:spTree>
     <p:extLst>
       <p:ext uri="{BB962C8B-B14F-4D97-AF65-F5344CB8AC3E}">
-        <p14:creationId xmlns:p14="http://schemas.microsoft.com/office/powerpoint/2010/main" val="3773164552"/>
+        <p14:creationId xmlns:p14="http://schemas.microsoft.com/office/powerpoint/2010/main" val="1522220803"/>
       </p:ext>
     </p:extLst>
   </p:cSld>
@@ -13480,7 +13796,32 @@
             <a:spLocks noGrp="1"/>
           </p:cNvSpPr>
           <p:nvPr>
-            <p:ph type="title"/>
+            <p:ph type="ctrTitle"/>
+          </p:nvPr>
+        </p:nvSpPr>
+        <p:spPr/>
+        <p:txBody>
+          <a:bodyPr>
+            <a:normAutofit fontScale="90000"/>
+          </a:bodyPr>
+          <a:lstStyle/>
+          <a:p>
+            <a:r>
+              <a:rPr lang="en-US" dirty="0" smtClean="0"/>
+              <a:t>Choosing a Better Value</a:t>
+            </a:r>
+            <a:endParaRPr lang="en-US" dirty="0"/>
+          </a:p>
+        </p:txBody>
+      </p:sp>
+      <p:sp>
+        <p:nvSpPr>
+          <p:cNvPr id="3" name="Subtitle 2"/>
+          <p:cNvSpPr>
+            <a:spLocks noGrp="1"/>
+          </p:cNvSpPr>
+          <p:nvPr>
+            <p:ph type="subTitle" idx="1"/>
           </p:nvPr>
         </p:nvSpPr>
         <p:spPr/>
@@ -13488,177 +13829,9 @@
           <a:bodyPr/>
           <a:lstStyle/>
           <a:p>
-            <a:endParaRPr lang="en-US"/>
-          </a:p>
-        </p:txBody>
-      </p:sp>
-      <p:sp>
-        <p:nvSpPr>
-          <p:cNvPr id="3" name="Content Placeholder 2"/>
-          <p:cNvSpPr>
-            <a:spLocks noGrp="1"/>
-          </p:cNvSpPr>
-          <p:nvPr>
-            <p:ph sz="quarter" idx="10"/>
-          </p:nvPr>
-        </p:nvSpPr>
-        <p:spPr/>
-        <p:txBody>
-          <a:bodyPr/>
-          <a:lstStyle/>
-          <a:p>
-            <a:r>
-              <a:rPr lang="en-US" dirty="0"/>
-              <a:t>require '</a:t>
-            </a:r>
-            <a:r>
-              <a:rPr lang="en-US" dirty="0" err="1"/>
-              <a:t>spec_helper</a:t>
-            </a:r>
-            <a:r>
-              <a:rPr lang="en-US" dirty="0"/>
-              <a:t>'</a:t>
-            </a:r>
-          </a:p>
-          <a:p>
-            <a:endParaRPr lang="en-US" dirty="0"/>
-          </a:p>
-          <a:p>
-            <a:r>
-              <a:rPr lang="en-US" dirty="0"/>
-              <a:t>describe '</a:t>
-            </a:r>
-            <a:r>
-              <a:rPr lang="en-US" dirty="0" err="1"/>
-              <a:t>httpd</a:t>
-            </a:r>
-            <a:r>
-              <a:rPr lang="en-US" dirty="0"/>
-              <a:t>::default' do</a:t>
-            </a:r>
-          </a:p>
-          <a:p>
-            <a:r>
-              <a:rPr lang="en-US" dirty="0"/>
-              <a:t>  describe command(</a:t>
-            </a:r>
-            <a:r>
-              <a:rPr lang="en-US" dirty="0" smtClean="0"/>
-              <a:t>'curl http</a:t>
-            </a:r>
-            <a:r>
-              <a:rPr lang="en-US" dirty="0"/>
-              <a:t>://</a:t>
-            </a:r>
-            <a:r>
-              <a:rPr lang="en-US" dirty="0" err="1"/>
-              <a:t>localhost</a:t>
-            </a:r>
-            <a:r>
-              <a:rPr lang="en-US" dirty="0"/>
-              <a:t>') do</a:t>
-            </a:r>
-          </a:p>
-          <a:p>
-            <a:r>
-              <a:rPr lang="en-US" dirty="0"/>
-              <a:t>    its(:</a:t>
-            </a:r>
-            <a:r>
-              <a:rPr lang="en-US" dirty="0" err="1"/>
-              <a:t>stdout</a:t>
-            </a:r>
-            <a:r>
-              <a:rPr lang="en-US" dirty="0"/>
-              <a:t>) { should match(/Apache 2 Test Page/) }</a:t>
-            </a:r>
-          </a:p>
-          <a:p>
-            <a:r>
-              <a:rPr lang="en-US" dirty="0"/>
-              <a:t>  end</a:t>
-            </a:r>
-          </a:p>
-          <a:p>
-            <a:r>
-              <a:rPr lang="en-US" dirty="0"/>
-              <a:t>end</a:t>
-            </a:r>
-          </a:p>
-          <a:p>
-            <a:endParaRPr lang="en-US" dirty="0"/>
-          </a:p>
-          <a:p>
-            <a:endParaRPr lang="en-US" dirty="0"/>
-          </a:p>
-        </p:txBody>
-      </p:sp>
-      <p:sp>
-        <p:nvSpPr>
-          <p:cNvPr id="4" name="Text Placeholder 3"/>
-          <p:cNvSpPr>
-            <a:spLocks noGrp="1"/>
-          </p:cNvSpPr>
-          <p:nvPr>
-            <p:ph type="body" sz="quarter" idx="11"/>
-          </p:nvPr>
-        </p:nvSpPr>
-        <p:spPr/>
-        <p:txBody>
-          <a:bodyPr/>
-          <a:lstStyle/>
-          <a:p>
-            <a:r>
-              <a:rPr lang="en-US" dirty="0"/>
-              <a:t>~/</a:t>
-            </a:r>
-            <a:r>
-              <a:rPr lang="en-US" dirty="0" err="1"/>
-              <a:t>httpd</a:t>
-            </a:r>
-            <a:r>
-              <a:rPr lang="en-US" dirty="0"/>
-              <a:t>/test/integration/default/</a:t>
-            </a:r>
-            <a:r>
-              <a:rPr lang="en-US" dirty="0" err="1"/>
-              <a:t>serverspec</a:t>
-            </a:r>
-            <a:r>
-              <a:rPr lang="en-US" dirty="0"/>
-              <a:t>/</a:t>
-            </a:r>
-            <a:r>
-              <a:rPr lang="en-US" dirty="0" err="1" smtClean="0"/>
-              <a:t>default_spec.rb</a:t>
-            </a:r>
-            <a:endParaRPr lang="en-US" dirty="0"/>
-          </a:p>
-        </p:txBody>
-      </p:sp>
-      <p:sp>
-        <p:nvSpPr>
-          <p:cNvPr id="6" name="Text Placeholder 5"/>
-          <p:cNvSpPr>
-            <a:spLocks noGrp="1"/>
-          </p:cNvSpPr>
-          <p:nvPr>
-            <p:ph type="body" sz="quarter" idx="13"/>
-          </p:nvPr>
-        </p:nvSpPr>
-        <p:spPr>
-          <a:xfrm>
-            <a:off x="1135042" y="4211308"/>
-            <a:ext cx="14404273" cy="601617"/>
-          </a:xfrm>
-        </p:spPr>
-        <p:txBody>
-          <a:bodyPr/>
-          <a:lstStyle/>
-          <a:p>
-            <a:r>
-              <a:rPr lang="en-US" dirty="0" smtClean="0"/>
-              <a:t>+</a:t>
+            <a:r>
+              <a:rPr lang="en-US" dirty="0" smtClean="0"/>
+              <a:t>What value within the test page would be better to match against?</a:t>
             </a:r>
             <a:endParaRPr lang="en-US" dirty="0"/>
           </a:p>
@@ -13667,7 +13840,7 @@
     </p:spTree>
     <p:extLst>
       <p:ext uri="{BB962C8B-B14F-4D97-AF65-F5344CB8AC3E}">
-        <p14:creationId xmlns:p14="http://schemas.microsoft.com/office/powerpoint/2010/main" val="3222981515"/>
+        <p14:creationId xmlns:p14="http://schemas.microsoft.com/office/powerpoint/2010/main" val="3773164552"/>
       </p:ext>
     </p:extLst>
   </p:cSld>
@@ -13677,13 +13850,6 @@
   <p:transition xmlns:p14="http://schemas.microsoft.com/office/powerpoint/2010/main" spd="med">
     <p:fade/>
   </p:transition>
-  <p:timing>
-    <p:tnLst>
-      <p:par>
-        <p:cTn xmlns:p14="http://schemas.microsoft.com/office/powerpoint/2010/main" id="1" dur="indefinite" restart="never" nodeType="tmRoot"/>
-      </p:par>
-    </p:tnLst>
-  </p:timing>
 </p:sld>
 </file>
 
@@ -13706,12 +13872,12 @@
       </p:grpSpPr>
       <p:sp>
         <p:nvSpPr>
-          <p:cNvPr id="2" name="Content Placeholder 1"/>
-          <p:cNvSpPr>
-            <a:spLocks noGrp="1"/>
-          </p:cNvSpPr>
-          <p:nvPr>
-            <p:ph sz="quarter" idx="10"/>
+          <p:cNvPr id="2" name="Title 1"/>
+          <p:cNvSpPr>
+            <a:spLocks noGrp="1"/>
+          </p:cNvSpPr>
+          <p:nvPr>
+            <p:ph type="title"/>
           </p:nvPr>
         </p:nvSpPr>
         <p:spPr/>
@@ -13719,31 +13885,67 @@
           <a:bodyPr/>
           <a:lstStyle/>
           <a:p>
-            <a:r>
-              <a:rPr lang="en-US" dirty="0"/>
-              <a:t> </a:t>
-            </a:r>
-            <a:r>
-              <a:rPr lang="en-US" dirty="0" smtClean="0"/>
-              <a:t>      </a:t>
-            </a:r>
-            <a:r>
-              <a:rPr lang="en-US" dirty="0" err="1" smtClean="0"/>
+            <a:endParaRPr lang="en-US"/>
+          </a:p>
+        </p:txBody>
+      </p:sp>
+      <p:sp>
+        <p:nvSpPr>
+          <p:cNvPr id="3" name="Content Placeholder 2"/>
+          <p:cNvSpPr>
+            <a:spLocks noGrp="1"/>
+          </p:cNvSpPr>
+          <p:nvPr>
+            <p:ph sz="quarter" idx="10"/>
+          </p:nvPr>
+        </p:nvSpPr>
+        <p:spPr/>
+        <p:txBody>
+          <a:bodyPr/>
+          <a:lstStyle/>
+          <a:p>
+            <a:r>
+              <a:rPr lang="en-US" dirty="0"/>
+              <a:t>require '</a:t>
+            </a:r>
+            <a:r>
+              <a:rPr lang="en-US" dirty="0" err="1"/>
+              <a:t>spec_helper</a:t>
+            </a:r>
+            <a:r>
+              <a:rPr lang="en-US" dirty="0"/>
+              <a:t>'</a:t>
+            </a:r>
+          </a:p>
+          <a:p>
+            <a:endParaRPr lang="en-US" dirty="0"/>
+          </a:p>
+          <a:p>
+            <a:r>
+              <a:rPr lang="en-US" dirty="0"/>
+              <a:t>describe '</a:t>
+            </a:r>
+            <a:r>
+              <a:rPr lang="en-US" dirty="0" err="1"/>
               <a:t>httpd</a:t>
             </a:r>
             <a:r>
               <a:rPr lang="en-US" dirty="0"/>
-              <a:t>::default</a:t>
-            </a:r>
-          </a:p>
-          <a:p>
-            <a:r>
-              <a:rPr lang="en-US" dirty="0" smtClean="0"/>
-              <a:t>         Command </a:t>
-            </a:r>
-            <a:r>
-              <a:rPr lang="en-US" dirty="0"/>
-              <a:t>"curl http://</a:t>
+              <a:t>::default' do</a:t>
+            </a:r>
+          </a:p>
+          <a:p>
+            <a:r>
+              <a:rPr lang="en-US" dirty="0"/>
+              <a:t>  describe command(</a:t>
+            </a:r>
+            <a:r>
+              <a:rPr lang="en-US" dirty="0" smtClean="0"/>
+              <a:t>'curl http</a:t>
+            </a:r>
+            <a:r>
+              <a:rPr lang="en-US" dirty="0"/>
+              <a:t>://</a:t>
             </a:r>
             <a:r>
               <a:rPr lang="en-US" dirty="0" err="1"/>
@@ -13751,34 +13953,46 @@
             </a:r>
             <a:r>
               <a:rPr lang="en-US" dirty="0"/>
-              <a:t>"</a:t>
-            </a:r>
-          </a:p>
-          <a:p>
-            <a:r>
-              <a:rPr lang="en-US" dirty="0"/>
-              <a:t>           </a:t>
+              <a:t>') do</a:t>
+            </a:r>
+          </a:p>
+          <a:p>
+            <a:r>
+              <a:rPr lang="en-US" dirty="0"/>
+              <a:t>    its(:</a:t>
             </a:r>
             <a:r>
               <a:rPr lang="en-US" dirty="0" err="1"/>
               <a:t>stdout</a:t>
             </a:r>
+            <a:r>
+              <a:rPr lang="en-US" dirty="0"/>
+              <a:t>) { should match(/Apache 2 Test Page/) }</a:t>
+            </a:r>
+          </a:p>
+          <a:p>
+            <a:r>
+              <a:rPr lang="en-US" dirty="0"/>
+              <a:t>  end</a:t>
+            </a:r>
+          </a:p>
+          <a:p>
+            <a:r>
+              <a:rPr lang="en-US" dirty="0"/>
+              <a:t>end</a:t>
+            </a:r>
+          </a:p>
+          <a:p>
             <a:endParaRPr lang="en-US" dirty="0"/>
           </a:p>
           <a:p>
-            <a:r>
-              <a:rPr lang="en-US" dirty="0"/>
-              <a:t>             should match /Apache 2 Test Page/</a:t>
-            </a:r>
-          </a:p>
-          <a:p>
             <a:endParaRPr lang="en-US" dirty="0"/>
           </a:p>
         </p:txBody>
       </p:sp>
       <p:sp>
         <p:nvSpPr>
-          <p:cNvPr id="3" name="Text Placeholder 2"/>
+          <p:cNvPr id="4" name="Text Placeholder 3"/>
           <p:cNvSpPr>
             <a:spLocks noGrp="1"/>
           </p:cNvSpPr>
@@ -13792,8 +14006,28 @@
           <a:lstStyle/>
           <a:p>
             <a:r>
-              <a:rPr lang="en-US" dirty="0" smtClean="0"/>
-              <a:t>&gt; kitchen verify</a:t>
+              <a:rPr lang="en-US" dirty="0"/>
+              <a:t>~/</a:t>
+            </a:r>
+            <a:r>
+              <a:rPr lang="en-US" dirty="0" err="1"/>
+              <a:t>httpd</a:t>
+            </a:r>
+            <a:r>
+              <a:rPr lang="en-US" dirty="0"/>
+              <a:t>/test/integration/default/</a:t>
+            </a:r>
+            <a:r>
+              <a:rPr lang="en-US" dirty="0" err="1"/>
+              <a:t>serverspec</a:t>
+            </a:r>
+            <a:r>
+              <a:rPr lang="en-US" dirty="0"/>
+              <a:t>/</a:t>
+            </a:r>
+            <a:r>
+              <a:rPr lang="en-US" dirty="0" err="1" smtClean="0"/>
+              <a:t>default_spec.rb</a:t>
             </a:r>
             <a:endParaRPr lang="en-US" dirty="0"/>
           </a:p>
@@ -13801,43 +14035,28 @@
       </p:sp>
       <p:sp>
         <p:nvSpPr>
-          <p:cNvPr id="4" name="Content Placeholder 3"/>
-          <p:cNvSpPr>
-            <a:spLocks noGrp="1"/>
-          </p:cNvSpPr>
-          <p:nvPr>
-            <p:ph sz="quarter" idx="12"/>
+          <p:cNvPr id="6" name="Text Placeholder 5"/>
+          <p:cNvSpPr>
+            <a:spLocks noGrp="1"/>
+          </p:cNvSpPr>
+          <p:nvPr>
+            <p:ph type="body" sz="quarter" idx="13"/>
           </p:nvPr>
         </p:nvSpPr>
         <p:spPr>
           <a:xfrm>
-            <a:off x="1127883" y="3941543"/>
-            <a:ext cx="14420850" cy="492588"/>
+            <a:off x="1135042" y="4211308"/>
+            <a:ext cx="14404273" cy="601617"/>
           </a:xfrm>
         </p:spPr>
         <p:txBody>
           <a:bodyPr/>
           <a:lstStyle/>
           <a:p>
-            <a:endParaRPr lang="en-US" dirty="0"/>
-          </a:p>
-        </p:txBody>
-      </p:sp>
-      <p:sp>
-        <p:nvSpPr>
-          <p:cNvPr id="5" name="Title 4"/>
-          <p:cNvSpPr>
-            <a:spLocks noGrp="1"/>
-          </p:cNvSpPr>
-          <p:nvPr>
-            <p:ph type="title"/>
-          </p:nvPr>
-        </p:nvSpPr>
-        <p:spPr/>
-        <p:txBody>
-          <a:bodyPr/>
-          <a:lstStyle/>
-          <a:p>
+            <a:r>
+              <a:rPr lang="en-US" dirty="0" smtClean="0"/>
+              <a:t>+</a:t>
+            </a:r>
             <a:endParaRPr lang="en-US" dirty="0"/>
           </a:p>
         </p:txBody>
@@ -13845,7 +14064,7 @@
     </p:spTree>
     <p:extLst>
       <p:ext uri="{BB962C8B-B14F-4D97-AF65-F5344CB8AC3E}">
-        <p14:creationId xmlns:p14="http://schemas.microsoft.com/office/powerpoint/2010/main" val="2754902543"/>
+        <p14:creationId xmlns:p14="http://schemas.microsoft.com/office/powerpoint/2010/main" val="3222981515"/>
       </p:ext>
     </p:extLst>
   </p:cSld>
@@ -13884,37 +14103,12 @@
       </p:grpSpPr>
       <p:sp>
         <p:nvSpPr>
-          <p:cNvPr id="2" name="Title 1"/>
-          <p:cNvSpPr>
-            <a:spLocks noGrp="1"/>
-          </p:cNvSpPr>
-          <p:nvPr>
-            <p:ph type="ctrTitle"/>
-          </p:nvPr>
-        </p:nvSpPr>
-        <p:spPr/>
-        <p:txBody>
-          <a:bodyPr>
-            <a:normAutofit fontScale="90000"/>
-          </a:bodyPr>
-          <a:lstStyle/>
-          <a:p>
-            <a:r>
-              <a:rPr lang="en-US" dirty="0" smtClean="0"/>
-              <a:t>Build a Reliable Cookbook</a:t>
-            </a:r>
-            <a:endParaRPr lang="en-US" dirty="0"/>
-          </a:p>
-        </p:txBody>
-      </p:sp>
-      <p:sp>
-        <p:nvSpPr>
-          <p:cNvPr id="3" name="Content Placeholder 2"/>
-          <p:cNvSpPr>
-            <a:spLocks noGrp="1"/>
-          </p:cNvSpPr>
-          <p:nvPr>
-            <p:ph sz="quarter" idx="11"/>
+          <p:cNvPr id="2" name="Content Placeholder 1"/>
+          <p:cNvSpPr>
+            <a:spLocks noGrp="1"/>
+          </p:cNvSpPr>
+          <p:nvPr>
+            <p:ph sz="quarter" idx="10"/>
           </p:nvPr>
         </p:nvSpPr>
         <p:spPr/>
@@ -13923,21 +14117,70 @@
           <a:lstStyle/>
           <a:p>
             <a:r>
-              <a:rPr lang="en-US" dirty="0" smtClean="0"/>
-              <a:t>This time it will be different.</a:t>
+              <a:rPr lang="en-US" dirty="0"/>
+              <a:t> </a:t>
+            </a:r>
+            <a:r>
+              <a:rPr lang="en-US" dirty="0" smtClean="0"/>
+              <a:t>      </a:t>
+            </a:r>
+            <a:r>
+              <a:rPr lang="en-US" dirty="0" err="1" smtClean="0"/>
+              <a:t>httpd</a:t>
+            </a:r>
+            <a:r>
+              <a:rPr lang="en-US" dirty="0"/>
+              <a:t>::default</a:t>
+            </a:r>
+          </a:p>
+          <a:p>
+            <a:r>
+              <a:rPr lang="en-US" dirty="0" smtClean="0"/>
+              <a:t>         Command </a:t>
+            </a:r>
+            <a:r>
+              <a:rPr lang="en-US" dirty="0"/>
+              <a:t>"curl http://</a:t>
+            </a:r>
+            <a:r>
+              <a:rPr lang="en-US" dirty="0" err="1"/>
+              <a:t>localhost</a:t>
+            </a:r>
+            <a:r>
+              <a:rPr lang="en-US" dirty="0"/>
+              <a:t>"</a:t>
+            </a:r>
+          </a:p>
+          <a:p>
+            <a:r>
+              <a:rPr lang="en-US" dirty="0"/>
+              <a:t>           </a:t>
+            </a:r>
+            <a:r>
+              <a:rPr lang="en-US" dirty="0" err="1"/>
+              <a:t>stdout</a:t>
             </a:r>
             <a:endParaRPr lang="en-US" dirty="0"/>
           </a:p>
-        </p:txBody>
-      </p:sp>
-      <p:sp>
-        <p:nvSpPr>
-          <p:cNvPr id="4" name="Text Placeholder 3"/>
-          <p:cNvSpPr>
-            <a:spLocks noGrp="1"/>
-          </p:cNvSpPr>
-          <p:nvPr>
-            <p:ph type="body" sz="quarter" idx="10"/>
+          <a:p>
+            <a:r>
+              <a:rPr lang="en-US" dirty="0"/>
+              <a:t>             should match /Apache 2 Test Page/</a:t>
+            </a:r>
+          </a:p>
+          <a:p>
+            <a:endParaRPr lang="en-US" dirty="0"/>
+          </a:p>
+        </p:txBody>
+      </p:sp>
+      <p:sp>
+        <p:nvSpPr>
+          <p:cNvPr id="3" name="Text Placeholder 2"/>
+          <p:cNvSpPr>
+            <a:spLocks noGrp="1"/>
+          </p:cNvSpPr>
+          <p:nvPr>
+            <p:ph type="body" sz="quarter" idx="11"/>
           </p:nvPr>
         </p:nvSpPr>
         <p:spPr/>
@@ -13945,61 +14188,61 @@
           <a:bodyPr/>
           <a:lstStyle/>
           <a:p>
-            <a:pPr marL="342900" indent="-342900">
-              <a:buFont typeface="Wingdings" charset="2"/>
-              <a:buChar char="ü"/>
-            </a:pPr>
-            <a:r>
-              <a:rPr lang="en-US" dirty="0"/>
-              <a:t>Create a cookbook</a:t>
-            </a:r>
-          </a:p>
-          <a:p>
-            <a:pPr marL="342900" indent="-342900">
-              <a:buFont typeface="Wingdings" charset="2"/>
-              <a:buChar char="ü"/>
-            </a:pPr>
-            <a:r>
-              <a:rPr lang="en-US" dirty="0"/>
-              <a:t>Write tests that verifies the cookbook does what we want it to do</a:t>
-            </a:r>
-          </a:p>
-          <a:p>
-            <a:pPr marL="342900" indent="-342900">
-              <a:buFont typeface="Wingdings" charset="2"/>
-              <a:buChar char="ü"/>
-            </a:pPr>
-            <a:r>
-              <a:rPr lang="en-US" dirty="0"/>
-              <a:t>Execute the tests and see failure</a:t>
-            </a:r>
-          </a:p>
-          <a:p>
-            <a:pPr marL="342900" indent="-342900">
-              <a:buFont typeface="Wingdings" charset="2"/>
-              <a:buChar char="ü"/>
-            </a:pPr>
-            <a:r>
-              <a:rPr lang="en-US" dirty="0"/>
-              <a:t>Write the recipe to make the test pass</a:t>
-            </a:r>
-          </a:p>
-          <a:p>
-            <a:pPr marL="342900" indent="-342900">
-              <a:buFont typeface="Wingdings" charset="2"/>
-              <a:buChar char="ü"/>
-            </a:pPr>
-            <a:r>
-              <a:rPr lang="en-US" dirty="0"/>
-              <a:t>Execute the tests and see success</a:t>
-            </a:r>
+            <a:r>
+              <a:rPr lang="en-US" dirty="0" smtClean="0"/>
+              <a:t>&gt; kitchen verify</a:t>
+            </a:r>
+            <a:endParaRPr lang="en-US" dirty="0"/>
+          </a:p>
+        </p:txBody>
+      </p:sp>
+      <p:sp>
+        <p:nvSpPr>
+          <p:cNvPr id="4" name="Content Placeholder 3"/>
+          <p:cNvSpPr>
+            <a:spLocks noGrp="1"/>
+          </p:cNvSpPr>
+          <p:nvPr>
+            <p:ph sz="quarter" idx="12"/>
+          </p:nvPr>
+        </p:nvSpPr>
+        <p:spPr>
+          <a:xfrm>
+            <a:off x="1127883" y="3941543"/>
+            <a:ext cx="14420850" cy="492588"/>
+          </a:xfrm>
+        </p:spPr>
+        <p:txBody>
+          <a:bodyPr/>
+          <a:lstStyle/>
+          <a:p>
+            <a:endParaRPr lang="en-US" dirty="0"/>
+          </a:p>
+        </p:txBody>
+      </p:sp>
+      <p:sp>
+        <p:nvSpPr>
+          <p:cNvPr id="5" name="Title 4"/>
+          <p:cNvSpPr>
+            <a:spLocks noGrp="1"/>
+          </p:cNvSpPr>
+          <p:nvPr>
+            <p:ph type="title"/>
+          </p:nvPr>
+        </p:nvSpPr>
+        <p:spPr/>
+        <p:txBody>
+          <a:bodyPr/>
+          <a:lstStyle/>
+          <a:p>
+            <a:endParaRPr lang="en-US" dirty="0"/>
           </a:p>
         </p:txBody>
       </p:sp>
     </p:spTree>
     <p:extLst>
       <p:ext uri="{BB962C8B-B14F-4D97-AF65-F5344CB8AC3E}">
-        <p14:creationId xmlns:p14="http://schemas.microsoft.com/office/powerpoint/2010/main" val="4231435762"/>
+        <p14:creationId xmlns:p14="http://schemas.microsoft.com/office/powerpoint/2010/main" val="2754902543"/>
       </p:ext>
     </p:extLst>
   </p:cSld>
@@ -14009,6 +14252,13 @@
   <p:transition xmlns:p14="http://schemas.microsoft.com/office/powerpoint/2010/main" spd="med">
     <p:fade/>
   </p:transition>
+  <p:timing>
+    <p:tnLst>
+      <p:par>
+        <p:cTn xmlns:p14="http://schemas.microsoft.com/office/powerpoint/2010/main" id="1" dur="indefinite" restart="never" nodeType="tmRoot"/>
+      </p:par>
+    </p:tnLst>
+  </p:timing>
 </p:sld>
 </file>
 
@@ -14048,7 +14298,7 @@
           <a:p>
             <a:r>
               <a:rPr lang="en-US" dirty="0" smtClean="0"/>
-              <a:t>Discussion</a:t>
+              <a:t>Build a Reliable Cookbook</a:t>
             </a:r>
             <a:endParaRPr lang="en-US" dirty="0"/>
           </a:p>
@@ -14056,12 +14306,12 @@
       </p:sp>
       <p:sp>
         <p:nvSpPr>
-          <p:cNvPr id="3" name="Subtitle 2"/>
-          <p:cNvSpPr>
-            <a:spLocks noGrp="1"/>
-          </p:cNvSpPr>
-          <p:nvPr>
-            <p:ph type="subTitle" idx="1"/>
+          <p:cNvPr id="3" name="Content Placeholder 2"/>
+          <p:cNvSpPr>
+            <a:spLocks noGrp="1"/>
+          </p:cNvSpPr>
+          <p:nvPr>
+            <p:ph sz="quarter" idx="11"/>
           </p:nvPr>
         </p:nvSpPr>
         <p:spPr/>
@@ -14071,33 +14321,82 @@
           <a:p>
             <a:r>
               <a:rPr lang="en-US" dirty="0" smtClean="0"/>
-              <a:t>What value is there is writing the tests before writing the recipes?</a:t>
-            </a:r>
-          </a:p>
-          <a:p>
-            <a:endParaRPr lang="en-US" dirty="0" smtClean="0"/>
-          </a:p>
-          <a:p>
-            <a:r>
-              <a:rPr lang="en-US" dirty="0" smtClean="0"/>
-              <a:t>Why is it hard to write the tests before you write the recipe?</a:t>
-            </a:r>
-          </a:p>
-          <a:p>
+              <a:t>This time it will be different.</a:t>
+            </a:r>
             <a:endParaRPr lang="en-US" dirty="0"/>
           </a:p>
-          <a:p>
-            <a:endParaRPr lang="en-US" dirty="0" smtClean="0"/>
-          </a:p>
-          <a:p>
-            <a:endParaRPr lang="en-US" dirty="0"/>
+        </p:txBody>
+      </p:sp>
+      <p:sp>
+        <p:nvSpPr>
+          <p:cNvPr id="4" name="Text Placeholder 3"/>
+          <p:cNvSpPr>
+            <a:spLocks noGrp="1"/>
+          </p:cNvSpPr>
+          <p:nvPr>
+            <p:ph type="body" sz="quarter" idx="10"/>
+          </p:nvPr>
+        </p:nvSpPr>
+        <p:spPr/>
+        <p:txBody>
+          <a:bodyPr/>
+          <a:lstStyle/>
+          <a:p>
+            <a:pPr marL="342900" indent="-342900">
+              <a:buFont typeface="Wingdings" charset="2"/>
+              <a:buChar char="ü"/>
+            </a:pPr>
+            <a:r>
+              <a:rPr lang="en-US" dirty="0"/>
+              <a:t>Create a cookbook</a:t>
+            </a:r>
+          </a:p>
+          <a:p>
+            <a:pPr marL="342900" indent="-342900">
+              <a:buFont typeface="Wingdings" charset="2"/>
+              <a:buChar char="ü"/>
+            </a:pPr>
+            <a:r>
+              <a:rPr lang="en-US" dirty="0"/>
+              <a:t>Write tests that verifies the cookbook does what we want it to do</a:t>
+            </a:r>
+          </a:p>
+          <a:p>
+            <a:pPr marL="342900" indent="-342900">
+              <a:buFont typeface="Wingdings" charset="2"/>
+              <a:buChar char="ü"/>
+            </a:pPr>
+            <a:r>
+              <a:rPr lang="en-US" dirty="0"/>
+              <a:t>Execute the tests and see failure</a:t>
+            </a:r>
+          </a:p>
+          <a:p>
+            <a:pPr marL="342900" indent="-342900">
+              <a:buFont typeface="Wingdings" charset="2"/>
+              <a:buChar char="ü"/>
+            </a:pPr>
+            <a:r>
+              <a:rPr lang="en-US" dirty="0"/>
+              <a:t>Write the recipe to make the test pass</a:t>
+            </a:r>
+          </a:p>
+          <a:p>
+            <a:pPr marL="342900" indent="-342900">
+              <a:buFont typeface="Wingdings" charset="2"/>
+              <a:buChar char="ü"/>
+            </a:pPr>
+            <a:r>
+              <a:rPr lang="en-US" dirty="0"/>
+              <a:t>Execute the tests and see success</a:t>
+            </a:r>
           </a:p>
         </p:txBody>
       </p:sp>
     </p:spTree>
     <p:extLst>
       <p:ext uri="{BB962C8B-B14F-4D97-AF65-F5344CB8AC3E}">
-        <p14:creationId xmlns:p14="http://schemas.microsoft.com/office/powerpoint/2010/main" val="504990886"/>
+        <p14:creationId xmlns:p14="http://schemas.microsoft.com/office/powerpoint/2010/main" val="4231435762"/>
       </p:ext>
     </p:extLst>
   </p:cSld>
@@ -14146,6 +14445,104 @@
           <a:p>
             <a:r>
               <a:rPr lang="en-US" dirty="0" smtClean="0"/>
+              <a:t>Discussion</a:t>
+            </a:r>
+            <a:endParaRPr lang="en-US" dirty="0"/>
+          </a:p>
+        </p:txBody>
+      </p:sp>
+      <p:sp>
+        <p:nvSpPr>
+          <p:cNvPr id="3" name="Subtitle 2"/>
+          <p:cNvSpPr>
+            <a:spLocks noGrp="1"/>
+          </p:cNvSpPr>
+          <p:nvPr>
+            <p:ph type="subTitle" idx="1"/>
+          </p:nvPr>
+        </p:nvSpPr>
+        <p:spPr/>
+        <p:txBody>
+          <a:bodyPr/>
+          <a:lstStyle/>
+          <a:p>
+            <a:r>
+              <a:rPr lang="en-US" dirty="0" smtClean="0"/>
+              <a:t>What value is there is writing the tests before writing the recipes?</a:t>
+            </a:r>
+          </a:p>
+          <a:p>
+            <a:endParaRPr lang="en-US" dirty="0" smtClean="0"/>
+          </a:p>
+          <a:p>
+            <a:r>
+              <a:rPr lang="en-US" dirty="0" smtClean="0"/>
+              <a:t>Why is it hard to write the tests before you write the recipe?</a:t>
+            </a:r>
+          </a:p>
+          <a:p>
+            <a:endParaRPr lang="en-US" dirty="0"/>
+          </a:p>
+          <a:p>
+            <a:endParaRPr lang="en-US" dirty="0" smtClean="0"/>
+          </a:p>
+          <a:p>
+            <a:endParaRPr lang="en-US" dirty="0"/>
+          </a:p>
+        </p:txBody>
+      </p:sp>
+    </p:spTree>
+    <p:extLst>
+      <p:ext uri="{BB962C8B-B14F-4D97-AF65-F5344CB8AC3E}">
+        <p14:creationId xmlns:p14="http://schemas.microsoft.com/office/powerpoint/2010/main" val="504990886"/>
+      </p:ext>
+    </p:extLst>
+  </p:cSld>
+  <p:clrMapOvr>
+    <a:masterClrMapping/>
+  </p:clrMapOvr>
+  <p:transition xmlns:p14="http://schemas.microsoft.com/office/powerpoint/2010/main" spd="med">
+    <p:fade/>
+  </p:transition>
+</p:sld>
+</file>
+
+<file path=ppt/slides/slide35.xml><?xml version="1.0" encoding="utf-8"?>
+<p:sld xmlns:a="http://schemas.openxmlformats.org/drawingml/2006/main" xmlns:r="http://schemas.openxmlformats.org/officeDocument/2006/relationships" xmlns:p="http://schemas.openxmlformats.org/presentationml/2006/main">
+  <p:cSld>
+    <p:spTree>
+      <p:nvGrpSpPr>
+        <p:cNvPr id="1" name=""/>
+        <p:cNvGrpSpPr/>
+        <p:nvPr/>
+      </p:nvGrpSpPr>
+      <p:grpSpPr>
+        <a:xfrm>
+          <a:off x="0" y="0"/>
+          <a:ext cx="0" cy="0"/>
+          <a:chOff x="0" y="0"/>
+          <a:chExt cx="0" cy="0"/>
+        </a:xfrm>
+      </p:grpSpPr>
+      <p:sp>
+        <p:nvSpPr>
+          <p:cNvPr id="2" name="Title 1"/>
+          <p:cNvSpPr>
+            <a:spLocks noGrp="1"/>
+          </p:cNvSpPr>
+          <p:nvPr>
+            <p:ph type="ctrTitle"/>
+          </p:nvPr>
+        </p:nvSpPr>
+        <p:spPr/>
+        <p:txBody>
+          <a:bodyPr>
+            <a:normAutofit fontScale="90000"/>
+          </a:bodyPr>
+          <a:lstStyle/>
+          <a:p>
+            <a:r>
+              <a:rPr lang="en-US" dirty="0" smtClean="0"/>
               <a:t>Q&amp;A</a:t>
             </a:r>
             <a:endParaRPr lang="en-US" dirty="0"/>
@@ -14191,7 +14588,7 @@
 </p:sld>
 </file>
 
-<file path=ppt/slides/slide35.xml><?xml version="1.0" encoding="utf-8"?>
+<file path=ppt/slides/slide36.xml><?xml version="1.0" encoding="utf-8"?>
 <p:sld xmlns:a="http://schemas.openxmlformats.org/drawingml/2006/main" xmlns:r="http://schemas.openxmlformats.org/officeDocument/2006/relationships" xmlns:p="http://schemas.openxmlformats.org/presentationml/2006/main">
   <p:cSld>
     <p:spTree>
@@ -14817,102 +15214,42 @@
           <a:lstStyle/>
           <a:p>
             <a:r>
-              <a:rPr lang="de-DE" dirty="0" err="1"/>
-              <a:t>httpd</a:t>
-            </a:r>
-            <a:endParaRPr lang="de-DE" dirty="0"/>
-          </a:p>
-          <a:p>
-            <a:r>
-              <a:rPr lang="de-DE" dirty="0" smtClean="0"/>
-              <a:t>└</a:t>
-            </a:r>
-            <a:r>
-              <a:rPr lang="de-DE" dirty="0"/>
-              <a:t>── </a:t>
-            </a:r>
-            <a:r>
-              <a:rPr lang="de-DE" dirty="0" err="1"/>
-              <a:t>test</a:t>
-            </a:r>
-            <a:endParaRPr lang="de-DE" dirty="0"/>
-          </a:p>
-          <a:p>
-            <a:r>
-              <a:rPr lang="de-DE" dirty="0"/>
-              <a:t>    └── </a:t>
-            </a:r>
-            <a:r>
-              <a:rPr lang="de-DE" dirty="0" err="1"/>
-              <a:t>integration</a:t>
-            </a:r>
-            <a:endParaRPr lang="de-DE" dirty="0"/>
-          </a:p>
-          <a:p>
-            <a:r>
-              <a:rPr lang="de-DE" dirty="0"/>
-              <a:t>        ├── </a:t>
-            </a:r>
-            <a:r>
-              <a:rPr lang="de-DE" dirty="0" err="1"/>
-              <a:t>default</a:t>
-            </a:r>
-            <a:endParaRPr lang="de-DE" dirty="0"/>
-          </a:p>
-          <a:p>
-            <a:r>
-              <a:rPr lang="de-DE" dirty="0"/>
-              <a:t>        │   └── </a:t>
-            </a:r>
-            <a:r>
-              <a:rPr lang="de-DE" dirty="0" err="1"/>
-              <a:t>serverspec</a:t>
-            </a:r>
-            <a:endParaRPr lang="de-DE" dirty="0"/>
-          </a:p>
-          <a:p>
-            <a:r>
-              <a:rPr lang="de-DE" dirty="0"/>
-              <a:t>        │       └── </a:t>
-            </a:r>
-            <a:r>
-              <a:rPr lang="de-DE" dirty="0" err="1"/>
-              <a:t>default_spec.rb</a:t>
-            </a:r>
-            <a:endParaRPr lang="de-DE" dirty="0"/>
-          </a:p>
-          <a:p>
-            <a:r>
-              <a:rPr lang="de-DE" dirty="0"/>
-              <a:t>        └── </a:t>
-            </a:r>
-            <a:r>
-              <a:rPr lang="de-DE" dirty="0" err="1"/>
-              <a:t>helpers</a:t>
-            </a:r>
-            <a:endParaRPr lang="de-DE" dirty="0"/>
-          </a:p>
-          <a:p>
-            <a:r>
-              <a:rPr lang="de-DE" dirty="0"/>
-              <a:t>            └── </a:t>
-            </a:r>
-            <a:r>
-              <a:rPr lang="de-DE" dirty="0" err="1"/>
-              <a:t>serverspec</a:t>
-            </a:r>
-            <a:endParaRPr lang="de-DE" dirty="0"/>
-          </a:p>
-          <a:p>
-            <a:r>
-              <a:rPr lang="de-DE" dirty="0"/>
-              <a:t>                └── </a:t>
-            </a:r>
-            <a:r>
-              <a:rPr lang="de-DE" dirty="0" err="1"/>
-              <a:t>spec_helper.rb</a:t>
-            </a:r>
-            <a:endParaRPr lang="en-US" dirty="0"/>
+              <a:rPr lang="en-US" dirty="0"/>
+              <a:t>Recipe: (chef-apply cookbook)::(chef-apply recipe)</a:t>
+            </a:r>
+          </a:p>
+          <a:p>
+            <a:r>
+              <a:rPr lang="en-US" dirty="0"/>
+              <a:t>  * </a:t>
+            </a:r>
+            <a:r>
+              <a:rPr lang="en-US" dirty="0" err="1"/>
+              <a:t>yum_package</a:t>
+            </a:r>
+            <a:r>
+              <a:rPr lang="en-US" dirty="0"/>
+              <a:t>[tree] action install</a:t>
+            </a:r>
+          </a:p>
+          <a:p>
+            <a:r>
+              <a:rPr lang="en-US" dirty="0"/>
+              <a:t>   </a:t>
+            </a:r>
+            <a:r>
+              <a:rPr lang="en-US" dirty="0">
+                <a:solidFill>
+                  <a:srgbClr val="CCFFCC"/>
+                </a:solidFill>
+              </a:rPr>
+              <a:t> - install version 1.5.3-3.el6 of package tree</a:t>
+            </a:r>
+            <a:endParaRPr lang="en-US" dirty="0">
+              <a:solidFill>
+                <a:srgbClr val="CCFFCC"/>
+              </a:solidFill>
+            </a:endParaRPr>
           </a:p>
         </p:txBody>
       </p:sp>
@@ -14933,11 +15270,19 @@
           <a:p>
             <a:r>
               <a:rPr lang="en-US" dirty="0" smtClean="0"/>
-              <a:t>&gt; tree </a:t>
+              <a:t>&gt; </a:t>
             </a:r>
             <a:r>
               <a:rPr lang="en-US" dirty="0" err="1" smtClean="0"/>
-              <a:t>httpd</a:t>
+              <a:t>sudo</a:t>
+            </a:r>
+            <a:r>
+              <a:rPr lang="en-US" dirty="0" smtClean="0"/>
+              <a:t> </a:t>
+            </a:r>
+            <a:r>
+              <a:rPr lang="en-US" dirty="0"/>
+              <a:t>chef-apply -e 'package "tree"'</a:t>
             </a:r>
             <a:endParaRPr lang="en-US" dirty="0"/>
           </a:p>
@@ -14958,7 +15303,11 @@
           <a:bodyPr/>
           <a:lstStyle/>
           <a:p>
-            <a:endParaRPr lang="en-US"/>
+            <a:r>
+              <a:rPr lang="en-US" dirty="0" smtClean="0"/>
+              <a:t>chef-apply</a:t>
+            </a:r>
+            <a:endParaRPr lang="en-US" dirty="0"/>
           </a:p>
         </p:txBody>
       </p:sp>
@@ -15004,37 +15353,12 @@
       </p:grpSpPr>
       <p:sp>
         <p:nvSpPr>
-          <p:cNvPr id="2" name="Title 1"/>
-          <p:cNvSpPr>
-            <a:spLocks noGrp="1"/>
-          </p:cNvSpPr>
-          <p:nvPr>
-            <p:ph type="ctrTitle"/>
-          </p:nvPr>
-        </p:nvSpPr>
-        <p:spPr/>
-        <p:txBody>
-          <a:bodyPr>
-            <a:normAutofit fontScale="90000"/>
-          </a:bodyPr>
-          <a:lstStyle/>
-          <a:p>
-            <a:r>
-              <a:rPr lang="en-US" dirty="0" smtClean="0"/>
-              <a:t>Build a Reliable Cookbook</a:t>
-            </a:r>
-            <a:endParaRPr lang="en-US" dirty="0"/>
-          </a:p>
-        </p:txBody>
-      </p:sp>
-      <p:sp>
-        <p:nvSpPr>
-          <p:cNvPr id="3" name="Content Placeholder 2"/>
-          <p:cNvSpPr>
-            <a:spLocks noGrp="1"/>
-          </p:cNvSpPr>
-          <p:nvPr>
-            <p:ph sz="quarter" idx="11"/>
+          <p:cNvPr id="2" name="Content Placeholder 1"/>
+          <p:cNvSpPr>
+            <a:spLocks noGrp="1"/>
+          </p:cNvSpPr>
+          <p:nvPr>
+            <p:ph sz="quarter" idx="10"/>
           </p:nvPr>
         </p:nvSpPr>
         <p:spPr/>
@@ -15043,8 +15367,100 @@
           <a:lstStyle/>
           <a:p>
             <a:r>
-              <a:rPr lang="en-US" dirty="0" smtClean="0"/>
-              <a:t>This time it will be different.</a:t>
+              <a:rPr lang="de-DE" dirty="0" err="1"/>
+              <a:t>httpd</a:t>
+            </a:r>
+            <a:endParaRPr lang="de-DE" dirty="0"/>
+          </a:p>
+          <a:p>
+            <a:r>
+              <a:rPr lang="de-DE" dirty="0" smtClean="0"/>
+              <a:t>└</a:t>
+            </a:r>
+            <a:r>
+              <a:rPr lang="de-DE" dirty="0"/>
+              <a:t>── </a:t>
+            </a:r>
+            <a:r>
+              <a:rPr lang="de-DE" dirty="0" err="1"/>
+              <a:t>test</a:t>
+            </a:r>
+            <a:endParaRPr lang="de-DE" dirty="0"/>
+          </a:p>
+          <a:p>
+            <a:r>
+              <a:rPr lang="de-DE" dirty="0"/>
+              <a:t>    └── </a:t>
+            </a:r>
+            <a:r>
+              <a:rPr lang="de-DE" dirty="0" err="1"/>
+              <a:t>integration</a:t>
+            </a:r>
+            <a:endParaRPr lang="de-DE" dirty="0"/>
+          </a:p>
+          <a:p>
+            <a:r>
+              <a:rPr lang="de-DE" dirty="0"/>
+              <a:t>        ├── </a:t>
+            </a:r>
+            <a:r>
+              <a:rPr lang="de-DE" dirty="0" err="1"/>
+              <a:t>default</a:t>
+            </a:r>
+            <a:endParaRPr lang="de-DE" dirty="0"/>
+          </a:p>
+          <a:p>
+            <a:r>
+              <a:rPr lang="de-DE" dirty="0"/>
+              <a:t>        │   └── </a:t>
+            </a:r>
+            <a:r>
+              <a:rPr lang="de-DE" dirty="0" err="1"/>
+              <a:t>serverspec</a:t>
+            </a:r>
+            <a:endParaRPr lang="de-DE" dirty="0"/>
+          </a:p>
+          <a:p>
+            <a:r>
+              <a:rPr lang="de-DE" dirty="0"/>
+              <a:t>        │       └── </a:t>
+            </a:r>
+            <a:r>
+              <a:rPr lang="de-DE" dirty="0" err="1"/>
+              <a:t>default_spec.rb</a:t>
+            </a:r>
+            <a:endParaRPr lang="de-DE" dirty="0"/>
+          </a:p>
+          <a:p>
+            <a:r>
+              <a:rPr lang="de-DE" dirty="0"/>
+              <a:t>        └── </a:t>
+            </a:r>
+            <a:r>
+              <a:rPr lang="de-DE" dirty="0" err="1"/>
+              <a:t>helpers</a:t>
+            </a:r>
+            <a:endParaRPr lang="de-DE" dirty="0"/>
+          </a:p>
+          <a:p>
+            <a:r>
+              <a:rPr lang="de-DE" dirty="0"/>
+              <a:t>            └── </a:t>
+            </a:r>
+            <a:r>
+              <a:rPr lang="de-DE" dirty="0" err="1"/>
+              <a:t>serverspec</a:t>
+            </a:r>
+            <a:endParaRPr lang="de-DE" dirty="0"/>
+          </a:p>
+          <a:p>
+            <a:r>
+              <a:rPr lang="de-DE" dirty="0"/>
+              <a:t>                └── </a:t>
+            </a:r>
+            <a:r>
+              <a:rPr lang="de-DE" dirty="0" err="1"/>
+              <a:t>spec_helper.rb</a:t>
             </a:r>
             <a:endParaRPr lang="en-US" dirty="0"/>
           </a:p>
@@ -15052,12 +15468,12 @@
       </p:sp>
       <p:sp>
         <p:nvSpPr>
-          <p:cNvPr id="4" name="Text Placeholder 3"/>
-          <p:cNvSpPr>
-            <a:spLocks noGrp="1"/>
-          </p:cNvSpPr>
-          <p:nvPr>
-            <p:ph type="body" sz="quarter" idx="10"/>
+          <p:cNvPr id="3" name="Text Placeholder 2"/>
+          <p:cNvSpPr>
+            <a:spLocks noGrp="1"/>
+          </p:cNvSpPr>
+          <p:nvPr>
+            <p:ph type="body" sz="quarter" idx="11"/>
           </p:nvPr>
         </p:nvSpPr>
         <p:spPr/>
@@ -15065,61 +15481,41 @@
           <a:bodyPr/>
           <a:lstStyle/>
           <a:p>
-            <a:pPr marL="342900" indent="-342900">
-              <a:buFont typeface="Wingdings" charset="2"/>
-              <a:buChar char="ü"/>
-            </a:pPr>
-            <a:r>
-              <a:rPr lang="en-US" dirty="0"/>
-              <a:t>Create a cookbook</a:t>
-            </a:r>
-          </a:p>
-          <a:p>
-            <a:pPr marL="342900" indent="-342900">
-              <a:buFont typeface="Wingdings" charset="2"/>
-              <a:buChar char="q"/>
-            </a:pPr>
-            <a:r>
-              <a:rPr lang="en-US" dirty="0"/>
-              <a:t>Write tests that verifies the cookbook does what we want it to do</a:t>
-            </a:r>
-          </a:p>
-          <a:p>
-            <a:pPr marL="342900" indent="-342900">
-              <a:buFont typeface="Wingdings" charset="2"/>
-              <a:buChar char="q"/>
-            </a:pPr>
-            <a:r>
-              <a:rPr lang="en-US" dirty="0"/>
-              <a:t>Execute the tests and see failure</a:t>
-            </a:r>
-          </a:p>
-          <a:p>
-            <a:pPr marL="342900" indent="-342900">
-              <a:buFont typeface="Wingdings" charset="2"/>
-              <a:buChar char="q"/>
-            </a:pPr>
-            <a:r>
-              <a:rPr lang="en-US" dirty="0"/>
-              <a:t>Write the recipe to make the test pass</a:t>
-            </a:r>
-          </a:p>
-          <a:p>
-            <a:pPr marL="342900" indent="-342900">
-              <a:buFont typeface="Wingdings" charset="2"/>
-              <a:buChar char="q"/>
-            </a:pPr>
-            <a:r>
-              <a:rPr lang="en-US" dirty="0"/>
-              <a:t>Execute the tests and see success</a:t>
-            </a:r>
+            <a:r>
+              <a:rPr lang="en-US" dirty="0" smtClean="0"/>
+              <a:t>&gt; tree </a:t>
+            </a:r>
+            <a:r>
+              <a:rPr lang="en-US" dirty="0" err="1" smtClean="0"/>
+              <a:t>httpd</a:t>
+            </a:r>
+            <a:endParaRPr lang="en-US" dirty="0"/>
+          </a:p>
+        </p:txBody>
+      </p:sp>
+      <p:sp>
+        <p:nvSpPr>
+          <p:cNvPr id="5" name="Title 4"/>
+          <p:cNvSpPr>
+            <a:spLocks noGrp="1"/>
+          </p:cNvSpPr>
+          <p:nvPr>
+            <p:ph type="title"/>
+          </p:nvPr>
+        </p:nvSpPr>
+        <p:spPr/>
+        <p:txBody>
+          <a:bodyPr/>
+          <a:lstStyle/>
+          <a:p>
+            <a:endParaRPr lang="en-US"/>
           </a:p>
         </p:txBody>
       </p:sp>
     </p:spTree>
     <p:extLst>
       <p:ext uri="{BB962C8B-B14F-4D97-AF65-F5344CB8AC3E}">
-        <p14:creationId xmlns:p14="http://schemas.microsoft.com/office/powerpoint/2010/main" val="4133493625"/>
+        <p14:creationId xmlns:p14="http://schemas.microsoft.com/office/powerpoint/2010/main" val="4265659756"/>
       </p:ext>
     </p:extLst>
   </p:cSld>
@@ -15163,7 +15559,32 @@
             <a:spLocks noGrp="1"/>
           </p:cNvSpPr>
           <p:nvPr>
-            <p:ph type="title"/>
+            <p:ph type="ctrTitle"/>
+          </p:nvPr>
+        </p:nvSpPr>
+        <p:spPr/>
+        <p:txBody>
+          <a:bodyPr>
+            <a:normAutofit fontScale="90000"/>
+          </a:bodyPr>
+          <a:lstStyle/>
+          <a:p>
+            <a:r>
+              <a:rPr lang="en-US" dirty="0" smtClean="0"/>
+              <a:t>Build a Reliable Cookbook</a:t>
+            </a:r>
+            <a:endParaRPr lang="en-US" dirty="0"/>
+          </a:p>
+        </p:txBody>
+      </p:sp>
+      <p:sp>
+        <p:nvSpPr>
+          <p:cNvPr id="3" name="Content Placeholder 2"/>
+          <p:cNvSpPr>
+            <a:spLocks noGrp="1"/>
+          </p:cNvSpPr>
+          <p:nvPr>
+            <p:ph sz="quarter" idx="11"/>
           </p:nvPr>
         </p:nvSpPr>
         <p:spPr/>
@@ -15171,18 +15592,22 @@
           <a:bodyPr/>
           <a:lstStyle/>
           <a:p>
-            <a:endParaRPr lang="en-US"/>
-          </a:p>
-        </p:txBody>
-      </p:sp>
-      <p:sp>
-        <p:nvSpPr>
-          <p:cNvPr id="3" name="Content Placeholder 2"/>
-          <p:cNvSpPr>
-            <a:spLocks noGrp="1"/>
-          </p:cNvSpPr>
-          <p:nvPr>
-            <p:ph sz="quarter" idx="10"/>
+            <a:r>
+              <a:rPr lang="en-US" dirty="0" smtClean="0"/>
+              <a:t>This time it will be different.</a:t>
+            </a:r>
+            <a:endParaRPr lang="en-US" dirty="0"/>
+          </a:p>
+        </p:txBody>
+      </p:sp>
+      <p:sp>
+        <p:nvSpPr>
+          <p:cNvPr id="4" name="Text Placeholder 3"/>
+          <p:cNvSpPr>
+            <a:spLocks noGrp="1"/>
+          </p:cNvSpPr>
+          <p:nvPr>
+            <p:ph type="body" sz="quarter" idx="10"/>
           </p:nvPr>
         </p:nvSpPr>
         <p:spPr/>
@@ -15190,186 +15615,61 @@
           <a:bodyPr/>
           <a:lstStyle/>
           <a:p>
-            <a:r>
-              <a:rPr lang="en-US" dirty="0"/>
-              <a:t>require '</a:t>
-            </a:r>
-            <a:r>
-              <a:rPr lang="en-US" dirty="0" err="1"/>
-              <a:t>spec_helper</a:t>
-            </a:r>
-            <a:r>
-              <a:rPr lang="en-US" dirty="0"/>
-              <a:t>'</a:t>
-            </a:r>
-          </a:p>
-          <a:p>
-            <a:endParaRPr lang="en-US" dirty="0"/>
-          </a:p>
-          <a:p>
-            <a:r>
-              <a:rPr lang="en-US" dirty="0"/>
-              <a:t>describe '</a:t>
-            </a:r>
-            <a:r>
-              <a:rPr lang="en-US" dirty="0" err="1"/>
-              <a:t>httpd</a:t>
-            </a:r>
-            <a:r>
-              <a:rPr lang="en-US" dirty="0"/>
-              <a:t>::default' do</a:t>
-            </a:r>
-          </a:p>
-          <a:p>
-            <a:r>
-              <a:rPr lang="en-US" dirty="0"/>
-              <a:t> </a:t>
-            </a:r>
-            <a:r>
-              <a:rPr lang="en-US" dirty="0" smtClean="0"/>
-              <a:t> # </a:t>
-            </a:r>
-            <a:r>
-              <a:rPr lang="en-US" dirty="0" err="1"/>
-              <a:t>Serverspec</a:t>
-            </a:r>
-            <a:r>
-              <a:rPr lang="en-US" dirty="0"/>
-              <a:t> examples can be found at</a:t>
-            </a:r>
-          </a:p>
-          <a:p>
-            <a:r>
-              <a:rPr lang="en-US" dirty="0"/>
-              <a:t>  # http://</a:t>
-            </a:r>
-            <a:r>
-              <a:rPr lang="en-US" dirty="0" err="1"/>
-              <a:t>serverspec.org</a:t>
-            </a:r>
-            <a:r>
-              <a:rPr lang="en-US" dirty="0"/>
-              <a:t>/</a:t>
-            </a:r>
-            <a:r>
-              <a:rPr lang="en-US" dirty="0" err="1"/>
-              <a:t>resource_types.html</a:t>
-            </a:r>
-            <a:endParaRPr lang="en-US" dirty="0"/>
-          </a:p>
-          <a:p>
-            <a:r>
-              <a:rPr lang="en-US" dirty="0"/>
-              <a:t>  it 'does something' do</a:t>
-            </a:r>
-          </a:p>
-          <a:p>
-            <a:r>
-              <a:rPr lang="en-US" dirty="0"/>
-              <a:t>    skip 'Replace this with meaningful tests'</a:t>
-            </a:r>
-          </a:p>
-          <a:p>
-            <a:r>
-              <a:rPr lang="en-US" dirty="0"/>
-              <a:t>  </a:t>
-            </a:r>
-            <a:r>
-              <a:rPr lang="en-US" dirty="0" smtClean="0"/>
-              <a:t>end</a:t>
-            </a:r>
-            <a:endParaRPr lang="en-US" dirty="0"/>
-          </a:p>
-          <a:p>
-            <a:r>
-              <a:rPr lang="en-US" dirty="0" smtClean="0"/>
-              <a:t>end</a:t>
-            </a:r>
-            <a:endParaRPr lang="en-US" dirty="0"/>
-          </a:p>
-          <a:p>
-            <a:endParaRPr lang="en-US" dirty="0"/>
-          </a:p>
-          <a:p>
-            <a:endParaRPr lang="en-US" dirty="0"/>
-          </a:p>
-        </p:txBody>
-      </p:sp>
-      <p:sp>
-        <p:nvSpPr>
-          <p:cNvPr id="4" name="Text Placeholder 3"/>
-          <p:cNvSpPr>
-            <a:spLocks noGrp="1"/>
-          </p:cNvSpPr>
-          <p:nvPr>
-            <p:ph type="body" sz="quarter" idx="11"/>
-          </p:nvPr>
-        </p:nvSpPr>
-        <p:spPr/>
-        <p:txBody>
-          <a:bodyPr/>
-          <a:lstStyle/>
-          <a:p>
-            <a:r>
-              <a:rPr lang="en-US" dirty="0"/>
-              <a:t>~/</a:t>
-            </a:r>
-            <a:r>
-              <a:rPr lang="en-US" dirty="0" err="1"/>
-              <a:t>httpd</a:t>
-            </a:r>
-            <a:r>
-              <a:rPr lang="en-US" dirty="0"/>
-              <a:t>/test/integration/default/</a:t>
-            </a:r>
-            <a:r>
-              <a:rPr lang="en-US" dirty="0" err="1"/>
-              <a:t>serverspec</a:t>
-            </a:r>
-            <a:r>
-              <a:rPr lang="en-US" dirty="0"/>
-              <a:t>/</a:t>
-            </a:r>
-            <a:r>
-              <a:rPr lang="en-US" dirty="0" err="1" smtClean="0"/>
-              <a:t>default_spec.rb</a:t>
-            </a:r>
-            <a:endParaRPr lang="en-US" dirty="0"/>
-          </a:p>
-        </p:txBody>
-      </p:sp>
-      <p:sp>
-        <p:nvSpPr>
-          <p:cNvPr id="5" name="Text Placeholder 4"/>
-          <p:cNvSpPr>
-            <a:spLocks noGrp="1"/>
-          </p:cNvSpPr>
-          <p:nvPr>
-            <p:ph type="body" sz="quarter" idx="12"/>
-          </p:nvPr>
-        </p:nvSpPr>
-        <p:spPr>
-          <a:xfrm>
-            <a:off x="1124446" y="3679407"/>
-            <a:ext cx="14404273" cy="2760107"/>
-          </a:xfrm>
-        </p:spPr>
-        <p:txBody>
-          <a:bodyPr/>
-          <a:lstStyle/>
-          <a:p>
-            <a:r>
-              <a:rPr lang="en-US" dirty="0" smtClean="0"/>
-              <a:t>-</a:t>
-            </a:r>
-            <a:endParaRPr lang="en-US" dirty="0"/>
+            <a:pPr marL="342900" indent="-342900">
+              <a:buFont typeface="Wingdings" charset="2"/>
+              <a:buChar char="ü"/>
+            </a:pPr>
+            <a:r>
+              <a:rPr lang="en-US" dirty="0"/>
+              <a:t>Create a cookbook</a:t>
+            </a:r>
+          </a:p>
+          <a:p>
+            <a:pPr marL="342900" indent="-342900">
+              <a:buFont typeface="Wingdings" charset="2"/>
+              <a:buChar char="q"/>
+            </a:pPr>
+            <a:r>
+              <a:rPr lang="en-US" dirty="0"/>
+              <a:t>Write tests that verifies the cookbook does what we want it to do</a:t>
+            </a:r>
+          </a:p>
+          <a:p>
+            <a:pPr marL="342900" indent="-342900">
+              <a:buFont typeface="Wingdings" charset="2"/>
+              <a:buChar char="q"/>
+            </a:pPr>
+            <a:r>
+              <a:rPr lang="en-US" dirty="0"/>
+              <a:t>Execute the tests and see failure</a:t>
+            </a:r>
+          </a:p>
+          <a:p>
+            <a:pPr marL="342900" indent="-342900">
+              <a:buFont typeface="Wingdings" charset="2"/>
+              <a:buChar char="q"/>
+            </a:pPr>
+            <a:r>
+              <a:rPr lang="en-US" dirty="0"/>
+              <a:t>Write the recipe to make the test pass</a:t>
+            </a:r>
+          </a:p>
+          <a:p>
+            <a:pPr marL="342900" indent="-342900">
+              <a:buFont typeface="Wingdings" charset="2"/>
+              <a:buChar char="q"/>
+            </a:pPr>
+            <a:r>
+              <a:rPr lang="en-US" dirty="0"/>
+              <a:t>Execute the tests and see success</a:t>
+            </a:r>
           </a:p>
         </p:txBody>
       </p:sp>
     </p:spTree>
     <p:extLst>
       <p:ext uri="{BB962C8B-B14F-4D97-AF65-F5344CB8AC3E}">
-        <p14:creationId xmlns:p14="http://schemas.microsoft.com/office/powerpoint/2010/main" val="3946657038"/>
+        <p14:creationId xmlns:p14="http://schemas.microsoft.com/office/powerpoint/2010/main" val="4133493625"/>
       </p:ext>
     </p:extLst>
   </p:cSld>
@@ -15765,7 +16065,7 @@
   <a:extraClrSchemeLst/>
   <a:extLst>
     <a:ext uri="{05A4C25C-085E-4340-85A3-A5531E510DB2}">
-      <thm15:themeFamily xmlns="" xmlns:thm15="http://schemas.microsoft.com/office/thememl/2012/main" name="Chef-TemplateComps_v09-16x9-Light.potx" id="{078CEFDB-FA7A-4E36-9964-13EF367585CB}" vid="{8B87B0F3-7308-43D5-8388-E1B49EA02652}"/>
+      <thm15:themeFamily xmlns:thm15="http://schemas.microsoft.com/office/thememl/2012/main" xmlns="" name="Chef-TemplateComps_v09-16x9-Light.potx" id="{078CEFDB-FA7A-4E36-9964-13EF367585CB}" vid="{8B87B0F3-7308-43D5-8388-E1B49EA02652}"/>
     </a:ext>
   </a:extLst>
 </a:theme>
@@ -16147,7 +16447,7 @@
   <a:extraClrSchemeLst/>
   <a:extLst>
     <a:ext uri="{05A4C25C-085E-4340-85A3-A5531E510DB2}">
-      <thm15:themeFamily xmlns="" xmlns:thm15="http://schemas.microsoft.com/office/thememl/2012/main" name="Chef-TemplateComps_v09-16x9-Light.potx" id="{078CEFDB-FA7A-4E36-9964-13EF367585CB}" vid="{8B87B0F3-7308-43D5-8388-E1B49EA02652}"/>
+      <thm15:themeFamily xmlns:thm15="http://schemas.microsoft.com/office/thememl/2012/main" xmlns="" name="Chef-TemplateComps_v09-16x9-Light.potx" id="{078CEFDB-FA7A-4E36-9964-13EF367585CB}" vid="{8B87B0F3-7308-43D5-8388-E1B49EA02652}"/>
     </a:ext>
   </a:extLst>
 </a:theme>

--- a/01-building_cookbooks_with_tests.pptx
+++ b/01-building_cookbooks_with_tests.pptx
@@ -9412,6 +9412,13 @@
   <p:transition xmlns:p14="http://schemas.microsoft.com/office/powerpoint/2010/main" spd="med">
     <p:fade/>
   </p:transition>
+  <p:timing>
+    <p:tnLst>
+      <p:par>
+        <p:cTn xmlns:p14="http://schemas.microsoft.com/office/powerpoint/2010/main" id="1" dur="indefinite" restart="never" nodeType="tmRoot"/>
+      </p:par>
+    </p:tnLst>
+  </p:timing>
 </p:sld>
 </file>
 
@@ -9447,7 +9454,11 @@
           <a:bodyPr/>
           <a:lstStyle/>
           <a:p>
-            <a:endParaRPr lang="en-US"/>
+            <a:r>
+              <a:rPr lang="en-US" dirty="0" smtClean="0"/>
+              <a:t>Remove the Default Test</a:t>
+            </a:r>
+            <a:endParaRPr lang="en-US" dirty="0"/>
           </a:p>
         </p:txBody>
       </p:sp>
@@ -9697,7 +9708,11 @@
           <a:bodyPr/>
           <a:lstStyle/>
           <a:p>
-            <a:endParaRPr lang="en-US"/>
+            <a:r>
+              <a:rPr lang="en-US" dirty="0" smtClean="0"/>
+              <a:t>Add a Test to Validate a Working Website</a:t>
+            </a:r>
+            <a:endParaRPr lang="en-US" dirty="0"/>
           </a:p>
         </p:txBody>
       </p:sp>
@@ -10128,7 +10143,15 @@
           <a:bodyPr/>
           <a:lstStyle/>
           <a:p>
-            <a:endParaRPr lang="en-US"/>
+            <a:r>
+              <a:rPr lang="en-US" dirty="0" smtClean="0"/>
+              <a:t>Move </a:t>
+            </a:r>
+            <a:r>
+              <a:rPr lang="en-US" dirty="0" smtClean="0"/>
+              <a:t>into the Cookbook Directory</a:t>
+            </a:r>
+            <a:endParaRPr lang="en-US" dirty="0"/>
           </a:p>
         </p:txBody>
       </p:sp>
@@ -10177,10 +10200,24 @@
         </p:nvSpPr>
         <p:spPr/>
         <p:txBody>
-          <a:bodyPr/>
+          <a:bodyPr>
+            <a:normAutofit/>
+          </a:bodyPr>
           <a:lstStyle/>
           <a:p>
-            <a:endParaRPr lang="en-US"/>
+            <a:r>
+              <a:rPr lang="en-US" sz="4800" dirty="0" smtClean="0"/>
+              <a:t>Remove Settings </a:t>
+            </a:r>
+            <a:r>
+              <a:rPr lang="en-US" sz="4800" dirty="0" smtClean="0"/>
+              <a:t>from </a:t>
+            </a:r>
+            <a:r>
+              <a:rPr lang="en-US" sz="4800" dirty="0" smtClean="0"/>
+              <a:t>the Kitchen Configuration</a:t>
+            </a:r>
+            <a:endParaRPr lang="en-US" sz="4800" dirty="0"/>
           </a:p>
         </p:txBody>
       </p:sp>
@@ -10458,7 +10495,11 @@
           <a:bodyPr/>
           <a:lstStyle/>
           <a:p>
-            <a:endParaRPr lang="en-US"/>
+            <a:r>
+              <a:rPr lang="en-US" dirty="0" smtClean="0"/>
+              <a:t>Add Settings to the Kitchen Configuration</a:t>
+            </a:r>
+            <a:endParaRPr lang="en-US" dirty="0"/>
           </a:p>
         </p:txBody>
       </p:sp>
@@ -10846,7 +10887,11 @@
           <a:bodyPr/>
           <a:lstStyle/>
           <a:p>
-            <a:endParaRPr lang="en-US"/>
+            <a:r>
+              <a:rPr lang="en-US" dirty="0" smtClean="0"/>
+              <a:t>View the Test Matrix for Test Kitchen</a:t>
+            </a:r>
+            <a:endParaRPr lang="en-US" dirty="0"/>
           </a:p>
         </p:txBody>
       </p:sp>
@@ -11062,7 +11107,11 @@
           <a:bodyPr/>
           <a:lstStyle/>
           <a:p>
-            <a:endParaRPr lang="en-US"/>
+            <a:r>
+              <a:rPr lang="en-US" dirty="0" smtClean="0"/>
+              <a:t>Create the Virtual Instance</a:t>
+            </a:r>
+            <a:endParaRPr lang="en-US" dirty="0"/>
           </a:p>
         </p:txBody>
       </p:sp>
@@ -11367,7 +11416,11 @@
           <a:bodyPr/>
           <a:lstStyle/>
           <a:p>
-            <a:endParaRPr lang="en-US"/>
+            <a:r>
+              <a:rPr lang="en-US" dirty="0" smtClean="0"/>
+              <a:t>Converge the Virtual Instance</a:t>
+            </a:r>
+            <a:endParaRPr lang="en-US" dirty="0"/>
           </a:p>
         </p:txBody>
       </p:sp>
@@ -11774,10 +11827,16 @@
         </p:nvSpPr>
         <p:spPr/>
         <p:txBody>
-          <a:bodyPr/>
+          <a:bodyPr>
+            <a:normAutofit fontScale="90000"/>
+          </a:bodyPr>
           <a:lstStyle/>
           <a:p>
-            <a:endParaRPr lang="en-US"/>
+            <a:r>
+              <a:rPr lang="en-US" dirty="0" smtClean="0"/>
+              <a:t>Execute the Tests Against the Virtual Instance</a:t>
+            </a:r>
+            <a:endParaRPr lang="en-US" dirty="0"/>
           </a:p>
         </p:txBody>
       </p:sp>
@@ -11917,6 +11976,13 @@
   <p:transition xmlns:p14="http://schemas.microsoft.com/office/powerpoint/2010/main" spd="med">
     <p:fade/>
   </p:transition>
+  <p:timing>
+    <p:tnLst>
+      <p:par>
+        <p:cTn xmlns:p14="http://schemas.microsoft.com/office/powerpoint/2010/main" id="1" dur="indefinite" restart="never" nodeType="tmRoot"/>
+      </p:par>
+    </p:tnLst>
+  </p:timing>
 </p:sld>
 </file>
 
@@ -12789,7 +12855,11 @@
           <a:bodyPr/>
           <a:lstStyle/>
           <a:p>
-            <a:endParaRPr lang="en-US"/>
+            <a:r>
+              <a:rPr lang="en-US" dirty="0" smtClean="0"/>
+              <a:t>Write the Default Recipe for the Cookbook</a:t>
+            </a:r>
+            <a:endParaRPr lang="en-US" dirty="0"/>
           </a:p>
         </p:txBody>
       </p:sp>
@@ -13339,6 +13409,10 @@
           <a:bodyPr/>
           <a:lstStyle/>
           <a:p>
+            <a:r>
+              <a:rPr lang="en-US" dirty="0" smtClean="0"/>
+              <a:t>Re-Converge the Virtual Instance</a:t>
+            </a:r>
             <a:endParaRPr lang="en-US" dirty="0"/>
           </a:p>
         </p:txBody>
@@ -13510,6 +13584,10 @@
           <a:bodyPr/>
           <a:lstStyle/>
           <a:p>
+            <a:r>
+              <a:rPr lang="en-US" dirty="0" smtClean="0"/>
+              <a:t>Re-Verify the Virtual Instance</a:t>
+            </a:r>
             <a:endParaRPr lang="en-US" dirty="0"/>
           </a:p>
         </p:txBody>
@@ -13882,10 +13960,16 @@
         </p:nvSpPr>
         <p:spPr/>
         <p:txBody>
-          <a:bodyPr/>
+          <a:bodyPr>
+            <a:normAutofit fontScale="90000"/>
+          </a:bodyPr>
           <a:lstStyle/>
           <a:p>
-            <a:endParaRPr lang="en-US"/>
+            <a:r>
+              <a:rPr lang="en-US" dirty="0" smtClean="0"/>
+              <a:t>Update the Test Value to be More Accurate</a:t>
+            </a:r>
+            <a:endParaRPr lang="en-US" dirty="0"/>
           </a:p>
         </p:txBody>
       </p:sp>
@@ -14235,6 +14319,14 @@
           <a:bodyPr/>
           <a:lstStyle/>
           <a:p>
+            <a:r>
+              <a:rPr lang="en-US" dirty="0" smtClean="0"/>
+              <a:t>Re-Verify the </a:t>
+            </a:r>
+            <a:r>
+              <a:rPr lang="en-US" smtClean="0"/>
+              <a:t>Virtual Instance</a:t>
+            </a:r>
             <a:endParaRPr lang="en-US" dirty="0"/>
           </a:p>
         </p:txBody>
@@ -14692,10 +14784,16 @@
         </p:nvSpPr>
         <p:spPr/>
         <p:txBody>
-          <a:bodyPr/>
+          <a:bodyPr>
+            <a:normAutofit fontScale="90000"/>
+          </a:bodyPr>
           <a:lstStyle/>
           <a:p>
-            <a:endParaRPr lang="en-US"/>
+            <a:r>
+              <a:rPr lang="en-US" dirty="0" smtClean="0"/>
+              <a:t>Lets Start this Journey in the Home Directory</a:t>
+            </a:r>
+            <a:endParaRPr lang="en-US" dirty="0"/>
           </a:p>
         </p:txBody>
       </p:sp>
@@ -14898,7 +14996,11 @@
           <a:bodyPr/>
           <a:lstStyle/>
           <a:p>
-            <a:endParaRPr lang="en-US"/>
+            <a:r>
+              <a:rPr lang="en-US" dirty="0" smtClean="0"/>
+              <a:t>Ask Chef About Generating a Cookbook</a:t>
+            </a:r>
+            <a:endParaRPr lang="en-US" dirty="0"/>
           </a:p>
         </p:txBody>
       </p:sp>
@@ -15154,7 +15256,11 @@
           <a:bodyPr/>
           <a:lstStyle/>
           <a:p>
-            <a:endParaRPr lang="en-US"/>
+            <a:r>
+              <a:rPr lang="en-US" dirty="0" smtClean="0"/>
+              <a:t>Generate a Cookbook</a:t>
+            </a:r>
+            <a:endParaRPr lang="en-US" dirty="0"/>
           </a:p>
         </p:txBody>
       </p:sp>
@@ -15245,11 +15351,6 @@
               </a:rPr>
               <a:t> - install version 1.5.3-3.el6 of package tree</a:t>
             </a:r>
-            <a:endParaRPr lang="en-US" dirty="0">
-              <a:solidFill>
-                <a:srgbClr val="CCFFCC"/>
-              </a:solidFill>
-            </a:endParaRPr>
           </a:p>
         </p:txBody>
       </p:sp>
@@ -15284,7 +15385,6 @@
               <a:rPr lang="en-US" dirty="0"/>
               <a:t>chef-apply -e 'package "tree"'</a:t>
             </a:r>
-            <a:endParaRPr lang="en-US" dirty="0"/>
           </a:p>
         </p:txBody>
       </p:sp>
@@ -15305,7 +15405,7 @@
           <a:p>
             <a:r>
               <a:rPr lang="en-US" dirty="0" smtClean="0"/>
-              <a:t>chef-apply</a:t>
+              <a:t>Install the Package Tree to Aid Us</a:t>
             </a:r>
             <a:endParaRPr lang="en-US" dirty="0"/>
           </a:p>
@@ -15505,10 +15605,16 @@
         </p:nvSpPr>
         <p:spPr/>
         <p:txBody>
-          <a:bodyPr/>
+          <a:bodyPr>
+            <a:normAutofit/>
+          </a:bodyPr>
           <a:lstStyle/>
           <a:p>
-            <a:endParaRPr lang="en-US"/>
+            <a:r>
+              <a:rPr lang="en-US" sz="5400" dirty="0" smtClean="0"/>
+              <a:t>View the Tests in the Generated Cookbook</a:t>
+            </a:r>
+            <a:endParaRPr lang="en-US" sz="5400" dirty="0"/>
           </a:p>
         </p:txBody>
       </p:sp>
@@ -16065,7 +16171,7 @@
   <a:extraClrSchemeLst/>
   <a:extLst>
     <a:ext uri="{05A4C25C-085E-4340-85A3-A5531E510DB2}">
-      <thm15:themeFamily xmlns:thm15="http://schemas.microsoft.com/office/thememl/2012/main" xmlns="" name="Chef-TemplateComps_v09-16x9-Light.potx" id="{078CEFDB-FA7A-4E36-9964-13EF367585CB}" vid="{8B87B0F3-7308-43D5-8388-E1B49EA02652}"/>
+      <thm15:themeFamily xmlns="" xmlns:thm15="http://schemas.microsoft.com/office/thememl/2012/main" name="Chef-TemplateComps_v09-16x9-Light.potx" id="{078CEFDB-FA7A-4E36-9964-13EF367585CB}" vid="{8B87B0F3-7308-43D5-8388-E1B49EA02652}"/>
     </a:ext>
   </a:extLst>
 </a:theme>
@@ -16447,7 +16553,7 @@
   <a:extraClrSchemeLst/>
   <a:extLst>
     <a:ext uri="{05A4C25C-085E-4340-85A3-A5531E510DB2}">
-      <thm15:themeFamily xmlns:thm15="http://schemas.microsoft.com/office/thememl/2012/main" xmlns="" name="Chef-TemplateComps_v09-16x9-Light.potx" id="{078CEFDB-FA7A-4E36-9964-13EF367585CB}" vid="{8B87B0F3-7308-43D5-8388-E1B49EA02652}"/>
+      <thm15:themeFamily xmlns="" xmlns:thm15="http://schemas.microsoft.com/office/thememl/2012/main" name="Chef-TemplateComps_v09-16x9-Light.potx" id="{078CEFDB-FA7A-4E36-9964-13EF367585CB}" vid="{8B87B0F3-7308-43D5-8388-E1B49EA02652}"/>
     </a:ext>
   </a:extLst>
 </a:theme>

--- a/01-building_cookbooks_with_tests.pptx
+++ b/01-building_cookbooks_with_tests.pptx
@@ -176,6 +176,25 @@
       </a:defRPr>
     </a:lvl9pPr>
   </p:defaultTextStyle>
+  <p:extLst>
+    <p:ext uri="{EFAFB233-063F-42B5-8137-9DF3F51BA10A}">
+      <p15:sldGuideLst xmlns:p15="http://schemas.microsoft.com/office/powerpoint/2012/main">
+        <p15:guide id="1" orient="horz" pos="894">
+          <p15:clr>
+            <a:srgbClr val="A4A3A4"/>
+          </p15:clr>
+        </p15:guide>
+        <p15:guide id="2" pos="9120">
+          <p15:clr>
+            <a:srgbClr val="A4A3A4"/>
+          </p15:clr>
+        </p15:guide>
+      </p15:sldGuideLst>
+    </p:ext>
+    <p:ext uri="{2D200454-40CA-4A62-9FC3-DE9A4176ACB9}">
+      <p15:notesGuideLst xmlns:p15="http://schemas.microsoft.com/office/powerpoint/2012/main"/>
+    </p:ext>
+  </p:extLst>
 </p:presentation>
 </file>
 
@@ -290,7 +309,7 @@
               <a:pPr>
                 <a:defRPr/>
               </a:pPr>
-              <a:t>10/26/15</a:t>
+              <a:t>2015-11-10</a:t>
             </a:fld>
             <a:endParaRPr lang="en-US" dirty="0"/>
           </a:p>
@@ -473,7 +492,7 @@
               <a:pPr>
                 <a:defRPr/>
               </a:pPr>
-              <a:t>10/26/15</a:t>
+              <a:t>2015-11-10</a:t>
             </a:fld>
             <a:endParaRPr lang="en-US" dirty="0"/>
           </a:p>
@@ -1157,7 +1176,7 @@
   <p:clrMapOvr>
     <a:masterClrMapping/>
   </p:clrMapOvr>
-  <p:transition xmlns:p14="http://schemas.microsoft.com/office/powerpoint/2010/main" spd="med">
+  <p:transition spd="med">
     <p:fade/>
   </p:transition>
 </p:sldLayout>
@@ -1452,7 +1471,7 @@
   <p:clrMapOvr>
     <a:overrideClrMapping bg1="lt1" tx1="dk1" bg2="lt2" tx2="dk2" accent1="accent1" accent2="accent2" accent3="accent3" accent4="accent4" accent5="accent5" accent6="accent6" hlink="hlink" folHlink="folHlink"/>
   </p:clrMapOvr>
-  <p:transition xmlns:p14="http://schemas.microsoft.com/office/powerpoint/2010/main" spd="med">
+  <p:transition spd="med">
     <p:fade/>
   </p:transition>
 </p:sldLayout>
@@ -1585,14 +1604,14 @@
           </a:ln>
           <a:extLst>
             <a:ext uri="{909E8E84-426E-40dd-AFC4-6F175D3DCCD1}">
-              <a14:hiddenFill xmlns:a14="http://schemas.microsoft.com/office/drawing/2010/main">
+              <a14:hiddenFill xmlns:a14="http://schemas.microsoft.com/office/drawing/2010/main" xmlns="">
                 <a:solidFill>
                   <a:srgbClr val="FFFFFF"/>
                 </a:solidFill>
               </a14:hiddenFill>
             </a:ext>
             <a:ext uri="{91240B29-F687-4f45-9708-019B960494DF}">
-              <a14:hiddenLine xmlns:a14="http://schemas.microsoft.com/office/drawing/2010/main" w="9525">
+              <a14:hiddenLine xmlns:a14="http://schemas.microsoft.com/office/drawing/2010/main" xmlns="" w="9525">
                 <a:solidFill>
                   <a:srgbClr val="000000"/>
                 </a:solidFill>
@@ -1740,14 +1759,14 @@
           </a:ln>
           <a:extLst>
             <a:ext uri="{909E8E84-426E-40dd-AFC4-6F175D3DCCD1}">
-              <a14:hiddenFill xmlns:a14="http://schemas.microsoft.com/office/drawing/2010/main">
+              <a14:hiddenFill xmlns:a14="http://schemas.microsoft.com/office/drawing/2010/main" xmlns="">
                 <a:solidFill>
                   <a:srgbClr val="FFFFFF"/>
                 </a:solidFill>
               </a14:hiddenFill>
             </a:ext>
             <a:ext uri="{91240B29-F687-4f45-9708-019B960494DF}">
-              <a14:hiddenLine xmlns:a14="http://schemas.microsoft.com/office/drawing/2010/main" w="9525">
+              <a14:hiddenLine xmlns:a14="http://schemas.microsoft.com/office/drawing/2010/main" xmlns="" w="9525">
                 <a:solidFill>
                   <a:srgbClr val="000000"/>
                 </a:solidFill>
@@ -2145,7 +2164,7 @@
   <p:clrMapOvr>
     <a:overrideClrMapping bg1="lt1" tx1="dk1" bg2="lt2" tx2="dk2" accent1="accent1" accent2="accent2" accent3="accent3" accent4="accent4" accent5="accent5" accent6="accent6" hlink="hlink" folHlink="folHlink"/>
   </p:clrMapOvr>
-  <p:transition xmlns:p14="http://schemas.microsoft.com/office/powerpoint/2010/main" spd="med">
+  <p:transition spd="med">
     <p:fade/>
   </p:transition>
 </p:sldLayout>
@@ -2238,14 +2257,14 @@
           </a:ln>
           <a:extLst>
             <a:ext uri="{909E8E84-426E-40dd-AFC4-6F175D3DCCD1}">
-              <a14:hiddenFill xmlns:a14="http://schemas.microsoft.com/office/drawing/2010/main">
+              <a14:hiddenFill xmlns:a14="http://schemas.microsoft.com/office/drawing/2010/main" xmlns="">
                 <a:solidFill>
                   <a:srgbClr val="FFFFFF"/>
                 </a:solidFill>
               </a14:hiddenFill>
             </a:ext>
             <a:ext uri="{91240B29-F687-4f45-9708-019B960494DF}">
-              <a14:hiddenLine xmlns:a14="http://schemas.microsoft.com/office/drawing/2010/main" w="9525">
+              <a14:hiddenLine xmlns:a14="http://schemas.microsoft.com/office/drawing/2010/main" xmlns="" w="9525">
                 <a:solidFill>
                   <a:srgbClr val="000000"/>
                 </a:solidFill>
@@ -2267,7 +2286,7 @@
   <p:clrMapOvr>
     <a:masterClrMapping/>
   </p:clrMapOvr>
-  <p:transition xmlns:p14="http://schemas.microsoft.com/office/powerpoint/2010/main" spd="med">
+  <p:transition spd="med">
     <p:fade/>
   </p:transition>
 </p:sldLayout>
@@ -2554,7 +2573,7 @@
   <p:clrMapOvr>
     <a:masterClrMapping/>
   </p:clrMapOvr>
-  <p:transition xmlns:p14="http://schemas.microsoft.com/office/powerpoint/2010/main" spd="med">
+  <p:transition spd="med">
     <p:fade/>
   </p:transition>
 </p:sldLayout>
@@ -2841,7 +2860,7 @@
   <p:clrMapOvr>
     <a:masterClrMapping/>
   </p:clrMapOvr>
-  <p:transition xmlns:p14="http://schemas.microsoft.com/office/powerpoint/2010/main" spd="med">
+  <p:transition spd="med">
     <p:fade/>
   </p:transition>
 </p:sldLayout>
@@ -3190,7 +3209,7 @@
   <p:clrMapOvr>
     <a:masterClrMapping/>
   </p:clrMapOvr>
-  <p:transition xmlns:p14="http://schemas.microsoft.com/office/powerpoint/2010/main" spd="med">
+  <p:transition spd="med">
     <p:fade/>
   </p:transition>
 </p:sldLayout>
@@ -3477,7 +3496,7 @@
   <p:clrMapOvr>
     <a:masterClrMapping/>
   </p:clrMapOvr>
-  <p:transition xmlns:p14="http://schemas.microsoft.com/office/powerpoint/2010/main" spd="med">
+  <p:transition spd="med">
     <p:fade/>
   </p:transition>
 </p:sldLayout>
@@ -3694,14 +3713,14 @@
           </a:ln>
           <a:extLst>
             <a:ext uri="{909E8E84-426E-40dd-AFC4-6F175D3DCCD1}">
-              <a14:hiddenFill xmlns:a14="http://schemas.microsoft.com/office/drawing/2010/main">
+              <a14:hiddenFill xmlns:a14="http://schemas.microsoft.com/office/drawing/2010/main" xmlns="">
                 <a:solidFill>
                   <a:srgbClr val="FFFFFF"/>
                 </a:solidFill>
               </a14:hiddenFill>
             </a:ext>
             <a:ext uri="{91240B29-F687-4f45-9708-019B960494DF}">
-              <a14:hiddenLine xmlns:a14="http://schemas.microsoft.com/office/drawing/2010/main" w="9525">
+              <a14:hiddenLine xmlns:a14="http://schemas.microsoft.com/office/drawing/2010/main" xmlns="" w="9525">
                 <a:solidFill>
                   <a:srgbClr val="000000"/>
                 </a:solidFill>
@@ -3898,7 +3917,7 @@
   <p:clrMapOvr>
     <a:masterClrMapping/>
   </p:clrMapOvr>
-  <p:transition xmlns:p14="http://schemas.microsoft.com/office/powerpoint/2010/main" spd="med">
+  <p:transition spd="med">
     <p:fade/>
   </p:transition>
 </p:sldLayout>
@@ -4186,7 +4205,7 @@
   <p:clrMapOvr>
     <a:masterClrMapping/>
   </p:clrMapOvr>
-  <p:transition xmlns:p14="http://schemas.microsoft.com/office/powerpoint/2010/main" spd="med">
+  <p:transition spd="med">
     <p:fade/>
   </p:transition>
 </p:sldLayout>
@@ -4498,7 +4517,7 @@
   <p:clrMapOvr>
     <a:masterClrMapping/>
   </p:clrMapOvr>
-  <p:transition xmlns:p14="http://schemas.microsoft.com/office/powerpoint/2010/main" spd="med">
+  <p:transition spd="med">
     <p:fade/>
   </p:transition>
 </p:sldLayout>
@@ -4675,7 +4694,7 @@
   <p:clrMapOvr>
     <a:masterClrMapping/>
   </p:clrMapOvr>
-  <p:transition xmlns:p14="http://schemas.microsoft.com/office/powerpoint/2010/main" spd="med">
+  <p:transition spd="med">
     <p:fade/>
   </p:transition>
 </p:sldLayout>
@@ -4979,7 +4998,7 @@
   <p:clrMapOvr>
     <a:masterClrMapping/>
   </p:clrMapOvr>
-  <p:transition xmlns:p14="http://schemas.microsoft.com/office/powerpoint/2010/main" spd="med">
+  <p:transition spd="med">
     <p:fade/>
   </p:transition>
 </p:sldLayout>
@@ -5055,14 +5074,14 @@
           </a:ln>
           <a:extLst>
             <a:ext uri="{909E8E84-426E-40dd-AFC4-6F175D3DCCD1}">
-              <a14:hiddenFill xmlns:a14="http://schemas.microsoft.com/office/drawing/2010/main">
+              <a14:hiddenFill xmlns:a14="http://schemas.microsoft.com/office/drawing/2010/main" xmlns="">
                 <a:solidFill>
                   <a:srgbClr val="FFFFFF"/>
                 </a:solidFill>
               </a14:hiddenFill>
             </a:ext>
             <a:ext uri="{91240B29-F687-4f45-9708-019B960494DF}">
-              <a14:hiddenLine xmlns:a14="http://schemas.microsoft.com/office/drawing/2010/main" w="9525">
+              <a14:hiddenLine xmlns:a14="http://schemas.microsoft.com/office/drawing/2010/main" xmlns="" w="9525">
                 <a:solidFill>
                   <a:srgbClr val="000000"/>
                 </a:solidFill>
@@ -5347,7 +5366,7 @@
   <p:clrMapOvr>
     <a:overrideClrMapping bg1="lt1" tx1="dk1" bg2="lt2" tx2="dk2" accent1="accent1" accent2="accent2" accent3="accent3" accent4="accent4" accent5="accent5" accent6="accent6" hlink="hlink" folHlink="folHlink"/>
   </p:clrMapOvr>
-  <p:transition xmlns:p14="http://schemas.microsoft.com/office/powerpoint/2010/main" spd="med">
+  <p:transition spd="med">
     <p:fade/>
   </p:transition>
 </p:sldLayout>
@@ -5423,14 +5442,14 @@
           </a:ln>
           <a:extLst>
             <a:ext uri="{909E8E84-426E-40dd-AFC4-6F175D3DCCD1}">
-              <a14:hiddenFill xmlns:a14="http://schemas.microsoft.com/office/drawing/2010/main">
+              <a14:hiddenFill xmlns:a14="http://schemas.microsoft.com/office/drawing/2010/main" xmlns="">
                 <a:solidFill>
                   <a:srgbClr val="FFFFFF"/>
                 </a:solidFill>
               </a14:hiddenFill>
             </a:ext>
             <a:ext uri="{91240B29-F687-4f45-9708-019B960494DF}">
-              <a14:hiddenLine xmlns:a14="http://schemas.microsoft.com/office/drawing/2010/main" w="9525">
+              <a14:hiddenLine xmlns:a14="http://schemas.microsoft.com/office/drawing/2010/main" xmlns="" w="9525">
                 <a:solidFill>
                   <a:srgbClr val="000000"/>
                 </a:solidFill>
@@ -5710,7 +5729,7 @@
   <p:clrMapOvr>
     <a:overrideClrMapping bg1="lt1" tx1="dk1" bg2="lt2" tx2="dk2" accent1="accent1" accent2="accent2" accent3="accent3" accent4="accent4" accent5="accent5" accent6="accent6" hlink="hlink" folHlink="folHlink"/>
   </p:clrMapOvr>
-  <p:transition xmlns:p14="http://schemas.microsoft.com/office/powerpoint/2010/main" spd="med">
+  <p:transition spd="med">
     <p:fade/>
   </p:transition>
 </p:sldLayout>
@@ -5786,14 +5805,14 @@
           </a:ln>
           <a:extLst>
             <a:ext uri="{909E8E84-426E-40dd-AFC4-6F175D3DCCD1}">
-              <a14:hiddenFill xmlns:a14="http://schemas.microsoft.com/office/drawing/2010/main">
+              <a14:hiddenFill xmlns:a14="http://schemas.microsoft.com/office/drawing/2010/main" xmlns="">
                 <a:solidFill>
                   <a:srgbClr val="FFFFFF"/>
                 </a:solidFill>
               </a14:hiddenFill>
             </a:ext>
             <a:ext uri="{91240B29-F687-4f45-9708-019B960494DF}">
-              <a14:hiddenLine xmlns:a14="http://schemas.microsoft.com/office/drawing/2010/main" w="9525">
+              <a14:hiddenLine xmlns:a14="http://schemas.microsoft.com/office/drawing/2010/main" xmlns="" w="9525">
                 <a:solidFill>
                   <a:srgbClr val="000000"/>
                 </a:solidFill>
@@ -6069,7 +6088,7 @@
   <p:clrMapOvr>
     <a:overrideClrMapping bg1="lt1" tx1="dk1" bg2="lt2" tx2="dk2" accent1="accent1" accent2="accent2" accent3="accent3" accent4="accent4" accent5="accent5" accent6="accent6" hlink="hlink" folHlink="folHlink"/>
   </p:clrMapOvr>
-  <p:transition xmlns:p14="http://schemas.microsoft.com/office/powerpoint/2010/main" spd="med">
+  <p:transition spd="med">
     <p:fade/>
   </p:transition>
 </p:sldLayout>
@@ -6275,7 +6294,7 @@
   <p:clrMapOvr>
     <a:overrideClrMapping bg1="lt1" tx1="dk1" bg2="lt2" tx2="dk2" accent1="accent1" accent2="accent2" accent3="accent3" accent4="accent4" accent5="accent5" accent6="accent6" hlink="hlink" folHlink="folHlink"/>
   </p:clrMapOvr>
-  <p:transition xmlns:p14="http://schemas.microsoft.com/office/powerpoint/2010/main" spd="med">
+  <p:transition spd="med">
     <p:fade/>
   </p:transition>
 </p:sldLayout>
@@ -6351,14 +6370,14 @@
           </a:ln>
           <a:extLst>
             <a:ext uri="{909E8E84-426E-40dd-AFC4-6F175D3DCCD1}">
-              <a14:hiddenFill xmlns:a14="http://schemas.microsoft.com/office/drawing/2010/main">
+              <a14:hiddenFill xmlns:a14="http://schemas.microsoft.com/office/drawing/2010/main" xmlns="">
                 <a:solidFill>
                   <a:srgbClr val="FFFFFF"/>
                 </a:solidFill>
               </a14:hiddenFill>
             </a:ext>
             <a:ext uri="{91240B29-F687-4f45-9708-019B960494DF}">
-              <a14:hiddenLine xmlns:a14="http://schemas.microsoft.com/office/drawing/2010/main" w="9525">
+              <a14:hiddenLine xmlns:a14="http://schemas.microsoft.com/office/drawing/2010/main" xmlns="" w="9525">
                 <a:solidFill>
                   <a:srgbClr val="000000"/>
                 </a:solidFill>
@@ -6641,7 +6660,7 @@
   <p:clrMapOvr>
     <a:overrideClrMapping bg1="lt1" tx1="dk1" bg2="lt2" tx2="dk2" accent1="accent1" accent2="accent2" accent3="accent3" accent4="accent4" accent5="accent5" accent6="accent6" hlink="hlink" folHlink="folHlink"/>
   </p:clrMapOvr>
-  <p:transition xmlns:p14="http://schemas.microsoft.com/office/powerpoint/2010/main" spd="med">
+  <p:transition spd="med">
     <p:fade/>
   </p:transition>
 </p:sldLayout>
@@ -6849,7 +6868,7 @@
   <p:clrMapOvr>
     <a:overrideClrMapping bg1="lt1" tx1="dk1" bg2="lt2" tx2="dk2" accent1="accent1" accent2="accent2" accent3="accent3" accent4="accent4" accent5="accent5" accent6="accent6" hlink="hlink" folHlink="folHlink"/>
   </p:clrMapOvr>
-  <p:transition xmlns:p14="http://schemas.microsoft.com/office/powerpoint/2010/main" spd="med">
+  <p:transition spd="med">
     <p:fade/>
   </p:transition>
 </p:sldLayout>
@@ -6925,14 +6944,14 @@
           </a:ln>
           <a:extLst>
             <a:ext uri="{909E8E84-426E-40dd-AFC4-6F175D3DCCD1}">
-              <a14:hiddenFill xmlns:a14="http://schemas.microsoft.com/office/drawing/2010/main">
+              <a14:hiddenFill xmlns:a14="http://schemas.microsoft.com/office/drawing/2010/main" xmlns="">
                 <a:solidFill>
                   <a:srgbClr val="FFFFFF"/>
                 </a:solidFill>
               </a14:hiddenFill>
             </a:ext>
             <a:ext uri="{91240B29-F687-4f45-9708-019B960494DF}">
-              <a14:hiddenLine xmlns:a14="http://schemas.microsoft.com/office/drawing/2010/main" w="9525">
+              <a14:hiddenLine xmlns:a14="http://schemas.microsoft.com/office/drawing/2010/main" xmlns="" w="9525">
                 <a:solidFill>
                   <a:srgbClr val="000000"/>
                 </a:solidFill>
@@ -7200,7 +7219,7 @@
   <p:clrMapOvr>
     <a:overrideClrMapping bg1="lt1" tx1="dk1" bg2="lt2" tx2="dk2" accent1="accent1" accent2="accent2" accent3="accent3" accent4="accent4" accent5="accent5" accent6="accent6" hlink="hlink" folHlink="folHlink"/>
   </p:clrMapOvr>
-  <p:transition xmlns:p14="http://schemas.microsoft.com/office/powerpoint/2010/main" spd="med">
+  <p:transition spd="med">
     <p:fade/>
   </p:transition>
 </p:sldLayout>
@@ -7428,7 +7447,7 @@
   <p:clrMapOvr>
     <a:overrideClrMapping bg1="lt1" tx1="dk1" bg2="lt2" tx2="dk2" accent1="accent1" accent2="accent2" accent3="accent3" accent4="accent4" accent5="accent5" accent6="accent6" hlink="hlink" folHlink="folHlink"/>
   </p:clrMapOvr>
-  <p:transition xmlns:p14="http://schemas.microsoft.com/office/powerpoint/2010/main" spd="med">
+  <p:transition spd="med">
     <p:fade/>
   </p:transition>
 </p:sldLayout>
@@ -7716,7 +7735,7 @@
   <p:clrMapOvr>
     <a:overrideClrMapping bg1="lt1" tx1="dk1" bg2="lt2" tx2="dk2" accent1="accent1" accent2="accent2" accent3="accent3" accent4="accent4" accent5="accent5" accent6="accent6" hlink="hlink" folHlink="folHlink"/>
   </p:clrMapOvr>
-  <p:transition xmlns:p14="http://schemas.microsoft.com/office/powerpoint/2010/main" spd="med">
+  <p:transition spd="med">
     <p:fade/>
   </p:transition>
 </p:sldLayout>
@@ -7872,14 +7891,14 @@
           </a:ln>
           <a:extLst>
             <a:ext uri="{909E8E84-426E-40dd-AFC4-6F175D3DCCD1}">
-              <a14:hiddenFill xmlns:a14="http://schemas.microsoft.com/office/drawing/2010/main">
+              <a14:hiddenFill xmlns:a14="http://schemas.microsoft.com/office/drawing/2010/main" xmlns="">
                 <a:solidFill>
                   <a:srgbClr val="FFFFFF"/>
                 </a:solidFill>
               </a14:hiddenFill>
             </a:ext>
             <a:ext uri="{91240B29-F687-4f45-9708-019B960494DF}">
-              <a14:hiddenLine xmlns:a14="http://schemas.microsoft.com/office/drawing/2010/main" w="9525">
+              <a14:hiddenLine xmlns:a14="http://schemas.microsoft.com/office/drawing/2010/main" xmlns="" w="9525">
                 <a:solidFill>
                   <a:srgbClr val="000000"/>
                 </a:solidFill>
@@ -8085,13 +8104,13 @@
     <p:sldLayoutId id="2147483841" r:id="rId11"/>
     <p:sldLayoutId id="2147483843" r:id="rId12"/>
   </p:sldLayoutIdLst>
-  <p:transition xmlns:p14="http://schemas.microsoft.com/office/powerpoint/2010/main" spd="med">
+  <p:transition spd="med">
     <p:fade/>
   </p:transition>
   <p:timing>
     <p:tnLst>
       <p:par>
-        <p:cTn xmlns:p14="http://schemas.microsoft.com/office/powerpoint/2010/main" id="1" dur="indefinite" restart="never" nodeType="tmRoot"/>
+        <p:cTn id="1" dur="indefinite" restart="never" nodeType="tmRoot"/>
       </p:par>
     </p:tnLst>
   </p:timing>
@@ -8619,14 +8638,14 @@
           </a:ln>
           <a:extLst>
             <a:ext uri="{909E8E84-426E-40dd-AFC4-6F175D3DCCD1}">
-              <a14:hiddenFill xmlns:a14="http://schemas.microsoft.com/office/drawing/2010/main">
+              <a14:hiddenFill xmlns:a14="http://schemas.microsoft.com/office/drawing/2010/main" xmlns="">
                 <a:solidFill>
                   <a:srgbClr val="FFFFFF"/>
                 </a:solidFill>
               </a14:hiddenFill>
             </a:ext>
             <a:ext uri="{91240B29-F687-4f45-9708-019B960494DF}">
-              <a14:hiddenLine xmlns:a14="http://schemas.microsoft.com/office/drawing/2010/main" w="9525">
+              <a14:hiddenLine xmlns:a14="http://schemas.microsoft.com/office/drawing/2010/main" xmlns="" w="9525">
                 <a:solidFill>
                   <a:srgbClr val="000000"/>
                 </a:solidFill>
@@ -8905,13 +8924,13 @@
     <p:sldLayoutId id="2147483867" r:id="rId9"/>
     <p:sldLayoutId id="2147483869" r:id="rId10"/>
   </p:sldLayoutIdLst>
-  <p:transition xmlns:p14="http://schemas.microsoft.com/office/powerpoint/2010/main" spd="med">
+  <p:transition spd="med">
     <p:fade/>
   </p:transition>
   <p:timing>
     <p:tnLst>
       <p:par>
-        <p:cTn xmlns:p14="http://schemas.microsoft.com/office/powerpoint/2010/main" id="1" dur="indefinite" restart="never" nodeType="tmRoot"/>
+        <p:cTn id="1" dur="indefinite" restart="never" nodeType="tmRoot"/>
       </p:par>
     </p:tnLst>
   </p:timing>
@@ -9409,13 +9428,13 @@
   <p:clrMapOvr>
     <a:masterClrMapping/>
   </p:clrMapOvr>
-  <p:transition xmlns:p14="http://schemas.microsoft.com/office/powerpoint/2010/main" spd="med">
+  <p:transition spd="med">
     <p:fade/>
   </p:transition>
   <p:timing>
     <p:tnLst>
       <p:par>
-        <p:cTn xmlns:p14="http://schemas.microsoft.com/office/powerpoint/2010/main" id="1" dur="indefinite" restart="never" nodeType="tmRoot"/>
+        <p:cTn id="1" dur="indefinite" restart="never" nodeType="tmRoot"/>
       </p:par>
     </p:tnLst>
   </p:timing>
@@ -9663,13 +9682,13 @@
   <p:clrMapOvr>
     <a:masterClrMapping/>
   </p:clrMapOvr>
-  <p:transition xmlns:p14="http://schemas.microsoft.com/office/powerpoint/2010/main" spd="med">
+  <p:transition spd="med">
     <p:fade/>
   </p:transition>
   <p:timing>
     <p:tnLst>
       <p:par>
-        <p:cTn xmlns:p14="http://schemas.microsoft.com/office/powerpoint/2010/main" id="1" dur="indefinite" restart="never" nodeType="tmRoot"/>
+        <p:cTn id="1" dur="indefinite" restart="never" nodeType="tmRoot"/>
       </p:par>
     </p:tnLst>
   </p:timing>
@@ -9898,13 +9917,13 @@
   <p:clrMapOvr>
     <a:masterClrMapping/>
   </p:clrMapOvr>
-  <p:transition xmlns:p14="http://schemas.microsoft.com/office/powerpoint/2010/main" spd="med">
+  <p:transition spd="med">
     <p:fade/>
   </p:transition>
   <p:timing>
     <p:tnLst>
       <p:par>
-        <p:cTn xmlns:p14="http://schemas.microsoft.com/office/powerpoint/2010/main" id="1" dur="indefinite" restart="never" nodeType="tmRoot"/>
+        <p:cTn id="1" dur="indefinite" restart="never" nodeType="tmRoot"/>
       </p:par>
     </p:tnLst>
   </p:timing>
@@ -10052,13 +10071,13 @@
   <p:clrMapOvr>
     <a:masterClrMapping/>
   </p:clrMapOvr>
-  <p:transition xmlns:p14="http://schemas.microsoft.com/office/powerpoint/2010/main" spd="med">
+  <p:transition spd="med">
     <p:fade/>
   </p:transition>
   <p:timing>
     <p:tnLst>
       <p:par>
-        <p:cTn xmlns:p14="http://schemas.microsoft.com/office/powerpoint/2010/main" id="1" dur="indefinite" restart="never" nodeType="tmRoot"/>
+        <p:cTn id="1" dur="indefinite" restart="never" nodeType="tmRoot"/>
       </p:par>
     </p:tnLst>
   </p:timing>
@@ -10145,11 +10164,7 @@
           <a:p>
             <a:r>
               <a:rPr lang="en-US" dirty="0" smtClean="0"/>
-              <a:t>Move </a:t>
-            </a:r>
-            <a:r>
-              <a:rPr lang="en-US" dirty="0" smtClean="0"/>
-              <a:t>into the Cookbook Directory</a:t>
+              <a:t>Move into the Cookbook Directory</a:t>
             </a:r>
             <a:endParaRPr lang="en-US" dirty="0"/>
           </a:p>
@@ -10165,9 +10180,16 @@
   <p:clrMapOvr>
     <a:masterClrMapping/>
   </p:clrMapOvr>
-  <p:transition xmlns:p14="http://schemas.microsoft.com/office/powerpoint/2010/main" spd="med">
+  <p:transition spd="med">
     <p:fade/>
   </p:transition>
+  <p:timing>
+    <p:tnLst>
+      <p:par>
+        <p:cTn id="1" dur="indefinite" restart="never" nodeType="tmRoot"/>
+      </p:par>
+    </p:tnLst>
+  </p:timing>
 </p:sld>
 </file>
 
@@ -10207,15 +10229,7 @@
           <a:p>
             <a:r>
               <a:rPr lang="en-US" sz="4800" dirty="0" smtClean="0"/>
-              <a:t>Remove Settings </a:t>
-            </a:r>
-            <a:r>
-              <a:rPr lang="en-US" sz="4800" dirty="0" smtClean="0"/>
-              <a:t>from </a:t>
-            </a:r>
-            <a:r>
-              <a:rPr lang="en-US" sz="4800" dirty="0" smtClean="0"/>
-              <a:t>the Kitchen Configuration</a:t>
+              <a:t>Remove Settings from the Kitchen Configuration</a:t>
             </a:r>
             <a:endParaRPr lang="en-US" sz="4800" dirty="0"/>
           </a:p>
@@ -10457,9 +10471,16 @@
   <p:clrMapOvr>
     <a:masterClrMapping/>
   </p:clrMapOvr>
-  <p:transition xmlns:p14="http://schemas.microsoft.com/office/powerpoint/2010/main" spd="med">
+  <p:transition spd="med">
     <p:fade/>
   </p:transition>
+  <p:timing>
+    <p:tnLst>
+      <p:par>
+        <p:cTn id="1" dur="indefinite" restart="never" nodeType="tmRoot"/>
+      </p:par>
+    </p:tnLst>
+  </p:timing>
 </p:sld>
 </file>
 
@@ -10742,9 +10763,16 @@
   <p:clrMapOvr>
     <a:masterClrMapping/>
   </p:clrMapOvr>
-  <p:transition xmlns:p14="http://schemas.microsoft.com/office/powerpoint/2010/main" spd="med">
+  <p:transition spd="med">
     <p:fade/>
   </p:transition>
+  <p:timing>
+    <p:tnLst>
+      <p:par>
+        <p:cTn id="1" dur="indefinite" restart="never" nodeType="tmRoot"/>
+      </p:par>
+    </p:tnLst>
+  </p:timing>
 </p:sld>
 </file>
 
@@ -10905,9 +10933,16 @@
   <p:clrMapOvr>
     <a:masterClrMapping/>
   </p:clrMapOvr>
-  <p:transition xmlns:p14="http://schemas.microsoft.com/office/powerpoint/2010/main" spd="med">
+  <p:transition spd="med">
     <p:fade/>
   </p:transition>
+  <p:timing>
+    <p:tnLst>
+      <p:par>
+        <p:cTn id="1" dur="indefinite" restart="never" nodeType="tmRoot"/>
+      </p:par>
+    </p:tnLst>
+  </p:timing>
 </p:sld>
 </file>
 
@@ -11194,9 +11229,16 @@
   <p:clrMapOvr>
     <a:masterClrMapping/>
   </p:clrMapOvr>
-  <p:transition xmlns:p14="http://schemas.microsoft.com/office/powerpoint/2010/main" spd="med">
+  <p:transition spd="med">
     <p:fade/>
   </p:transition>
+  <p:timing>
+    <p:tnLst>
+      <p:par>
+        <p:cTn id="1" dur="indefinite" restart="never" nodeType="tmRoot"/>
+      </p:par>
+    </p:tnLst>
+  </p:timing>
 </p:sld>
 </file>
 
@@ -11572,9 +11614,16 @@
   <p:clrMapOvr>
     <a:masterClrMapping/>
   </p:clrMapOvr>
-  <p:transition xmlns:p14="http://schemas.microsoft.com/office/powerpoint/2010/main" spd="med">
+  <p:transition spd="med">
     <p:fade/>
   </p:transition>
+  <p:timing>
+    <p:tnLst>
+      <p:par>
+        <p:cTn id="1" dur="indefinite" restart="never" nodeType="tmRoot"/>
+      </p:par>
+    </p:tnLst>
+  </p:timing>
 </p:sld>
 </file>
 
@@ -11850,9 +11899,16 @@
   <p:clrMapOvr>
     <a:masterClrMapping/>
   </p:clrMapOvr>
-  <p:transition xmlns:p14="http://schemas.microsoft.com/office/powerpoint/2010/main" spd="med">
+  <p:transition spd="med">
     <p:fade/>
   </p:transition>
+  <p:timing>
+    <p:tnLst>
+      <p:par>
+        <p:cTn id="1" dur="indefinite" restart="never" nodeType="tmRoot"/>
+      </p:par>
+    </p:tnLst>
+  </p:timing>
 </p:sld>
 </file>
 
@@ -11973,13 +12029,13 @@
   <p:clrMapOvr>
     <a:masterClrMapping/>
   </p:clrMapOvr>
-  <p:transition xmlns:p14="http://schemas.microsoft.com/office/powerpoint/2010/main" spd="med">
+  <p:transition spd="med">
     <p:fade/>
   </p:transition>
   <p:timing>
     <p:tnLst>
       <p:par>
-        <p:cTn xmlns:p14="http://schemas.microsoft.com/office/powerpoint/2010/main" id="1" dur="indefinite" restart="never" nodeType="tmRoot"/>
+        <p:cTn id="1" dur="indefinite" restart="never" nodeType="tmRoot"/>
       </p:par>
     </p:tnLst>
   </p:timing>
@@ -12168,9 +12224,16 @@
   <p:clrMapOvr>
     <a:masterClrMapping/>
   </p:clrMapOvr>
-  <p:transition xmlns:p14="http://schemas.microsoft.com/office/powerpoint/2010/main" spd="med">
+  <p:transition spd="med">
     <p:fade/>
   </p:transition>
+  <p:timing>
+    <p:tnLst>
+      <p:par>
+        <p:cTn id="1" dur="indefinite" restart="never" nodeType="tmRoot"/>
+      </p:par>
+    </p:tnLst>
+  </p:timing>
 </p:sld>
 </file>
 
@@ -12307,13 +12370,13 @@
   <p:clrMapOvr>
     <a:masterClrMapping/>
   </p:clrMapOvr>
-  <p:transition xmlns:p14="http://schemas.microsoft.com/office/powerpoint/2010/main" spd="med">
+  <p:transition spd="med">
     <p:fade/>
   </p:transition>
   <p:timing>
     <p:tnLst>
       <p:par>
-        <p:cTn xmlns:p14="http://schemas.microsoft.com/office/powerpoint/2010/main" id="1" dur="indefinite" restart="never" nodeType="tmRoot"/>
+        <p:cTn id="1" dur="indefinite" restart="never" nodeType="tmRoot"/>
       </p:par>
     </p:tnLst>
   </p:timing>
@@ -12540,13 +12603,13 @@
   <p:clrMapOvr>
     <a:masterClrMapping/>
   </p:clrMapOvr>
-  <p:transition xmlns:p14="http://schemas.microsoft.com/office/powerpoint/2010/main" spd="med">
+  <p:transition spd="med">
     <p:fade/>
   </p:transition>
   <p:timing>
     <p:tnLst>
       <p:par>
-        <p:cTn xmlns:p14="http://schemas.microsoft.com/office/powerpoint/2010/main" id="1" dur="indefinite" restart="never" nodeType="tmRoot"/>
+        <p:cTn id="1" dur="indefinite" restart="never" nodeType="tmRoot"/>
       </p:par>
     </p:tnLst>
   </p:timing>
@@ -12656,13 +12719,13 @@
   <p:clrMapOvr>
     <a:masterClrMapping/>
   </p:clrMapOvr>
-  <p:transition xmlns:p14="http://schemas.microsoft.com/office/powerpoint/2010/main" spd="med">
+  <p:transition spd="med">
     <p:fade/>
   </p:transition>
   <p:timing>
     <p:tnLst>
       <p:par>
-        <p:cTn xmlns:p14="http://schemas.microsoft.com/office/powerpoint/2010/main" id="1" dur="indefinite" restart="never" nodeType="tmRoot"/>
+        <p:cTn id="1" dur="indefinite" restart="never" nodeType="tmRoot"/>
       </p:par>
     </p:tnLst>
   </p:timing>
@@ -12810,13 +12873,13 @@
   <p:clrMapOvr>
     <a:masterClrMapping/>
   </p:clrMapOvr>
-  <p:transition xmlns:p14="http://schemas.microsoft.com/office/powerpoint/2010/main" spd="med">
+  <p:transition spd="med">
     <p:fade/>
   </p:transition>
   <p:timing>
     <p:tnLst>
       <p:par>
-        <p:cTn xmlns:p14="http://schemas.microsoft.com/office/powerpoint/2010/main" id="1" dur="indefinite" restart="never" nodeType="tmRoot"/>
+        <p:cTn id="1" dur="indefinite" restart="never" nodeType="tmRoot"/>
       </p:par>
     </p:tnLst>
   </p:timing>
@@ -13030,9 +13093,16 @@
   <p:clrMapOvr>
     <a:masterClrMapping/>
   </p:clrMapOvr>
-  <p:transition xmlns:p14="http://schemas.microsoft.com/office/powerpoint/2010/main" spd="med">
+  <p:transition spd="med">
     <p:fade/>
   </p:transition>
+  <p:timing>
+    <p:tnLst>
+      <p:par>
+        <p:cTn id="1" dur="indefinite" restart="never" nodeType="tmRoot"/>
+      </p:par>
+    </p:tnLst>
+  </p:timing>
 </p:sld>
 </file>
 
@@ -13177,13 +13247,13 @@
   <p:clrMapOvr>
     <a:masterClrMapping/>
   </p:clrMapOvr>
-  <p:transition xmlns:p14="http://schemas.microsoft.com/office/powerpoint/2010/main" spd="med">
+  <p:transition spd="med">
     <p:fade/>
   </p:transition>
   <p:timing>
     <p:tnLst>
       <p:par>
-        <p:cTn xmlns:p14="http://schemas.microsoft.com/office/powerpoint/2010/main" id="1" dur="indefinite" restart="never" nodeType="tmRoot"/>
+        <p:cTn id="1" dur="indefinite" restart="never" nodeType="tmRoot"/>
       </p:par>
     </p:tnLst>
   </p:timing>
@@ -13427,13 +13497,13 @@
   <p:clrMapOvr>
     <a:masterClrMapping/>
   </p:clrMapOvr>
-  <p:transition xmlns:p14="http://schemas.microsoft.com/office/powerpoint/2010/main" spd="med">
+  <p:transition spd="med">
     <p:fade/>
   </p:transition>
   <p:timing>
     <p:tnLst>
       <p:par>
-        <p:cTn xmlns:p14="http://schemas.microsoft.com/office/powerpoint/2010/main" id="1" dur="indefinite" restart="never" nodeType="tmRoot"/>
+        <p:cTn id="1" dur="indefinite" restart="never" nodeType="tmRoot"/>
       </p:par>
     </p:tnLst>
   </p:timing>
@@ -13602,13 +13672,13 @@
   <p:clrMapOvr>
     <a:masterClrMapping/>
   </p:clrMapOvr>
-  <p:transition xmlns:p14="http://schemas.microsoft.com/office/powerpoint/2010/main" spd="med">
+  <p:transition spd="med">
     <p:fade/>
   </p:transition>
   <p:timing>
     <p:tnLst>
       <p:par>
-        <p:cTn xmlns:p14="http://schemas.microsoft.com/office/powerpoint/2010/main" id="1" dur="indefinite" restart="never" nodeType="tmRoot"/>
+        <p:cTn id="1" dur="indefinite" restart="never" nodeType="tmRoot"/>
       </p:par>
     </p:tnLst>
   </p:timing>
@@ -13689,9 +13759,16 @@
   <p:clrMapOvr>
     <a:masterClrMapping/>
   </p:clrMapOvr>
-  <p:transition xmlns:p14="http://schemas.microsoft.com/office/powerpoint/2010/main" spd="med">
+  <p:transition spd="med">
     <p:fade/>
   </p:transition>
+  <p:timing>
+    <p:tnLst>
+      <p:par>
+        <p:cTn id="1" dur="indefinite" restart="never" nodeType="tmRoot"/>
+      </p:par>
+    </p:tnLst>
+  </p:timing>
 </p:sld>
 </file>
 
@@ -13837,13 +13914,13 @@
   <p:clrMapOvr>
     <a:masterClrMapping/>
   </p:clrMapOvr>
-  <p:transition xmlns:p14="http://schemas.microsoft.com/office/powerpoint/2010/main" spd="med">
+  <p:transition spd="med">
     <p:fade/>
   </p:transition>
   <p:timing>
     <p:tnLst>
       <p:par>
-        <p:cTn xmlns:p14="http://schemas.microsoft.com/office/powerpoint/2010/main" id="1" dur="indefinite" restart="never" nodeType="tmRoot"/>
+        <p:cTn id="1" dur="indefinite" restart="never" nodeType="tmRoot"/>
       </p:par>
     </p:tnLst>
   </p:timing>
@@ -13925,9 +14002,16 @@
   <p:clrMapOvr>
     <a:masterClrMapping/>
   </p:clrMapOvr>
-  <p:transition xmlns:p14="http://schemas.microsoft.com/office/powerpoint/2010/main" spd="med">
+  <p:transition spd="med">
     <p:fade/>
   </p:transition>
+  <p:timing>
+    <p:tnLst>
+      <p:par>
+        <p:cTn id="1" dur="indefinite" restart="never" nodeType="tmRoot"/>
+      </p:par>
+    </p:tnLst>
+  </p:timing>
 </p:sld>
 </file>
 
@@ -14155,13 +14239,13 @@
   <p:clrMapOvr>
     <a:masterClrMapping/>
   </p:clrMapOvr>
-  <p:transition xmlns:p14="http://schemas.microsoft.com/office/powerpoint/2010/main" spd="med">
+  <p:transition spd="med">
     <p:fade/>
   </p:transition>
   <p:timing>
     <p:tnLst>
       <p:par>
-        <p:cTn xmlns:p14="http://schemas.microsoft.com/office/powerpoint/2010/main" id="1" dur="indefinite" restart="never" nodeType="tmRoot"/>
+        <p:cTn id="1" dur="indefinite" restart="never" nodeType="tmRoot"/>
       </p:par>
     </p:tnLst>
   </p:timing>
@@ -14341,13 +14425,13 @@
   <p:clrMapOvr>
     <a:masterClrMapping/>
   </p:clrMapOvr>
-  <p:transition xmlns:p14="http://schemas.microsoft.com/office/powerpoint/2010/main" spd="med">
+  <p:transition spd="med">
     <p:fade/>
   </p:transition>
   <p:timing>
     <p:tnLst>
       <p:par>
-        <p:cTn xmlns:p14="http://schemas.microsoft.com/office/powerpoint/2010/main" id="1" dur="indefinite" restart="never" nodeType="tmRoot"/>
+        <p:cTn id="1" dur="indefinite" restart="never" nodeType="tmRoot"/>
       </p:par>
     </p:tnLst>
   </p:timing>
@@ -14495,9 +14579,16 @@
   <p:clrMapOvr>
     <a:masterClrMapping/>
   </p:clrMapOvr>
-  <p:transition xmlns:p14="http://schemas.microsoft.com/office/powerpoint/2010/main" spd="med">
+  <p:transition spd="med">
     <p:fade/>
   </p:transition>
+  <p:timing>
+    <p:tnLst>
+      <p:par>
+        <p:cTn id="1" dur="indefinite" restart="never" nodeType="tmRoot"/>
+      </p:par>
+    </p:tnLst>
+  </p:timing>
 </p:sld>
 </file>
 
@@ -14593,9 +14684,16 @@
   <p:clrMapOvr>
     <a:masterClrMapping/>
   </p:clrMapOvr>
-  <p:transition xmlns:p14="http://schemas.microsoft.com/office/powerpoint/2010/main" spd="med">
+  <p:transition spd="med">
     <p:fade/>
   </p:transition>
+  <p:timing>
+    <p:tnLst>
+      <p:par>
+        <p:cTn id="1" dur="indefinite" restart="never" nodeType="tmRoot"/>
+      </p:par>
+    </p:tnLst>
+  </p:timing>
 </p:sld>
 </file>
 
@@ -14674,9 +14772,16 @@
   <p:clrMapOvr>
     <a:masterClrMapping/>
   </p:clrMapOvr>
-  <p:transition xmlns:p14="http://schemas.microsoft.com/office/powerpoint/2010/main" spd="med">
+  <p:transition spd="med">
     <p:fade/>
   </p:transition>
+  <p:timing>
+    <p:tnLst>
+      <p:par>
+        <p:cTn id="1" dur="indefinite" restart="never" nodeType="tmRoot"/>
+      </p:par>
+    </p:tnLst>
+  </p:timing>
 </p:sld>
 </file>
 
@@ -14707,7 +14812,7 @@
   <p:clrMapOvr>
     <a:masterClrMapping/>
   </p:clrMapOvr>
-  <p:transition xmlns:p14="http://schemas.microsoft.com/office/powerpoint/2010/main" spd="med">
+  <p:transition spd="med">
     <p:fade/>
   </p:transition>
 </p:sld>
@@ -14807,13 +14912,13 @@
   <p:clrMapOvr>
     <a:masterClrMapping/>
   </p:clrMapOvr>
-  <p:transition xmlns:p14="http://schemas.microsoft.com/office/powerpoint/2010/main" spd="med">
+  <p:transition spd="med">
     <p:fade/>
   </p:transition>
   <p:timing>
     <p:tnLst>
       <p:par>
-        <p:cTn xmlns:p14="http://schemas.microsoft.com/office/powerpoint/2010/main" id="1" dur="indefinite" restart="never" nodeType="tmRoot"/>
+        <p:cTn id="1" dur="indefinite" restart="never" nodeType="tmRoot"/>
       </p:par>
     </p:tnLst>
   </p:timing>
@@ -15014,13 +15119,13 @@
   <p:clrMapOvr>
     <a:masterClrMapping/>
   </p:clrMapOvr>
-  <p:transition xmlns:p14="http://schemas.microsoft.com/office/powerpoint/2010/main" spd="med">
+  <p:transition spd="med">
     <p:fade/>
   </p:transition>
   <p:timing>
     <p:tnLst>
       <p:par>
-        <p:cTn xmlns:p14="http://schemas.microsoft.com/office/powerpoint/2010/main" id="1" dur="indefinite" restart="never" nodeType="tmRoot"/>
+        <p:cTn id="1" dur="indefinite" restart="never" nodeType="tmRoot"/>
       </p:par>
     </p:tnLst>
   </p:timing>
@@ -15274,13 +15379,13 @@
   <p:clrMapOvr>
     <a:masterClrMapping/>
   </p:clrMapOvr>
-  <p:transition xmlns:p14="http://schemas.microsoft.com/office/powerpoint/2010/main" spd="med">
+  <p:transition spd="med">
     <p:fade/>
   </p:transition>
   <p:timing>
     <p:tnLst>
       <p:par>
-        <p:cTn xmlns:p14="http://schemas.microsoft.com/office/powerpoint/2010/main" id="1" dur="indefinite" restart="never" nodeType="tmRoot"/>
+        <p:cTn id="1" dur="indefinite" restart="never" nodeType="tmRoot"/>
       </p:par>
     </p:tnLst>
   </p:timing>
@@ -15421,13 +15526,13 @@
   <p:clrMapOvr>
     <a:masterClrMapping/>
   </p:clrMapOvr>
-  <p:transition xmlns:p14="http://schemas.microsoft.com/office/powerpoint/2010/main" spd="med">
+  <p:transition spd="med">
     <p:fade/>
   </p:transition>
   <p:timing>
     <p:tnLst>
       <p:par>
-        <p:cTn xmlns:p14="http://schemas.microsoft.com/office/powerpoint/2010/main" id="1" dur="indefinite" restart="never" nodeType="tmRoot"/>
+        <p:cTn id="1" dur="indefinite" restart="never" nodeType="tmRoot"/>
       </p:par>
     </p:tnLst>
   </p:timing>
@@ -15628,13 +15733,13 @@
   <p:clrMapOvr>
     <a:masterClrMapping/>
   </p:clrMapOvr>
-  <p:transition xmlns:p14="http://schemas.microsoft.com/office/powerpoint/2010/main" spd="med">
+  <p:transition spd="med">
     <p:fade/>
   </p:transition>
   <p:timing>
     <p:tnLst>
       <p:par>
-        <p:cTn xmlns:p14="http://schemas.microsoft.com/office/powerpoint/2010/main" id="1" dur="indefinite" restart="never" nodeType="tmRoot"/>
+        <p:cTn id="1" dur="indefinite" restart="never" nodeType="tmRoot"/>
       </p:par>
     </p:tnLst>
   </p:timing>
@@ -15782,13 +15887,13 @@
   <p:clrMapOvr>
     <a:masterClrMapping/>
   </p:clrMapOvr>
-  <p:transition xmlns:p14="http://schemas.microsoft.com/office/powerpoint/2010/main" spd="med">
+  <p:transition spd="med">
     <p:fade/>
   </p:transition>
   <p:timing>
     <p:tnLst>
       <p:par>
-        <p:cTn xmlns:p14="http://schemas.microsoft.com/office/powerpoint/2010/main" id="1" dur="indefinite" restart="never" nodeType="tmRoot"/>
+        <p:cTn id="1" dur="indefinite" restart="never" nodeType="tmRoot"/>
       </p:par>
     </p:tnLst>
   </p:timing>
@@ -16171,7 +16276,7 @@
   <a:extraClrSchemeLst/>
   <a:extLst>
     <a:ext uri="{05A4C25C-085E-4340-85A3-A5531E510DB2}">
-      <thm15:themeFamily xmlns="" xmlns:thm15="http://schemas.microsoft.com/office/thememl/2012/main" name="Chef-TemplateComps_v09-16x9-Light.potx" id="{078CEFDB-FA7A-4E36-9964-13EF367585CB}" vid="{8B87B0F3-7308-43D5-8388-E1B49EA02652}"/>
+      <thm15:themeFamily xmlns:thm15="http://schemas.microsoft.com/office/thememl/2012/main" name="Chef-TemplateComps_v09-16x9-Light.potx" id="{078CEFDB-FA7A-4E36-9964-13EF367585CB}" vid="{8B87B0F3-7308-43D5-8388-E1B49EA02652}"/>
     </a:ext>
   </a:extLst>
 </a:theme>
@@ -16553,7 +16658,7 @@
   <a:extraClrSchemeLst/>
   <a:extLst>
     <a:ext uri="{05A4C25C-085E-4340-85A3-A5531E510DB2}">
-      <thm15:themeFamily xmlns="" xmlns:thm15="http://schemas.microsoft.com/office/thememl/2012/main" name="Chef-TemplateComps_v09-16x9-Light.potx" id="{078CEFDB-FA7A-4E36-9964-13EF367585CB}" vid="{8B87B0F3-7308-43D5-8388-E1B49EA02652}"/>
+      <thm15:themeFamily xmlns:thm15="http://schemas.microsoft.com/office/thememl/2012/main" name="Chef-TemplateComps_v09-16x9-Light.potx" id="{078CEFDB-FA7A-4E36-9964-13EF367585CB}" vid="{8B87B0F3-7308-43D5-8388-E1B49EA02652}"/>
     </a:ext>
   </a:extLst>
 </a:theme>
